--- a/Uber_Case_Study.pptx
+++ b/Uber_Case_Study.pptx
@@ -8,9 +8,14 @@
     <p:sldId id="256" r:id="rId2"/>
     <p:sldId id="257" r:id="rId3"/>
     <p:sldId id="258" r:id="rId4"/>
-    <p:sldId id="259" r:id="rId5"/>
-    <p:sldId id="260" r:id="rId6"/>
-    <p:sldId id="261" r:id="rId7"/>
+    <p:sldId id="263" r:id="rId5"/>
+    <p:sldId id="264" r:id="rId6"/>
+    <p:sldId id="265" r:id="rId7"/>
+    <p:sldId id="259" r:id="rId8"/>
+    <p:sldId id="260" r:id="rId9"/>
+    <p:sldId id="261" r:id="rId10"/>
+    <p:sldId id="262" r:id="rId11"/>
+    <p:sldId id="266" r:id="rId12"/>
   </p:sldIdLst>
   <p:sldSz cx="12192000" cy="6858000"/>
   <p:notesSz cx="6858000" cy="9144000"/>
@@ -109,6 +114,11 @@
       </a:defRPr>
     </a:lvl9pPr>
   </p:defaultTextStyle>
+  <p:extLst>
+    <p:ext uri="{EFAFB233-063F-42B5-8137-9DF3F51BA10A}">
+      <p15:sldGuideLst xmlns:p15="http://schemas.microsoft.com/office/powerpoint/2012/main"/>
+    </p:ext>
+  </p:extLst>
 </p:presentation>
 </file>
 
@@ -245,7 +255,7 @@
           <a:p>
             <a:fld id="{CD6E8CCC-7280-4132-AE57-1409706BC87E}" type="datetimeFigureOut">
               <a:rPr lang="en-US" smtClean="0"/>
-              <a:t>6/1/2017</a:t>
+              <a:t>6/4/2017</a:t>
             </a:fld>
             <a:endParaRPr lang="en-US"/>
           </a:p>
@@ -413,7 +423,7 @@
           <a:p>
             <a:fld id="{CD6E8CCC-7280-4132-AE57-1409706BC87E}" type="datetimeFigureOut">
               <a:rPr lang="en-US" smtClean="0"/>
-              <a:t>6/1/2017</a:t>
+              <a:t>6/4/2017</a:t>
             </a:fld>
             <a:endParaRPr lang="en-US"/>
           </a:p>
@@ -591,7 +601,7 @@
           <a:p>
             <a:fld id="{CD6E8CCC-7280-4132-AE57-1409706BC87E}" type="datetimeFigureOut">
               <a:rPr lang="en-US" smtClean="0"/>
-              <a:t>6/1/2017</a:t>
+              <a:t>6/4/2017</a:t>
             </a:fld>
             <a:endParaRPr lang="en-US"/>
           </a:p>
@@ -759,7 +769,7 @@
           <a:p>
             <a:fld id="{CD6E8CCC-7280-4132-AE57-1409706BC87E}" type="datetimeFigureOut">
               <a:rPr lang="en-US" smtClean="0"/>
-              <a:t>6/1/2017</a:t>
+              <a:t>6/4/2017</a:t>
             </a:fld>
             <a:endParaRPr lang="en-US"/>
           </a:p>
@@ -1004,7 +1014,7 @@
           <a:p>
             <a:fld id="{CD6E8CCC-7280-4132-AE57-1409706BC87E}" type="datetimeFigureOut">
               <a:rPr lang="en-US" smtClean="0"/>
-              <a:t>6/1/2017</a:t>
+              <a:t>6/4/2017</a:t>
             </a:fld>
             <a:endParaRPr lang="en-US"/>
           </a:p>
@@ -1233,7 +1243,7 @@
           <a:p>
             <a:fld id="{CD6E8CCC-7280-4132-AE57-1409706BC87E}" type="datetimeFigureOut">
               <a:rPr lang="en-US" smtClean="0"/>
-              <a:t>6/1/2017</a:t>
+              <a:t>6/4/2017</a:t>
             </a:fld>
             <a:endParaRPr lang="en-US"/>
           </a:p>
@@ -1597,7 +1607,7 @@
           <a:p>
             <a:fld id="{CD6E8CCC-7280-4132-AE57-1409706BC87E}" type="datetimeFigureOut">
               <a:rPr lang="en-US" smtClean="0"/>
-              <a:t>6/1/2017</a:t>
+              <a:t>6/4/2017</a:t>
             </a:fld>
             <a:endParaRPr lang="en-US"/>
           </a:p>
@@ -1714,7 +1724,7 @@
           <a:p>
             <a:fld id="{CD6E8CCC-7280-4132-AE57-1409706BC87E}" type="datetimeFigureOut">
               <a:rPr lang="en-US" smtClean="0"/>
-              <a:t>6/1/2017</a:t>
+              <a:t>6/4/2017</a:t>
             </a:fld>
             <a:endParaRPr lang="en-US"/>
           </a:p>
@@ -1809,7 +1819,7 @@
           <a:p>
             <a:fld id="{CD6E8CCC-7280-4132-AE57-1409706BC87E}" type="datetimeFigureOut">
               <a:rPr lang="en-US" smtClean="0"/>
-              <a:t>6/1/2017</a:t>
+              <a:t>6/4/2017</a:t>
             </a:fld>
             <a:endParaRPr lang="en-US"/>
           </a:p>
@@ -2084,7 +2094,7 @@
           <a:p>
             <a:fld id="{CD6E8CCC-7280-4132-AE57-1409706BC87E}" type="datetimeFigureOut">
               <a:rPr lang="en-US" smtClean="0"/>
-              <a:t>6/1/2017</a:t>
+              <a:t>6/4/2017</a:t>
             </a:fld>
             <a:endParaRPr lang="en-US"/>
           </a:p>
@@ -2336,7 +2346,7 @@
           <a:p>
             <a:fld id="{CD6E8CCC-7280-4132-AE57-1409706BC87E}" type="datetimeFigureOut">
               <a:rPr lang="en-US" smtClean="0"/>
-              <a:t>6/1/2017</a:t>
+              <a:t>6/4/2017</a:t>
             </a:fld>
             <a:endParaRPr lang="en-US"/>
           </a:p>
@@ -2547,7 +2557,7 @@
           <a:p>
             <a:fld id="{CD6E8CCC-7280-4132-AE57-1409706BC87E}" type="datetimeFigureOut">
               <a:rPr lang="en-US" smtClean="0"/>
-              <a:t>6/1/2017</a:t>
+              <a:t>6/4/2017</a:t>
             </a:fld>
             <a:endParaRPr lang="en-US"/>
           </a:p>
@@ -3019,6 +3029,250 @@
 </p:sld>
 </file>
 
+<file path=ppt/slides/slide10.xml><?xml version="1.0" encoding="utf-8"?>
+<p:sld xmlns:a="http://schemas.openxmlformats.org/drawingml/2006/main" xmlns:r="http://schemas.openxmlformats.org/officeDocument/2006/relationships" xmlns:p="http://schemas.openxmlformats.org/presentationml/2006/main">
+  <p:cSld>
+    <p:spTree>
+      <p:nvGrpSpPr>
+        <p:cNvPr id="1" name=""/>
+        <p:cNvGrpSpPr/>
+        <p:nvPr/>
+      </p:nvGrpSpPr>
+      <p:grpSpPr>
+        <a:xfrm>
+          <a:off x="0" y="0"/>
+          <a:ext cx="0" cy="0"/>
+          <a:chOff x="0" y="0"/>
+          <a:chExt cx="0" cy="0"/>
+        </a:xfrm>
+      </p:grpSpPr>
+      <p:sp>
+        <p:nvSpPr>
+          <p:cNvPr id="2" name="Title 1"/>
+          <p:cNvSpPr>
+            <a:spLocks noGrp="1"/>
+          </p:cNvSpPr>
+          <p:nvPr>
+            <p:ph type="title"/>
+          </p:nvPr>
+        </p:nvSpPr>
+        <p:spPr/>
+        <p:txBody>
+          <a:bodyPr/>
+          <a:lstStyle/>
+          <a:p>
+            <a:r>
+              <a:rPr lang="en-US" dirty="0"/>
+              <a:t>Cause analysis and Improvement suggestions</a:t>
+            </a:r>
+          </a:p>
+        </p:txBody>
+      </p:sp>
+      <p:sp>
+        <p:nvSpPr>
+          <p:cNvPr id="3" name="Content Placeholder 2"/>
+          <p:cNvSpPr>
+            <a:spLocks noGrp="1"/>
+          </p:cNvSpPr>
+          <p:nvPr>
+            <p:ph idx="1"/>
+          </p:nvPr>
+        </p:nvSpPr>
+        <p:spPr/>
+        <p:txBody>
+          <a:bodyPr>
+            <a:normAutofit fontScale="92500" lnSpcReduction="20000"/>
+          </a:bodyPr>
+          <a:lstStyle/>
+          <a:p>
+            <a:r>
+              <a:rPr lang="en-US" dirty="0">
+                <a:solidFill>
+                  <a:schemeClr val="accent4">
+                    <a:lumMod val="75000"/>
+                  </a:schemeClr>
+                </a:solidFill>
+              </a:rPr>
+              <a:t>Reasons for Demand supply gap :</a:t>
+            </a:r>
+          </a:p>
+          <a:p>
+            <a:r>
+              <a:rPr lang="en-US" dirty="0"/>
+              <a:t>This is happening during evenings and nights, during which all schools , colleges and office closing time. </a:t>
+            </a:r>
+          </a:p>
+          <a:p>
+            <a:r>
+              <a:rPr lang="en-US" dirty="0"/>
+              <a:t>So drivers may get many short trips which gives them more profit. Hence no one going towards airport, which is creating a demand supply gap.</a:t>
+            </a:r>
+          </a:p>
+          <a:p>
+            <a:r>
+              <a:rPr lang="en-US" dirty="0"/>
+              <a:t>The </a:t>
+            </a:r>
+            <a:r>
+              <a:rPr lang="en-US" dirty="0" err="1"/>
+              <a:t>uber</a:t>
+            </a:r>
+            <a:r>
+              <a:rPr lang="en-US" dirty="0"/>
+              <a:t> drivers may be late in the city and the long waits by prospective passengers and second time or more passengers may result in cancellations</a:t>
+            </a:r>
+          </a:p>
+          <a:p>
+            <a:r>
+              <a:rPr lang="en-US" dirty="0"/>
+              <a:t>There could be traffic and rush hours during the day time and lack of drivers for night shifts at night resulting in short supply at night</a:t>
+            </a:r>
+          </a:p>
+          <a:p>
+            <a:r>
+              <a:rPr lang="en-US" dirty="0"/>
+              <a:t>Long wait times could result in more cancellations in the morning</a:t>
+            </a:r>
+          </a:p>
+          <a:p>
+            <a:r>
+              <a:rPr lang="en-US" dirty="0"/>
+              <a:t>If driver pickups the ride in the mornings and goes to airport, there may not be any pick ups, which consisted long wait times for drivers.</a:t>
+            </a:r>
+          </a:p>
+          <a:p>
+            <a:endParaRPr lang="en-US" dirty="0"/>
+          </a:p>
+        </p:txBody>
+      </p:sp>
+    </p:spTree>
+    <p:extLst>
+      <p:ext uri="{BB962C8B-B14F-4D97-AF65-F5344CB8AC3E}">
+        <p14:creationId xmlns:p14="http://schemas.microsoft.com/office/powerpoint/2010/main" val="3534912540"/>
+      </p:ext>
+    </p:extLst>
+  </p:cSld>
+  <p:clrMapOvr>
+    <a:masterClrMapping/>
+  </p:clrMapOvr>
+</p:sld>
+</file>
+
+<file path=ppt/slides/slide11.xml><?xml version="1.0" encoding="utf-8"?>
+<p:sld xmlns:a="http://schemas.openxmlformats.org/drawingml/2006/main" xmlns:r="http://schemas.openxmlformats.org/officeDocument/2006/relationships" xmlns:p="http://schemas.openxmlformats.org/presentationml/2006/main">
+  <p:cSld>
+    <p:spTree>
+      <p:nvGrpSpPr>
+        <p:cNvPr id="1" name=""/>
+        <p:cNvGrpSpPr/>
+        <p:nvPr/>
+      </p:nvGrpSpPr>
+      <p:grpSpPr>
+        <a:xfrm>
+          <a:off x="0" y="0"/>
+          <a:ext cx="0" cy="0"/>
+          <a:chOff x="0" y="0"/>
+          <a:chExt cx="0" cy="0"/>
+        </a:xfrm>
+      </p:grpSpPr>
+      <p:sp>
+        <p:nvSpPr>
+          <p:cNvPr id="2" name="Title 1"/>
+          <p:cNvSpPr>
+            <a:spLocks noGrp="1"/>
+          </p:cNvSpPr>
+          <p:nvPr>
+            <p:ph type="title"/>
+          </p:nvPr>
+        </p:nvSpPr>
+        <p:spPr/>
+        <p:txBody>
+          <a:bodyPr/>
+          <a:lstStyle/>
+          <a:p>
+            <a:endParaRPr lang="en-US"/>
+          </a:p>
+        </p:txBody>
+      </p:sp>
+      <p:sp>
+        <p:nvSpPr>
+          <p:cNvPr id="3" name="Content Placeholder 2"/>
+          <p:cNvSpPr>
+            <a:spLocks noGrp="1"/>
+          </p:cNvSpPr>
+          <p:nvPr>
+            <p:ph idx="1"/>
+          </p:nvPr>
+        </p:nvSpPr>
+        <p:spPr/>
+        <p:txBody>
+          <a:bodyPr>
+            <a:normAutofit fontScale="92500"/>
+          </a:bodyPr>
+          <a:lstStyle/>
+          <a:p>
+            <a:r>
+              <a:rPr lang="en-US" dirty="0">
+                <a:solidFill>
+                  <a:schemeClr val="accent4">
+                    <a:lumMod val="75000"/>
+                  </a:schemeClr>
+                </a:solidFill>
+              </a:rPr>
+              <a:t>Proposed Solutions:</a:t>
+            </a:r>
+          </a:p>
+          <a:p>
+            <a:r>
+              <a:rPr lang="en-US" dirty="0"/>
+              <a:t>Divert the cars to airports during late nights by giving more offers to driver during evenings for air port pickups may reduce demand supply gap.</a:t>
+            </a:r>
+          </a:p>
+          <a:p>
+            <a:r>
+              <a:rPr lang="en-US" dirty="0"/>
+              <a:t>Planning and Scheduling should be resorted to with the help or operations research and critical path for the rides from the  city to the Airport</a:t>
+            </a:r>
+          </a:p>
+          <a:p>
+            <a:r>
+              <a:rPr lang="en-US" dirty="0"/>
+              <a:t>Monthly Weekly and hourly stats for cancellations should be tracked and these callers should be given less priority</a:t>
+            </a:r>
+          </a:p>
+          <a:p>
+            <a:r>
+              <a:rPr lang="en-US" dirty="0"/>
+              <a:t>Ensure more drivers are available at night and realistic wait times are given to city and airport customers to avoid cancellations in cities and longer wait times and demand at the airport</a:t>
+            </a:r>
+          </a:p>
+          <a:p>
+            <a:endParaRPr lang="en-US" dirty="0"/>
+          </a:p>
+          <a:p>
+            <a:endParaRPr lang="en-US" dirty="0"/>
+          </a:p>
+          <a:p>
+            <a:endParaRPr lang="en-US" dirty="0"/>
+          </a:p>
+          <a:p>
+            <a:endParaRPr lang="en-US" dirty="0"/>
+          </a:p>
+        </p:txBody>
+      </p:sp>
+    </p:spTree>
+    <p:extLst>
+      <p:ext uri="{BB962C8B-B14F-4D97-AF65-F5344CB8AC3E}">
+        <p14:creationId xmlns:p14="http://schemas.microsoft.com/office/powerpoint/2010/main" val="1742066685"/>
+      </p:ext>
+    </p:extLst>
+  </p:cSld>
+  <p:clrMapOvr>
+    <a:masterClrMapping/>
+  </p:clrMapOvr>
+</p:sld>
+</file>
+
 <file path=ppt/slides/slide2.xml><?xml version="1.0" encoding="utf-8"?>
 <p:sld xmlns:a="http://schemas.openxmlformats.org/drawingml/2006/main" xmlns:r="http://schemas.openxmlformats.org/officeDocument/2006/relationships" xmlns:p="http://schemas.openxmlformats.org/presentationml/2006/main">
   <p:cSld>
@@ -3036,306 +3290,9 @@
           <a:chExt cx="0" cy="0"/>
         </a:xfrm>
       </p:grpSpPr>
-      <p:sp>
-        <p:nvSpPr>
-          <p:cNvPr id="18" name="Rectangle 17"/>
-          <p:cNvSpPr>
-            <a:spLocks noGrp="1" noRot="1" noChangeAspect="1" noMove="1" noResize="1" noEditPoints="1" noAdjustHandles="1" noChangeArrowheads="1" noChangeShapeType="1" noTextEdit="1"/>
-          </p:cNvSpPr>
-          <p:nvPr>
-            <p:extLst>
-              <p:ext uri="{386F3935-93C4-4BCD-93E2-E3B085C9AB24}">
-                <p16:designElem xmlns:p16="http://schemas.microsoft.com/office/powerpoint/2015/main" val="1"/>
-              </p:ext>
-            </p:extLst>
-          </p:nvPr>
-        </p:nvSpPr>
-        <p:spPr>
-          <a:xfrm>
-            <a:off x="0" y="0"/>
-            <a:ext cx="12188952" cy="6858000"/>
-          </a:xfrm>
-          <a:prstGeom prst="rect">
-            <a:avLst/>
-          </a:prstGeom>
-          <a:solidFill>
-            <a:schemeClr val="tx1"/>
-          </a:solidFill>
-          <a:ln>
-            <a:noFill/>
-          </a:ln>
-        </p:spPr>
-        <p:style>
-          <a:lnRef idx="2">
-            <a:schemeClr val="accent1">
-              <a:shade val="50000"/>
-            </a:schemeClr>
-          </a:lnRef>
-          <a:fillRef idx="1">
-            <a:schemeClr val="accent1"/>
-          </a:fillRef>
-          <a:effectRef idx="0">
-            <a:schemeClr val="accent1"/>
-          </a:effectRef>
-          <a:fontRef idx="minor">
-            <a:schemeClr val="lt1"/>
-          </a:fontRef>
-        </p:style>
-        <p:txBody>
-          <a:bodyPr rtlCol="0" anchor="ctr"/>
-          <a:lstStyle/>
-          <a:p>
-            <a:pPr algn="ctr"/>
-            <a:endParaRPr lang="en-US"/>
-          </a:p>
-        </p:txBody>
-      </p:sp>
-      <p:sp useBgFill="1">
-        <p:nvSpPr>
-          <p:cNvPr id="20" name="Freeform 23"/>
-          <p:cNvSpPr>
-            <a:spLocks noGrp="1" noRot="1" noChangeAspect="1" noMove="1" noResize="1" noEditPoints="1" noAdjustHandles="1" noChangeArrowheads="1" noChangeShapeType="1" noTextEdit="1"/>
-          </p:cNvSpPr>
-          <p:nvPr>
-            <p:extLst>
-              <p:ext uri="{386F3935-93C4-4BCD-93E2-E3B085C9AB24}">
-                <p16:designElem xmlns:p16="http://schemas.microsoft.com/office/powerpoint/2015/main" val="1"/>
-              </p:ext>
-            </p:extLst>
-          </p:nvPr>
-        </p:nvSpPr>
-        <p:spPr bwMode="white">
-          <a:xfrm>
-            <a:off x="0" y="0"/>
-            <a:ext cx="4637005" cy="6858000"/>
-          </a:xfrm>
-          <a:custGeom>
-            <a:avLst/>
-            <a:gdLst>
-              <a:gd name="connsiteX0" fmla="*/ 0 w 4637005"/>
-              <a:gd name="connsiteY0" fmla="*/ 0 h 6858000"/>
-              <a:gd name="connsiteX1" fmla="*/ 4637005 w 4637005"/>
-              <a:gd name="connsiteY1" fmla="*/ 0 h 6858000"/>
-              <a:gd name="connsiteX2" fmla="*/ 4637005 w 4637005"/>
-              <a:gd name="connsiteY2" fmla="*/ 1900238 h 6858000"/>
-              <a:gd name="connsiteX3" fmla="*/ 4266589 w 4637005"/>
-              <a:gd name="connsiteY3" fmla="*/ 2178050 h 6858000"/>
-              <a:gd name="connsiteX4" fmla="*/ 4262355 w 4637005"/>
-              <a:gd name="connsiteY4" fmla="*/ 2184400 h 6858000"/>
-              <a:gd name="connsiteX5" fmla="*/ 4256005 w 4637005"/>
-              <a:gd name="connsiteY5" fmla="*/ 2193925 h 6858000"/>
-              <a:gd name="connsiteX6" fmla="*/ 4249655 w 4637005"/>
-              <a:gd name="connsiteY6" fmla="*/ 2201863 h 6858000"/>
-              <a:gd name="connsiteX7" fmla="*/ 4249655 w 4637005"/>
-              <a:gd name="connsiteY7" fmla="*/ 2211388 h 6858000"/>
-              <a:gd name="connsiteX8" fmla="*/ 4249655 w 4637005"/>
-              <a:gd name="connsiteY8" fmla="*/ 2220913 h 6858000"/>
-              <a:gd name="connsiteX9" fmla="*/ 4256005 w 4637005"/>
-              <a:gd name="connsiteY9" fmla="*/ 2228850 h 6858000"/>
-              <a:gd name="connsiteX10" fmla="*/ 4262355 w 4637005"/>
-              <a:gd name="connsiteY10" fmla="*/ 2238375 h 6858000"/>
-              <a:gd name="connsiteX11" fmla="*/ 4266589 w 4637005"/>
-              <a:gd name="connsiteY11" fmla="*/ 2244725 h 6858000"/>
-              <a:gd name="connsiteX12" fmla="*/ 4637005 w 4637005"/>
-              <a:gd name="connsiteY12" fmla="*/ 2522538 h 6858000"/>
-              <a:gd name="connsiteX13" fmla="*/ 4637005 w 4637005"/>
-              <a:gd name="connsiteY13" fmla="*/ 6858000 h 6858000"/>
-              <a:gd name="connsiteX14" fmla="*/ 0 w 4637005"/>
-              <a:gd name="connsiteY14" fmla="*/ 6858000 h 6858000"/>
-            </a:gdLst>
-            <a:ahLst/>
-            <a:cxnLst>
-              <a:cxn ang="0">
-                <a:pos x="connsiteX0" y="connsiteY0"/>
-              </a:cxn>
-              <a:cxn ang="0">
-                <a:pos x="connsiteX1" y="connsiteY1"/>
-              </a:cxn>
-              <a:cxn ang="0">
-                <a:pos x="connsiteX2" y="connsiteY2"/>
-              </a:cxn>
-              <a:cxn ang="0">
-                <a:pos x="connsiteX3" y="connsiteY3"/>
-              </a:cxn>
-              <a:cxn ang="0">
-                <a:pos x="connsiteX4" y="connsiteY4"/>
-              </a:cxn>
-              <a:cxn ang="0">
-                <a:pos x="connsiteX5" y="connsiteY5"/>
-              </a:cxn>
-              <a:cxn ang="0">
-                <a:pos x="connsiteX6" y="connsiteY6"/>
-              </a:cxn>
-              <a:cxn ang="0">
-                <a:pos x="connsiteX7" y="connsiteY7"/>
-              </a:cxn>
-              <a:cxn ang="0">
-                <a:pos x="connsiteX8" y="connsiteY8"/>
-              </a:cxn>
-              <a:cxn ang="0">
-                <a:pos x="connsiteX9" y="connsiteY9"/>
-              </a:cxn>
-              <a:cxn ang="0">
-                <a:pos x="connsiteX10" y="connsiteY10"/>
-              </a:cxn>
-              <a:cxn ang="0">
-                <a:pos x="connsiteX11" y="connsiteY11"/>
-              </a:cxn>
-              <a:cxn ang="0">
-                <a:pos x="connsiteX12" y="connsiteY12"/>
-              </a:cxn>
-              <a:cxn ang="0">
-                <a:pos x="connsiteX13" y="connsiteY13"/>
-              </a:cxn>
-              <a:cxn ang="0">
-                <a:pos x="connsiteX14" y="connsiteY14"/>
-              </a:cxn>
-            </a:cxnLst>
-            <a:rect l="l" t="t" r="r" b="b"/>
-            <a:pathLst>
-              <a:path w="4637005" h="6858000">
-                <a:moveTo>
-                  <a:pt x="0" y="0"/>
-                </a:moveTo>
-                <a:lnTo>
-                  <a:pt x="4637005" y="0"/>
-                </a:lnTo>
-                <a:lnTo>
-                  <a:pt x="4637005" y="1900238"/>
-                </a:lnTo>
-                <a:lnTo>
-                  <a:pt x="4266589" y="2178050"/>
-                </a:lnTo>
-                <a:lnTo>
-                  <a:pt x="4262355" y="2184400"/>
-                </a:lnTo>
-                <a:lnTo>
-                  <a:pt x="4256005" y="2193925"/>
-                </a:lnTo>
-                <a:lnTo>
-                  <a:pt x="4249655" y="2201863"/>
-                </a:lnTo>
-                <a:lnTo>
-                  <a:pt x="4249655" y="2211388"/>
-                </a:lnTo>
-                <a:lnTo>
-                  <a:pt x="4249655" y="2220913"/>
-                </a:lnTo>
-                <a:lnTo>
-                  <a:pt x="4256005" y="2228850"/>
-                </a:lnTo>
-                <a:lnTo>
-                  <a:pt x="4262355" y="2238375"/>
-                </a:lnTo>
-                <a:lnTo>
-                  <a:pt x="4266589" y="2244725"/>
-                </a:lnTo>
-                <a:lnTo>
-                  <a:pt x="4637005" y="2522538"/>
-                </a:lnTo>
-                <a:lnTo>
-                  <a:pt x="4637005" y="6858000"/>
-                </a:lnTo>
-                <a:lnTo>
-                  <a:pt x="0" y="6858000"/>
-                </a:lnTo>
-                <a:close/>
-              </a:path>
-            </a:pathLst>
-          </a:custGeom>
-          <a:ln>
-            <a:noFill/>
-          </a:ln>
-        </p:spPr>
-        <p:style>
-          <a:lnRef idx="2">
-            <a:schemeClr val="accent1">
-              <a:shade val="50000"/>
-            </a:schemeClr>
-          </a:lnRef>
-          <a:fillRef idx="1">
-            <a:schemeClr val="accent1"/>
-          </a:fillRef>
-          <a:effectRef idx="0">
-            <a:schemeClr val="accent1"/>
-          </a:effectRef>
-          <a:fontRef idx="minor">
-            <a:schemeClr val="lt1"/>
-          </a:fontRef>
-        </p:style>
-        <p:txBody>
-          <a:bodyPr wrap="square" rtlCol="0" anchor="ctr">
-            <a:noAutofit/>
-          </a:bodyPr>
-          <a:lstStyle/>
-          <a:p>
-            <a:pPr algn="ctr"/>
-            <a:endParaRPr lang="en-US"/>
-          </a:p>
-        </p:txBody>
-      </p:sp>
-      <p:sp>
-        <p:nvSpPr>
-          <p:cNvPr id="22" name="Rounded Rectangle 17"/>
-          <p:cNvSpPr>
-            <a:spLocks noGrp="1" noRot="1" noChangeAspect="1" noMove="1" noResize="1" noEditPoints="1" noAdjustHandles="1" noChangeArrowheads="1" noChangeShapeType="1" noTextEdit="1"/>
-          </p:cNvSpPr>
-          <p:nvPr>
-            <p:extLst>
-              <p:ext uri="{386F3935-93C4-4BCD-93E2-E3B085C9AB24}">
-                <p16:designElem xmlns:p16="http://schemas.microsoft.com/office/powerpoint/2015/main" val="1"/>
-              </p:ext>
-            </p:extLst>
-          </p:nvPr>
-        </p:nvSpPr>
-        <p:spPr>
-          <a:xfrm>
-            <a:off x="5278945" y="958640"/>
-            <a:ext cx="6269591" cy="4945244"/>
-          </a:xfrm>
-          <a:prstGeom prst="roundRect">
-            <a:avLst>
-              <a:gd name="adj" fmla="val 3513"/>
-            </a:avLst>
-          </a:prstGeom>
-          <a:solidFill>
-            <a:srgbClr val="FFFFFF"/>
-          </a:solidFill>
-          <a:ln>
-            <a:solidFill>
-              <a:schemeClr val="accent1"/>
-            </a:solidFill>
-          </a:ln>
-          <a:effectLst/>
-        </p:spPr>
-        <p:style>
-          <a:lnRef idx="2">
-            <a:schemeClr val="accent1">
-              <a:shade val="50000"/>
-            </a:schemeClr>
-          </a:lnRef>
-          <a:fillRef idx="1">
-            <a:schemeClr val="accent1"/>
-          </a:fillRef>
-          <a:effectRef idx="0">
-            <a:schemeClr val="accent1"/>
-          </a:effectRef>
-          <a:fontRef idx="minor">
-            <a:schemeClr val="lt1"/>
-          </a:fontRef>
-        </p:style>
-        <p:txBody>
-          <a:bodyPr rtlCol="0" anchor="ctr"/>
-          <a:lstStyle/>
-          <a:p>
-            <a:pPr algn="ctr"/>
-            <a:endParaRPr lang="en-US"/>
-          </a:p>
-        </p:txBody>
-      </p:sp>
       <p:pic>
         <p:nvPicPr>
-          <p:cNvPr id="7" name="Content Placeholder 3" descr="A picture containing screenshot&#10;&#10;Description generated with very high confidence"/>
+          <p:cNvPr id="9" name="Picture 8"/>
           <p:cNvPicPr>
             <a:picLocks noChangeAspect="1"/>
           </p:cNvPicPr>
@@ -3343,17 +3300,18 @@
         </p:nvPicPr>
         <p:blipFill rotWithShape="1">
           <a:blip r:embed="rId2"/>
-          <a:srcRect r="26749" b="-2"/>
+          <a:srcRect t="901" r="3" b="3"/>
           <a:stretch/>
         </p:blipFill>
         <p:spPr>
           <a:xfrm>
-            <a:off x="5603706" y="1258529"/>
-            <a:ext cx="5638853" cy="4330205"/>
+            <a:off x="6090613" y="640082"/>
+            <a:ext cx="5461724" cy="5577837"/>
           </a:xfrm>
           <a:prstGeom prst="rect">
             <a:avLst/>
           </a:prstGeom>
+          <a:effectLst/>
         </p:spPr>
       </p:pic>
       <p:sp>
@@ -3368,8 +3326,8 @@
         </p:nvSpPr>
         <p:spPr>
           <a:xfrm>
-            <a:off x="838200" y="365125"/>
-            <a:ext cx="3200400" cy="1325563"/>
+            <a:off x="648929" y="629266"/>
+            <a:ext cx="5127031" cy="1676603"/>
           </a:xfrm>
         </p:spPr>
         <p:txBody>
@@ -3379,8 +3337,8 @@
           <a:lstStyle/>
           <a:p>
             <a:r>
-              <a:rPr lang="en-US" sz="3200"/>
-              <a:t>Results discussions</a:t>
+              <a:rPr lang="en-US" dirty="0"/>
+              <a:t>Analysis of Plots - Airport v/s City</a:t>
             </a:r>
           </a:p>
         </p:txBody>
@@ -3397,8 +3355,8 @@
         </p:nvSpPr>
         <p:spPr>
           <a:xfrm>
-            <a:off x="838201" y="1825625"/>
-            <a:ext cx="3200400" cy="4351338"/>
+            <a:off x="648930" y="2438400"/>
+            <a:ext cx="5127029" cy="3785419"/>
           </a:xfrm>
         </p:spPr>
         <p:txBody>
@@ -3407,29 +3365,54 @@
           </a:bodyPr>
           <a:lstStyle/>
           <a:p>
-            <a:r>
-              <a:rPr lang="en-US" sz="1800"/>
-              <a:t>This says major number of airport pick ups, showing the status of no cars available.</a:t>
-            </a:r>
-          </a:p>
-          <a:p>
-            <a:endParaRPr lang="en-US" sz="1800"/>
-          </a:p>
-          <a:p>
-            <a:r>
-              <a:rPr lang="en-US" sz="1800"/>
-              <a:t>Secondly major portion City pick ups  are getting cancelled due to the drop location is airport.</a:t>
-            </a:r>
-          </a:p>
-          <a:p>
-            <a:r>
-              <a:rPr lang="en-US" sz="1800"/>
-              <a:t>It is clear that many are cancelling from city to air-port</a:t>
-            </a:r>
-          </a:p>
-          <a:p>
-            <a:r>
-              <a:rPr lang="en-US" sz="1800"/>
+            <a:pPr>
+              <a:lnSpc>
+                <a:spcPct val="70000"/>
+              </a:lnSpc>
+            </a:pPr>
+            <a:r>
+              <a:rPr lang="en-US" sz="2400" dirty="0"/>
+              <a:t>Airport pickups are showing a large “No cars available” status</a:t>
+            </a:r>
+          </a:p>
+          <a:p>
+            <a:pPr>
+              <a:lnSpc>
+                <a:spcPct val="70000"/>
+              </a:lnSpc>
+            </a:pPr>
+            <a:endParaRPr lang="en-US" sz="2400" dirty="0"/>
+          </a:p>
+          <a:p>
+            <a:pPr>
+              <a:lnSpc>
+                <a:spcPct val="70000"/>
+              </a:lnSpc>
+            </a:pPr>
+            <a:r>
+              <a:rPr lang="en-US" sz="2400" dirty="0"/>
+              <a:t>Secondly major portion City pick ups  are getting cancelled</a:t>
+            </a:r>
+          </a:p>
+          <a:p>
+            <a:pPr>
+              <a:lnSpc>
+                <a:spcPct val="70000"/>
+              </a:lnSpc>
+            </a:pPr>
+            <a:r>
+              <a:rPr lang="en-US" sz="2400" dirty="0"/>
+              <a:t>City to airport are getting cancelled and is almost 4.7 times compared to airport pickups.</a:t>
+            </a:r>
+          </a:p>
+          <a:p>
+            <a:pPr>
+              <a:lnSpc>
+                <a:spcPct val="70000"/>
+              </a:lnSpc>
+            </a:pPr>
+            <a:r>
+              <a:rPr lang="en-US" sz="2400" dirty="0"/>
               <a:t>Let us analyze this further to find out during what time this is happening.</a:t>
             </a:r>
           </a:p>
@@ -3465,9 +3448,9 @@
           <a:chExt cx="0" cy="0"/>
         </a:xfrm>
       </p:grpSpPr>
-      <p:sp>
-        <p:nvSpPr>
-          <p:cNvPr id="9" name="Rectangle 8"/>
+      <p:sp useBgFill="1">
+        <p:nvSpPr>
+          <p:cNvPr id="21" name="Rectangle 20"/>
           <p:cNvSpPr>
             <a:spLocks noGrp="1" noRot="1" noChangeAspect="1" noMove="1" noResize="1" noEditPoints="1" noAdjustHandles="1" noChangeArrowheads="1" noChangeShapeType="1" noTextEdit="1"/>
           </p:cNvSpPr>
@@ -3482,13 +3465,2064 @@
         <p:spPr>
           <a:xfrm>
             <a:off x="0" y="0"/>
-            <a:ext cx="12188952" cy="6858000"/>
+            <a:ext cx="12191695" cy="6858000"/>
+          </a:xfrm>
+          <a:prstGeom prst="rect">
+            <a:avLst/>
+          </a:prstGeom>
+          <a:ln>
+            <a:noFill/>
+          </a:ln>
+        </p:spPr>
+        <p:style>
+          <a:lnRef idx="2">
+            <a:schemeClr val="accent1">
+              <a:shade val="50000"/>
+            </a:schemeClr>
+          </a:lnRef>
+          <a:fillRef idx="1">
+            <a:schemeClr val="accent1"/>
+          </a:fillRef>
+          <a:effectRef idx="0">
+            <a:schemeClr val="accent1"/>
+          </a:effectRef>
+          <a:fontRef idx="minor">
+            <a:schemeClr val="lt1"/>
+          </a:fontRef>
+        </p:style>
+        <p:txBody>
+          <a:bodyPr rtlCol="0" anchor="ctr"/>
+          <a:lstStyle/>
+          <a:p>
+            <a:pPr algn="ctr"/>
+            <a:endParaRPr lang="en-US"/>
+          </a:p>
+        </p:txBody>
+      </p:sp>
+      <p:grpSp>
+        <p:nvGrpSpPr>
+          <p:cNvPr id="23" name="Group 22"/>
+          <p:cNvGrpSpPr>
+            <a:grpSpLocks noGrp="1" noUngrp="1" noRot="1" noChangeAspect="1" noMove="1" noResize="1"/>
+          </p:cNvGrpSpPr>
+          <p:nvPr>
+            <p:extLst>
+              <p:ext uri="{386F3935-93C4-4BCD-93E2-E3B085C9AB24}">
+                <p16:designElem xmlns:p16="http://schemas.microsoft.com/office/powerpoint/2015/main" val="1"/>
+              </p:ext>
+            </p:extLst>
+          </p:nvPr>
+        </p:nvGrpSpPr>
+        <p:grpSpPr>
+          <a:xfrm>
+            <a:off x="-417513" y="0"/>
+            <a:ext cx="12584114" cy="6853238"/>
+            <a:chOff x="-417513" y="0"/>
+            <a:chExt cx="12584114" cy="6853238"/>
+          </a:xfrm>
+        </p:grpSpPr>
+        <p:sp>
+          <p:nvSpPr>
+            <p:cNvPr id="24" name="Freeform 5"/>
+            <p:cNvSpPr>
+              <a:spLocks/>
+            </p:cNvSpPr>
+            <p:nvPr>
+              <p:extLst>
+                <p:ext uri="{386F3935-93C4-4BCD-93E2-E3B085C9AB24}">
+                  <p16:designElem xmlns:p16="http://schemas.microsoft.com/office/powerpoint/2015/main" val="1"/>
+                </p:ext>
+              </p:extLst>
+            </p:nvPr>
+          </p:nvSpPr>
+          <p:spPr bwMode="auto">
+            <a:xfrm>
+              <a:off x="1306513" y="0"/>
+              <a:ext cx="3862388" cy="6843713"/>
+            </a:xfrm>
+            <a:custGeom>
+              <a:avLst/>
+              <a:gdLst>
+                <a:gd name="T0" fmla="*/ 813 w 813"/>
+                <a:gd name="T1" fmla="*/ 0 h 1440"/>
+                <a:gd name="T2" fmla="*/ 435 w 813"/>
+                <a:gd name="T3" fmla="*/ 1440 h 1440"/>
+              </a:gdLst>
+              <a:ahLst/>
+              <a:cxnLst>
+                <a:cxn ang="0">
+                  <a:pos x="T0" y="T1"/>
+                </a:cxn>
+                <a:cxn ang="0">
+                  <a:pos x="T2" y="T3"/>
+                </a:cxn>
+              </a:cxnLst>
+              <a:rect l="0" t="0" r="r" b="b"/>
+              <a:pathLst>
+                <a:path w="813" h="1440">
+                  <a:moveTo>
+                    <a:pt x="813" y="0"/>
+                  </a:moveTo>
+                  <a:cubicBezTo>
+                    <a:pt x="331" y="221"/>
+                    <a:pt x="0" y="1039"/>
+                    <a:pt x="435" y="1440"/>
+                  </a:cubicBezTo>
+                </a:path>
+              </a:pathLst>
+            </a:custGeom>
+            <a:noFill/>
+            <a:ln w="9525" cap="flat">
+              <a:solidFill>
+                <a:schemeClr val="tx1">
+                  <a:alpha val="20000"/>
+                </a:schemeClr>
+              </a:solidFill>
+              <a:prstDash val="solid"/>
+              <a:miter lim="800000"/>
+              <a:headEnd/>
+              <a:tailEnd/>
+            </a:ln>
+            <a:extLst>
+              <a:ext uri="{909E8E84-426E-40DD-AFC4-6F175D3DCCD1}">
+                <a14:hiddenFill xmlns:a14="http://schemas.microsoft.com/office/drawing/2010/main">
+                  <a:solidFill>
+                    <a:srgbClr val="FFFFFF"/>
+                  </a:solidFill>
+                </a14:hiddenFill>
+              </a:ext>
+            </a:extLst>
+          </p:spPr>
+          <p:txBody>
+            <a:bodyPr vert="horz" wrap="square" lIns="91440" tIns="45720" rIns="91440" bIns="45720" numCol="1" anchor="t" anchorCtr="0" compatLnSpc="1">
+              <a:prstTxWarp prst="textNoShape">
+                <a:avLst/>
+              </a:prstTxWarp>
+            </a:bodyPr>
+            <a:lstStyle/>
+            <a:p>
+              <a:endParaRPr lang="en-US"/>
+            </a:p>
+          </p:txBody>
+        </p:sp>
+        <p:sp>
+          <p:nvSpPr>
+            <p:cNvPr id="25" name="Freeform 6"/>
+            <p:cNvSpPr>
+              <a:spLocks/>
+            </p:cNvSpPr>
+            <p:nvPr>
+              <p:extLst>
+                <p:ext uri="{386F3935-93C4-4BCD-93E2-E3B085C9AB24}">
+                  <p16:designElem xmlns:p16="http://schemas.microsoft.com/office/powerpoint/2015/main" val="1"/>
+                </p:ext>
+              </p:extLst>
+            </p:nvPr>
+          </p:nvSpPr>
+          <p:spPr bwMode="auto">
+            <a:xfrm>
+              <a:off x="10626725" y="9525"/>
+              <a:ext cx="1539875" cy="555625"/>
+            </a:xfrm>
+            <a:custGeom>
+              <a:avLst/>
+              <a:gdLst>
+                <a:gd name="T0" fmla="*/ 324 w 324"/>
+                <a:gd name="T1" fmla="*/ 117 h 117"/>
+                <a:gd name="T2" fmla="*/ 0 w 324"/>
+                <a:gd name="T3" fmla="*/ 0 h 117"/>
+              </a:gdLst>
+              <a:ahLst/>
+              <a:cxnLst>
+                <a:cxn ang="0">
+                  <a:pos x="T0" y="T1"/>
+                </a:cxn>
+                <a:cxn ang="0">
+                  <a:pos x="T2" y="T3"/>
+                </a:cxn>
+              </a:cxnLst>
+              <a:rect l="0" t="0" r="r" b="b"/>
+              <a:pathLst>
+                <a:path w="324" h="117">
+                  <a:moveTo>
+                    <a:pt x="324" y="117"/>
+                  </a:moveTo>
+                  <a:cubicBezTo>
+                    <a:pt x="223" y="64"/>
+                    <a:pt x="107" y="28"/>
+                    <a:pt x="0" y="0"/>
+                  </a:cubicBezTo>
+                </a:path>
+              </a:pathLst>
+            </a:custGeom>
+            <a:noFill/>
+            <a:ln w="9525" cap="flat">
+              <a:solidFill>
+                <a:schemeClr val="tx1">
+                  <a:alpha val="20000"/>
+                </a:schemeClr>
+              </a:solidFill>
+              <a:prstDash val="solid"/>
+              <a:miter lim="800000"/>
+              <a:headEnd/>
+              <a:tailEnd/>
+            </a:ln>
+            <a:extLst>
+              <a:ext uri="{909E8E84-426E-40DD-AFC4-6F175D3DCCD1}">
+                <a14:hiddenFill xmlns:a14="http://schemas.microsoft.com/office/drawing/2010/main">
+                  <a:solidFill>
+                    <a:srgbClr val="FFFFFF"/>
+                  </a:solidFill>
+                </a14:hiddenFill>
+              </a:ext>
+            </a:extLst>
+          </p:spPr>
+          <p:txBody>
+            <a:bodyPr vert="horz" wrap="square" lIns="91440" tIns="45720" rIns="91440" bIns="45720" numCol="1" anchor="t" anchorCtr="0" compatLnSpc="1">
+              <a:prstTxWarp prst="textNoShape">
+                <a:avLst/>
+              </a:prstTxWarp>
+            </a:bodyPr>
+            <a:lstStyle/>
+            <a:p>
+              <a:endParaRPr lang="en-US"/>
+            </a:p>
+          </p:txBody>
+        </p:sp>
+        <p:sp>
+          <p:nvSpPr>
+            <p:cNvPr id="26" name="Freeform 7"/>
+            <p:cNvSpPr>
+              <a:spLocks/>
+            </p:cNvSpPr>
+            <p:nvPr>
+              <p:extLst>
+                <p:ext uri="{386F3935-93C4-4BCD-93E2-E3B085C9AB24}">
+                  <p16:designElem xmlns:p16="http://schemas.microsoft.com/office/powerpoint/2015/main" val="1"/>
+                </p:ext>
+              </p:extLst>
+            </p:nvPr>
+          </p:nvSpPr>
+          <p:spPr bwMode="auto">
+            <a:xfrm>
+              <a:off x="10247313" y="5013325"/>
+              <a:ext cx="1919288" cy="1830388"/>
+            </a:xfrm>
+            <a:custGeom>
+              <a:avLst/>
+              <a:gdLst>
+                <a:gd name="T0" fmla="*/ 0 w 404"/>
+                <a:gd name="T1" fmla="*/ 385 h 385"/>
+                <a:gd name="T2" fmla="*/ 404 w 404"/>
+                <a:gd name="T3" fmla="*/ 0 h 385"/>
+              </a:gdLst>
+              <a:ahLst/>
+              <a:cxnLst>
+                <a:cxn ang="0">
+                  <a:pos x="T0" y="T1"/>
+                </a:cxn>
+                <a:cxn ang="0">
+                  <a:pos x="T2" y="T3"/>
+                </a:cxn>
+              </a:cxnLst>
+              <a:rect l="0" t="0" r="r" b="b"/>
+              <a:pathLst>
+                <a:path w="404" h="385">
+                  <a:moveTo>
+                    <a:pt x="0" y="385"/>
+                  </a:moveTo>
+                  <a:cubicBezTo>
+                    <a:pt x="146" y="272"/>
+                    <a:pt x="285" y="142"/>
+                    <a:pt x="404" y="0"/>
+                  </a:cubicBezTo>
+                </a:path>
+              </a:pathLst>
+            </a:custGeom>
+            <a:noFill/>
+            <a:ln w="9525" cap="flat">
+              <a:solidFill>
+                <a:schemeClr val="tx1">
+                  <a:alpha val="20000"/>
+                </a:schemeClr>
+              </a:solidFill>
+              <a:prstDash val="solid"/>
+              <a:miter lim="800000"/>
+              <a:headEnd/>
+              <a:tailEnd/>
+            </a:ln>
+            <a:extLst>
+              <a:ext uri="{909E8E84-426E-40DD-AFC4-6F175D3DCCD1}">
+                <a14:hiddenFill xmlns:a14="http://schemas.microsoft.com/office/drawing/2010/main">
+                  <a:solidFill>
+                    <a:srgbClr val="FFFFFF"/>
+                  </a:solidFill>
+                </a14:hiddenFill>
+              </a:ext>
+            </a:extLst>
+          </p:spPr>
+          <p:txBody>
+            <a:bodyPr vert="horz" wrap="square" lIns="91440" tIns="45720" rIns="91440" bIns="45720" numCol="1" anchor="t" anchorCtr="0" compatLnSpc="1">
+              <a:prstTxWarp prst="textNoShape">
+                <a:avLst/>
+              </a:prstTxWarp>
+            </a:bodyPr>
+            <a:lstStyle/>
+            <a:p>
+              <a:endParaRPr lang="en-US"/>
+            </a:p>
+          </p:txBody>
+        </p:sp>
+        <p:sp>
+          <p:nvSpPr>
+            <p:cNvPr id="27" name="Freeform 8"/>
+            <p:cNvSpPr>
+              <a:spLocks/>
+            </p:cNvSpPr>
+            <p:nvPr>
+              <p:extLst>
+                <p:ext uri="{386F3935-93C4-4BCD-93E2-E3B085C9AB24}">
+                  <p16:designElem xmlns:p16="http://schemas.microsoft.com/office/powerpoint/2015/main" val="1"/>
+                </p:ext>
+              </p:extLst>
+            </p:nvPr>
+          </p:nvSpPr>
+          <p:spPr bwMode="auto">
+            <a:xfrm>
+              <a:off x="1120775" y="0"/>
+              <a:ext cx="3676650" cy="6843713"/>
+            </a:xfrm>
+            <a:custGeom>
+              <a:avLst/>
+              <a:gdLst>
+                <a:gd name="T0" fmla="*/ 774 w 774"/>
+                <a:gd name="T1" fmla="*/ 0 h 1440"/>
+                <a:gd name="T2" fmla="*/ 411 w 774"/>
+                <a:gd name="T3" fmla="*/ 1440 h 1440"/>
+              </a:gdLst>
+              <a:ahLst/>
+              <a:cxnLst>
+                <a:cxn ang="0">
+                  <a:pos x="T0" y="T1"/>
+                </a:cxn>
+                <a:cxn ang="0">
+                  <a:pos x="T2" y="T3"/>
+                </a:cxn>
+              </a:cxnLst>
+              <a:rect l="0" t="0" r="r" b="b"/>
+              <a:pathLst>
+                <a:path w="774" h="1440">
+                  <a:moveTo>
+                    <a:pt x="774" y="0"/>
+                  </a:moveTo>
+                  <a:cubicBezTo>
+                    <a:pt x="312" y="240"/>
+                    <a:pt x="0" y="1034"/>
+                    <a:pt x="411" y="1440"/>
+                  </a:cubicBezTo>
+                </a:path>
+              </a:pathLst>
+            </a:custGeom>
+            <a:noFill/>
+            <a:ln w="9525" cap="flat">
+              <a:solidFill>
+                <a:schemeClr val="tx1">
+                  <a:alpha val="20000"/>
+                </a:schemeClr>
+              </a:solidFill>
+              <a:prstDash val="dash"/>
+              <a:miter lim="800000"/>
+              <a:headEnd/>
+              <a:tailEnd/>
+            </a:ln>
+            <a:extLst>
+              <a:ext uri="{909E8E84-426E-40DD-AFC4-6F175D3DCCD1}">
+                <a14:hiddenFill xmlns:a14="http://schemas.microsoft.com/office/drawing/2010/main">
+                  <a:solidFill>
+                    <a:srgbClr val="FFFFFF"/>
+                  </a:solidFill>
+                </a14:hiddenFill>
+              </a:ext>
+            </a:extLst>
+          </p:spPr>
+          <p:txBody>
+            <a:bodyPr vert="horz" wrap="square" lIns="91440" tIns="45720" rIns="91440" bIns="45720" numCol="1" anchor="t" anchorCtr="0" compatLnSpc="1">
+              <a:prstTxWarp prst="textNoShape">
+                <a:avLst/>
+              </a:prstTxWarp>
+            </a:bodyPr>
+            <a:lstStyle/>
+            <a:p>
+              <a:endParaRPr lang="en-US"/>
+            </a:p>
+          </p:txBody>
+        </p:sp>
+        <p:sp>
+          <p:nvSpPr>
+            <p:cNvPr id="28" name="Freeform 9"/>
+            <p:cNvSpPr>
+              <a:spLocks/>
+            </p:cNvSpPr>
+            <p:nvPr>
+              <p:extLst>
+                <p:ext uri="{386F3935-93C4-4BCD-93E2-E3B085C9AB24}">
+                  <p16:designElem xmlns:p16="http://schemas.microsoft.com/office/powerpoint/2015/main" val="1"/>
+                </p:ext>
+              </p:extLst>
+            </p:nvPr>
+          </p:nvSpPr>
+          <p:spPr bwMode="auto">
+            <a:xfrm>
+              <a:off x="11202988" y="9525"/>
+              <a:ext cx="963613" cy="366713"/>
+            </a:xfrm>
+            <a:custGeom>
+              <a:avLst/>
+              <a:gdLst>
+                <a:gd name="T0" fmla="*/ 203 w 203"/>
+                <a:gd name="T1" fmla="*/ 77 h 77"/>
+                <a:gd name="T2" fmla="*/ 0 w 203"/>
+                <a:gd name="T3" fmla="*/ 0 h 77"/>
+              </a:gdLst>
+              <a:ahLst/>
+              <a:cxnLst>
+                <a:cxn ang="0">
+                  <a:pos x="T0" y="T1"/>
+                </a:cxn>
+                <a:cxn ang="0">
+                  <a:pos x="T2" y="T3"/>
+                </a:cxn>
+              </a:cxnLst>
+              <a:rect l="0" t="0" r="r" b="b"/>
+              <a:pathLst>
+                <a:path w="203" h="77">
+                  <a:moveTo>
+                    <a:pt x="203" y="77"/>
+                  </a:moveTo>
+                  <a:cubicBezTo>
+                    <a:pt x="138" y="46"/>
+                    <a:pt x="68" y="21"/>
+                    <a:pt x="0" y="0"/>
+                  </a:cubicBezTo>
+                </a:path>
+              </a:pathLst>
+            </a:custGeom>
+            <a:noFill/>
+            <a:ln w="9525" cap="flat">
+              <a:solidFill>
+                <a:schemeClr val="tx1">
+                  <a:alpha val="20000"/>
+                </a:schemeClr>
+              </a:solidFill>
+              <a:prstDash val="dash"/>
+              <a:miter lim="800000"/>
+              <a:headEnd/>
+              <a:tailEnd/>
+            </a:ln>
+            <a:extLst>
+              <a:ext uri="{909E8E84-426E-40DD-AFC4-6F175D3DCCD1}">
+                <a14:hiddenFill xmlns:a14="http://schemas.microsoft.com/office/drawing/2010/main">
+                  <a:solidFill>
+                    <a:srgbClr val="FFFFFF"/>
+                  </a:solidFill>
+                </a14:hiddenFill>
+              </a:ext>
+            </a:extLst>
+          </p:spPr>
+          <p:txBody>
+            <a:bodyPr vert="horz" wrap="square" lIns="91440" tIns="45720" rIns="91440" bIns="45720" numCol="1" anchor="t" anchorCtr="0" compatLnSpc="1">
+              <a:prstTxWarp prst="textNoShape">
+                <a:avLst/>
+              </a:prstTxWarp>
+            </a:bodyPr>
+            <a:lstStyle/>
+            <a:p>
+              <a:endParaRPr lang="en-US"/>
+            </a:p>
+          </p:txBody>
+        </p:sp>
+        <p:sp>
+          <p:nvSpPr>
+            <p:cNvPr id="29" name="Freeform 10"/>
+            <p:cNvSpPr>
+              <a:spLocks/>
+            </p:cNvSpPr>
+            <p:nvPr>
+              <p:extLst>
+                <p:ext uri="{386F3935-93C4-4BCD-93E2-E3B085C9AB24}">
+                  <p16:designElem xmlns:p16="http://schemas.microsoft.com/office/powerpoint/2015/main" val="1"/>
+                </p:ext>
+              </p:extLst>
+            </p:nvPr>
+          </p:nvSpPr>
+          <p:spPr bwMode="auto">
+            <a:xfrm>
+              <a:off x="10494963" y="5275263"/>
+              <a:ext cx="1666875" cy="1577975"/>
+            </a:xfrm>
+            <a:custGeom>
+              <a:avLst/>
+              <a:gdLst>
+                <a:gd name="T0" fmla="*/ 0 w 351"/>
+                <a:gd name="T1" fmla="*/ 332 h 332"/>
+                <a:gd name="T2" fmla="*/ 351 w 351"/>
+                <a:gd name="T3" fmla="*/ 0 h 332"/>
+              </a:gdLst>
+              <a:ahLst/>
+              <a:cxnLst>
+                <a:cxn ang="0">
+                  <a:pos x="T0" y="T1"/>
+                </a:cxn>
+                <a:cxn ang="0">
+                  <a:pos x="T2" y="T3"/>
+                </a:cxn>
+              </a:cxnLst>
+              <a:rect l="0" t="0" r="r" b="b"/>
+              <a:pathLst>
+                <a:path w="351" h="332">
+                  <a:moveTo>
+                    <a:pt x="0" y="332"/>
+                  </a:moveTo>
+                  <a:cubicBezTo>
+                    <a:pt x="125" y="232"/>
+                    <a:pt x="245" y="121"/>
+                    <a:pt x="351" y="0"/>
+                  </a:cubicBezTo>
+                </a:path>
+              </a:pathLst>
+            </a:custGeom>
+            <a:noFill/>
+            <a:ln w="9525" cap="flat">
+              <a:solidFill>
+                <a:schemeClr val="tx1">
+                  <a:alpha val="20000"/>
+                </a:schemeClr>
+              </a:solidFill>
+              <a:prstDash val="dash"/>
+              <a:miter lim="800000"/>
+              <a:headEnd/>
+              <a:tailEnd/>
+            </a:ln>
+            <a:extLst>
+              <a:ext uri="{909E8E84-426E-40DD-AFC4-6F175D3DCCD1}">
+                <a14:hiddenFill xmlns:a14="http://schemas.microsoft.com/office/drawing/2010/main">
+                  <a:solidFill>
+                    <a:srgbClr val="FFFFFF"/>
+                  </a:solidFill>
+                </a14:hiddenFill>
+              </a:ext>
+            </a:extLst>
+          </p:spPr>
+          <p:txBody>
+            <a:bodyPr vert="horz" wrap="square" lIns="91440" tIns="45720" rIns="91440" bIns="45720" numCol="1" anchor="t" anchorCtr="0" compatLnSpc="1">
+              <a:prstTxWarp prst="textNoShape">
+                <a:avLst/>
+              </a:prstTxWarp>
+            </a:bodyPr>
+            <a:lstStyle/>
+            <a:p>
+              <a:endParaRPr lang="en-US"/>
+            </a:p>
+          </p:txBody>
+        </p:sp>
+        <p:sp>
+          <p:nvSpPr>
+            <p:cNvPr id="30" name="Freeform 11"/>
+            <p:cNvSpPr>
+              <a:spLocks/>
+            </p:cNvSpPr>
+            <p:nvPr>
+              <p:extLst>
+                <p:ext uri="{386F3935-93C4-4BCD-93E2-E3B085C9AB24}">
+                  <p16:designElem xmlns:p16="http://schemas.microsoft.com/office/powerpoint/2015/main" val="1"/>
+                </p:ext>
+              </p:extLst>
+            </p:nvPr>
+          </p:nvSpPr>
+          <p:spPr bwMode="auto">
+            <a:xfrm>
+              <a:off x="1001713" y="0"/>
+              <a:ext cx="3621088" cy="6843713"/>
+            </a:xfrm>
+            <a:custGeom>
+              <a:avLst/>
+              <a:gdLst>
+                <a:gd name="T0" fmla="*/ 762 w 762"/>
+                <a:gd name="T1" fmla="*/ 0 h 1440"/>
+                <a:gd name="T2" fmla="*/ 403 w 762"/>
+                <a:gd name="T3" fmla="*/ 1440 h 1440"/>
+              </a:gdLst>
+              <a:ahLst/>
+              <a:cxnLst>
+                <a:cxn ang="0">
+                  <a:pos x="T0" y="T1"/>
+                </a:cxn>
+                <a:cxn ang="0">
+                  <a:pos x="T2" y="T3"/>
+                </a:cxn>
+              </a:cxnLst>
+              <a:rect l="0" t="0" r="r" b="b"/>
+              <a:pathLst>
+                <a:path w="762" h="1440">
+                  <a:moveTo>
+                    <a:pt x="762" y="0"/>
+                  </a:moveTo>
+                  <a:cubicBezTo>
+                    <a:pt x="308" y="245"/>
+                    <a:pt x="0" y="1033"/>
+                    <a:pt x="403" y="1440"/>
+                  </a:cubicBezTo>
+                </a:path>
+              </a:pathLst>
+            </a:custGeom>
+            <a:noFill/>
+            <a:ln w="9525" cap="flat">
+              <a:solidFill>
+                <a:schemeClr val="tx1">
+                  <a:alpha val="20000"/>
+                </a:schemeClr>
+              </a:solidFill>
+              <a:prstDash val="solid"/>
+              <a:miter lim="800000"/>
+              <a:headEnd/>
+              <a:tailEnd/>
+            </a:ln>
+            <a:extLst>
+              <a:ext uri="{909E8E84-426E-40DD-AFC4-6F175D3DCCD1}">
+                <a14:hiddenFill xmlns:a14="http://schemas.microsoft.com/office/drawing/2010/main">
+                  <a:solidFill>
+                    <a:srgbClr val="FFFFFF"/>
+                  </a:solidFill>
+                </a14:hiddenFill>
+              </a:ext>
+            </a:extLst>
+          </p:spPr>
+          <p:txBody>
+            <a:bodyPr vert="horz" wrap="square" lIns="91440" tIns="45720" rIns="91440" bIns="45720" numCol="1" anchor="t" anchorCtr="0" compatLnSpc="1">
+              <a:prstTxWarp prst="textNoShape">
+                <a:avLst/>
+              </a:prstTxWarp>
+            </a:bodyPr>
+            <a:lstStyle/>
+            <a:p>
+              <a:endParaRPr lang="en-US"/>
+            </a:p>
+          </p:txBody>
+        </p:sp>
+        <p:sp>
+          <p:nvSpPr>
+            <p:cNvPr id="31" name="Freeform 12"/>
+            <p:cNvSpPr>
+              <a:spLocks/>
+            </p:cNvSpPr>
+            <p:nvPr>
+              <p:extLst>
+                <p:ext uri="{386F3935-93C4-4BCD-93E2-E3B085C9AB24}">
+                  <p16:designElem xmlns:p16="http://schemas.microsoft.com/office/powerpoint/2015/main" val="1"/>
+                </p:ext>
+              </p:extLst>
+            </p:nvPr>
+          </p:nvSpPr>
+          <p:spPr bwMode="auto">
+            <a:xfrm>
+              <a:off x="11501438" y="9525"/>
+              <a:ext cx="665163" cy="257175"/>
+            </a:xfrm>
+            <a:custGeom>
+              <a:avLst/>
+              <a:gdLst>
+                <a:gd name="T0" fmla="*/ 140 w 140"/>
+                <a:gd name="T1" fmla="*/ 54 h 54"/>
+                <a:gd name="T2" fmla="*/ 0 w 140"/>
+                <a:gd name="T3" fmla="*/ 0 h 54"/>
+              </a:gdLst>
+              <a:ahLst/>
+              <a:cxnLst>
+                <a:cxn ang="0">
+                  <a:pos x="T0" y="T1"/>
+                </a:cxn>
+                <a:cxn ang="0">
+                  <a:pos x="T2" y="T3"/>
+                </a:cxn>
+              </a:cxnLst>
+              <a:rect l="0" t="0" r="r" b="b"/>
+              <a:pathLst>
+                <a:path w="140" h="54">
+                  <a:moveTo>
+                    <a:pt x="140" y="54"/>
+                  </a:moveTo>
+                  <a:cubicBezTo>
+                    <a:pt x="95" y="34"/>
+                    <a:pt x="48" y="16"/>
+                    <a:pt x="0" y="0"/>
+                  </a:cubicBezTo>
+                </a:path>
+              </a:pathLst>
+            </a:custGeom>
+            <a:noFill/>
+            <a:ln w="9525" cap="flat">
+              <a:solidFill>
+                <a:schemeClr val="tx1">
+                  <a:alpha val="20000"/>
+                </a:schemeClr>
+              </a:solidFill>
+              <a:prstDash val="solid"/>
+              <a:miter lim="800000"/>
+              <a:headEnd/>
+              <a:tailEnd/>
+            </a:ln>
+            <a:extLst>
+              <a:ext uri="{909E8E84-426E-40DD-AFC4-6F175D3DCCD1}">
+                <a14:hiddenFill xmlns:a14="http://schemas.microsoft.com/office/drawing/2010/main">
+                  <a:solidFill>
+                    <a:srgbClr val="FFFFFF"/>
+                  </a:solidFill>
+                </a14:hiddenFill>
+              </a:ext>
+            </a:extLst>
+          </p:spPr>
+          <p:txBody>
+            <a:bodyPr vert="horz" wrap="square" lIns="91440" tIns="45720" rIns="91440" bIns="45720" numCol="1" anchor="t" anchorCtr="0" compatLnSpc="1">
+              <a:prstTxWarp prst="textNoShape">
+                <a:avLst/>
+              </a:prstTxWarp>
+            </a:bodyPr>
+            <a:lstStyle/>
+            <a:p>
+              <a:endParaRPr lang="en-US"/>
+            </a:p>
+          </p:txBody>
+        </p:sp>
+        <p:sp>
+          <p:nvSpPr>
+            <p:cNvPr id="32" name="Freeform 13"/>
+            <p:cNvSpPr>
+              <a:spLocks/>
+            </p:cNvSpPr>
+            <p:nvPr>
+              <p:extLst>
+                <p:ext uri="{386F3935-93C4-4BCD-93E2-E3B085C9AB24}">
+                  <p16:designElem xmlns:p16="http://schemas.microsoft.com/office/powerpoint/2015/main" val="1"/>
+                </p:ext>
+              </p:extLst>
+            </p:nvPr>
+          </p:nvSpPr>
+          <p:spPr bwMode="auto">
+            <a:xfrm>
+              <a:off x="10641013" y="5408613"/>
+              <a:ext cx="1525588" cy="1435100"/>
+            </a:xfrm>
+            <a:custGeom>
+              <a:avLst/>
+              <a:gdLst>
+                <a:gd name="T0" fmla="*/ 0 w 321"/>
+                <a:gd name="T1" fmla="*/ 302 h 302"/>
+                <a:gd name="T2" fmla="*/ 321 w 321"/>
+                <a:gd name="T3" fmla="*/ 0 h 302"/>
+              </a:gdLst>
+              <a:ahLst/>
+              <a:cxnLst>
+                <a:cxn ang="0">
+                  <a:pos x="T0" y="T1"/>
+                </a:cxn>
+                <a:cxn ang="0">
+                  <a:pos x="T2" y="T3"/>
+                </a:cxn>
+              </a:cxnLst>
+              <a:rect l="0" t="0" r="r" b="b"/>
+              <a:pathLst>
+                <a:path w="321" h="302">
+                  <a:moveTo>
+                    <a:pt x="0" y="302"/>
+                  </a:moveTo>
+                  <a:cubicBezTo>
+                    <a:pt x="114" y="210"/>
+                    <a:pt x="223" y="109"/>
+                    <a:pt x="321" y="0"/>
+                  </a:cubicBezTo>
+                </a:path>
+              </a:pathLst>
+            </a:custGeom>
+            <a:noFill/>
+            <a:ln w="9525" cap="flat">
+              <a:solidFill>
+                <a:schemeClr val="tx1">
+                  <a:alpha val="20000"/>
+                </a:schemeClr>
+              </a:solidFill>
+              <a:prstDash val="solid"/>
+              <a:miter lim="800000"/>
+              <a:headEnd/>
+              <a:tailEnd/>
+            </a:ln>
+            <a:extLst>
+              <a:ext uri="{909E8E84-426E-40DD-AFC4-6F175D3DCCD1}">
+                <a14:hiddenFill xmlns:a14="http://schemas.microsoft.com/office/drawing/2010/main">
+                  <a:solidFill>
+                    <a:srgbClr val="FFFFFF"/>
+                  </a:solidFill>
+                </a14:hiddenFill>
+              </a:ext>
+            </a:extLst>
+          </p:spPr>
+          <p:txBody>
+            <a:bodyPr vert="horz" wrap="square" lIns="91440" tIns="45720" rIns="91440" bIns="45720" numCol="1" anchor="t" anchorCtr="0" compatLnSpc="1">
+              <a:prstTxWarp prst="textNoShape">
+                <a:avLst/>
+              </a:prstTxWarp>
+            </a:bodyPr>
+            <a:lstStyle/>
+            <a:p>
+              <a:endParaRPr lang="en-US"/>
+            </a:p>
+          </p:txBody>
+        </p:sp>
+        <p:sp>
+          <p:nvSpPr>
+            <p:cNvPr id="33" name="Freeform 14"/>
+            <p:cNvSpPr>
+              <a:spLocks/>
+            </p:cNvSpPr>
+            <p:nvPr>
+              <p:extLst>
+                <p:ext uri="{386F3935-93C4-4BCD-93E2-E3B085C9AB24}">
+                  <p16:designElem xmlns:p16="http://schemas.microsoft.com/office/powerpoint/2015/main" val="1"/>
+                </p:ext>
+              </p:extLst>
+            </p:nvPr>
+          </p:nvSpPr>
+          <p:spPr bwMode="auto">
+            <a:xfrm>
+              <a:off x="1001713" y="0"/>
+              <a:ext cx="3244850" cy="6843713"/>
+            </a:xfrm>
+            <a:custGeom>
+              <a:avLst/>
+              <a:gdLst>
+                <a:gd name="T0" fmla="*/ 683 w 683"/>
+                <a:gd name="T1" fmla="*/ 0 h 1440"/>
+                <a:gd name="T2" fmla="*/ 355 w 683"/>
+                <a:gd name="T3" fmla="*/ 1440 h 1440"/>
+              </a:gdLst>
+              <a:ahLst/>
+              <a:cxnLst>
+                <a:cxn ang="0">
+                  <a:pos x="T0" y="T1"/>
+                </a:cxn>
+                <a:cxn ang="0">
+                  <a:pos x="T2" y="T3"/>
+                </a:cxn>
+              </a:cxnLst>
+              <a:rect l="0" t="0" r="r" b="b"/>
+              <a:pathLst>
+                <a:path w="683" h="1440">
+                  <a:moveTo>
+                    <a:pt x="683" y="0"/>
+                  </a:moveTo>
+                  <a:cubicBezTo>
+                    <a:pt x="258" y="256"/>
+                    <a:pt x="0" y="1041"/>
+                    <a:pt x="355" y="1440"/>
+                  </a:cubicBezTo>
+                </a:path>
+              </a:pathLst>
+            </a:custGeom>
+            <a:noFill/>
+            <a:ln w="9525" cap="flat">
+              <a:solidFill>
+                <a:schemeClr val="tx1">
+                  <a:alpha val="20000"/>
+                </a:schemeClr>
+              </a:solidFill>
+              <a:prstDash val="solid"/>
+              <a:miter lim="800000"/>
+              <a:headEnd/>
+              <a:tailEnd/>
+            </a:ln>
+            <a:extLst>
+              <a:ext uri="{909E8E84-426E-40DD-AFC4-6F175D3DCCD1}">
+                <a14:hiddenFill xmlns:a14="http://schemas.microsoft.com/office/drawing/2010/main">
+                  <a:solidFill>
+                    <a:srgbClr val="FFFFFF"/>
+                  </a:solidFill>
+                </a14:hiddenFill>
+              </a:ext>
+            </a:extLst>
+          </p:spPr>
+          <p:txBody>
+            <a:bodyPr vert="horz" wrap="square" lIns="91440" tIns="45720" rIns="91440" bIns="45720" numCol="1" anchor="t" anchorCtr="0" compatLnSpc="1">
+              <a:prstTxWarp prst="textNoShape">
+                <a:avLst/>
+              </a:prstTxWarp>
+            </a:bodyPr>
+            <a:lstStyle/>
+            <a:p>
+              <a:endParaRPr lang="en-US"/>
+            </a:p>
+          </p:txBody>
+        </p:sp>
+        <p:sp>
+          <p:nvSpPr>
+            <p:cNvPr id="34" name="Freeform 15"/>
+            <p:cNvSpPr>
+              <a:spLocks/>
+            </p:cNvSpPr>
+            <p:nvPr>
+              <p:extLst>
+                <p:ext uri="{386F3935-93C4-4BCD-93E2-E3B085C9AB24}">
+                  <p16:designElem xmlns:p16="http://schemas.microsoft.com/office/powerpoint/2015/main" val="1"/>
+                </p:ext>
+              </p:extLst>
+            </p:nvPr>
+          </p:nvSpPr>
+          <p:spPr bwMode="auto">
+            <a:xfrm>
+              <a:off x="10802938" y="5518150"/>
+              <a:ext cx="1363663" cy="1325563"/>
+            </a:xfrm>
+            <a:custGeom>
+              <a:avLst/>
+              <a:gdLst>
+                <a:gd name="T0" fmla="*/ 0 w 287"/>
+                <a:gd name="T1" fmla="*/ 279 h 279"/>
+                <a:gd name="T2" fmla="*/ 287 w 287"/>
+                <a:gd name="T3" fmla="*/ 0 h 279"/>
+              </a:gdLst>
+              <a:ahLst/>
+              <a:cxnLst>
+                <a:cxn ang="0">
+                  <a:pos x="T0" y="T1"/>
+                </a:cxn>
+                <a:cxn ang="0">
+                  <a:pos x="T2" y="T3"/>
+                </a:cxn>
+              </a:cxnLst>
+              <a:rect l="0" t="0" r="r" b="b"/>
+              <a:pathLst>
+                <a:path w="287" h="279">
+                  <a:moveTo>
+                    <a:pt x="0" y="279"/>
+                  </a:moveTo>
+                  <a:cubicBezTo>
+                    <a:pt x="101" y="193"/>
+                    <a:pt x="198" y="100"/>
+                    <a:pt x="287" y="0"/>
+                  </a:cubicBezTo>
+                </a:path>
+              </a:pathLst>
+            </a:custGeom>
+            <a:noFill/>
+            <a:ln w="9525" cap="flat">
+              <a:solidFill>
+                <a:schemeClr val="tx1">
+                  <a:alpha val="20000"/>
+                </a:schemeClr>
+              </a:solidFill>
+              <a:prstDash val="solid"/>
+              <a:miter lim="800000"/>
+              <a:headEnd/>
+              <a:tailEnd/>
+            </a:ln>
+            <a:extLst>
+              <a:ext uri="{909E8E84-426E-40DD-AFC4-6F175D3DCCD1}">
+                <a14:hiddenFill xmlns:a14="http://schemas.microsoft.com/office/drawing/2010/main">
+                  <a:solidFill>
+                    <a:srgbClr val="FFFFFF"/>
+                  </a:solidFill>
+                </a14:hiddenFill>
+              </a:ext>
+            </a:extLst>
+          </p:spPr>
+          <p:txBody>
+            <a:bodyPr vert="horz" wrap="square" lIns="91440" tIns="45720" rIns="91440" bIns="45720" numCol="1" anchor="t" anchorCtr="0" compatLnSpc="1">
+              <a:prstTxWarp prst="textNoShape">
+                <a:avLst/>
+              </a:prstTxWarp>
+            </a:bodyPr>
+            <a:lstStyle/>
+            <a:p>
+              <a:endParaRPr lang="en-US"/>
+            </a:p>
+          </p:txBody>
+        </p:sp>
+        <p:sp>
+          <p:nvSpPr>
+            <p:cNvPr id="35" name="Freeform 16"/>
+            <p:cNvSpPr>
+              <a:spLocks/>
+            </p:cNvSpPr>
+            <p:nvPr>
+              <p:extLst>
+                <p:ext uri="{386F3935-93C4-4BCD-93E2-E3B085C9AB24}">
+                  <p16:designElem xmlns:p16="http://schemas.microsoft.com/office/powerpoint/2015/main" val="1"/>
+                </p:ext>
+              </p:extLst>
+            </p:nvPr>
+          </p:nvSpPr>
+          <p:spPr bwMode="auto">
+            <a:xfrm>
+              <a:off x="889000" y="0"/>
+              <a:ext cx="3230563" cy="6843713"/>
+            </a:xfrm>
+            <a:custGeom>
+              <a:avLst/>
+              <a:gdLst>
+                <a:gd name="T0" fmla="*/ 680 w 680"/>
+                <a:gd name="T1" fmla="*/ 0 h 1440"/>
+                <a:gd name="T2" fmla="*/ 337 w 680"/>
+                <a:gd name="T3" fmla="*/ 1440 h 1440"/>
+              </a:gdLst>
+              <a:ahLst/>
+              <a:cxnLst>
+                <a:cxn ang="0">
+                  <a:pos x="T0" y="T1"/>
+                </a:cxn>
+                <a:cxn ang="0">
+                  <a:pos x="T2" y="T3"/>
+                </a:cxn>
+              </a:cxnLst>
+              <a:rect l="0" t="0" r="r" b="b"/>
+              <a:pathLst>
+                <a:path w="680" h="1440">
+                  <a:moveTo>
+                    <a:pt x="680" y="0"/>
+                  </a:moveTo>
+                  <a:cubicBezTo>
+                    <a:pt x="257" y="265"/>
+                    <a:pt x="0" y="1026"/>
+                    <a:pt x="337" y="1440"/>
+                  </a:cubicBezTo>
+                </a:path>
+              </a:pathLst>
+            </a:custGeom>
+            <a:noFill/>
+            <a:ln w="9525" cap="flat">
+              <a:solidFill>
+                <a:schemeClr val="tx1">
+                  <a:alpha val="20000"/>
+                </a:schemeClr>
+              </a:solidFill>
+              <a:prstDash val="solid"/>
+              <a:miter lim="800000"/>
+              <a:headEnd/>
+              <a:tailEnd/>
+            </a:ln>
+            <a:extLst>
+              <a:ext uri="{909E8E84-426E-40DD-AFC4-6F175D3DCCD1}">
+                <a14:hiddenFill xmlns:a14="http://schemas.microsoft.com/office/drawing/2010/main">
+                  <a:solidFill>
+                    <a:srgbClr val="FFFFFF"/>
+                  </a:solidFill>
+                </a14:hiddenFill>
+              </a:ext>
+            </a:extLst>
+          </p:spPr>
+          <p:txBody>
+            <a:bodyPr vert="horz" wrap="square" lIns="91440" tIns="45720" rIns="91440" bIns="45720" numCol="1" anchor="t" anchorCtr="0" compatLnSpc="1">
+              <a:prstTxWarp prst="textNoShape">
+                <a:avLst/>
+              </a:prstTxWarp>
+            </a:bodyPr>
+            <a:lstStyle/>
+            <a:p>
+              <a:endParaRPr lang="en-US"/>
+            </a:p>
+          </p:txBody>
+        </p:sp>
+        <p:sp>
+          <p:nvSpPr>
+            <p:cNvPr id="36" name="Freeform 17"/>
+            <p:cNvSpPr>
+              <a:spLocks/>
+            </p:cNvSpPr>
+            <p:nvPr>
+              <p:extLst>
+                <p:ext uri="{386F3935-93C4-4BCD-93E2-E3B085C9AB24}">
+                  <p16:designElem xmlns:p16="http://schemas.microsoft.com/office/powerpoint/2015/main" val="1"/>
+                </p:ext>
+              </p:extLst>
+            </p:nvPr>
+          </p:nvSpPr>
+          <p:spPr bwMode="auto">
+            <a:xfrm>
+              <a:off x="10979150" y="5694363"/>
+              <a:ext cx="1187450" cy="1149350"/>
+            </a:xfrm>
+            <a:custGeom>
+              <a:avLst/>
+              <a:gdLst>
+                <a:gd name="T0" fmla="*/ 0 w 250"/>
+                <a:gd name="T1" fmla="*/ 242 h 242"/>
+                <a:gd name="T2" fmla="*/ 250 w 250"/>
+                <a:gd name="T3" fmla="*/ 0 h 242"/>
+              </a:gdLst>
+              <a:ahLst/>
+              <a:cxnLst>
+                <a:cxn ang="0">
+                  <a:pos x="T0" y="T1"/>
+                </a:cxn>
+                <a:cxn ang="0">
+                  <a:pos x="T2" y="T3"/>
+                </a:cxn>
+              </a:cxnLst>
+              <a:rect l="0" t="0" r="r" b="b"/>
+              <a:pathLst>
+                <a:path w="250" h="242">
+                  <a:moveTo>
+                    <a:pt x="0" y="242"/>
+                  </a:moveTo>
+                  <a:cubicBezTo>
+                    <a:pt x="88" y="166"/>
+                    <a:pt x="172" y="85"/>
+                    <a:pt x="250" y="0"/>
+                  </a:cubicBezTo>
+                </a:path>
+              </a:pathLst>
+            </a:custGeom>
+            <a:noFill/>
+            <a:ln w="9525" cap="flat">
+              <a:solidFill>
+                <a:schemeClr val="tx1">
+                  <a:alpha val="20000"/>
+                </a:schemeClr>
+              </a:solidFill>
+              <a:prstDash val="solid"/>
+              <a:miter lim="800000"/>
+              <a:headEnd/>
+              <a:tailEnd/>
+            </a:ln>
+            <a:extLst>
+              <a:ext uri="{909E8E84-426E-40DD-AFC4-6F175D3DCCD1}">
+                <a14:hiddenFill xmlns:a14="http://schemas.microsoft.com/office/drawing/2010/main">
+                  <a:solidFill>
+                    <a:srgbClr val="FFFFFF"/>
+                  </a:solidFill>
+                </a14:hiddenFill>
+              </a:ext>
+            </a:extLst>
+          </p:spPr>
+          <p:txBody>
+            <a:bodyPr vert="horz" wrap="square" lIns="91440" tIns="45720" rIns="91440" bIns="45720" numCol="1" anchor="t" anchorCtr="0" compatLnSpc="1">
+              <a:prstTxWarp prst="textNoShape">
+                <a:avLst/>
+              </a:prstTxWarp>
+            </a:bodyPr>
+            <a:lstStyle/>
+            <a:p>
+              <a:endParaRPr lang="en-US"/>
+            </a:p>
+          </p:txBody>
+        </p:sp>
+        <p:sp>
+          <p:nvSpPr>
+            <p:cNvPr id="37" name="Freeform 18"/>
+            <p:cNvSpPr>
+              <a:spLocks/>
+            </p:cNvSpPr>
+            <p:nvPr>
+              <p:extLst>
+                <p:ext uri="{386F3935-93C4-4BCD-93E2-E3B085C9AB24}">
+                  <p16:designElem xmlns:p16="http://schemas.microsoft.com/office/powerpoint/2015/main" val="1"/>
+                </p:ext>
+              </p:extLst>
+            </p:nvPr>
+          </p:nvSpPr>
+          <p:spPr bwMode="auto">
+            <a:xfrm>
+              <a:off x="484188" y="0"/>
+              <a:ext cx="3421063" cy="6843713"/>
+            </a:xfrm>
+            <a:custGeom>
+              <a:avLst/>
+              <a:gdLst>
+                <a:gd name="T0" fmla="*/ 720 w 720"/>
+                <a:gd name="T1" fmla="*/ 0 h 1440"/>
+                <a:gd name="T2" fmla="*/ 362 w 720"/>
+                <a:gd name="T3" fmla="*/ 1440 h 1440"/>
+              </a:gdLst>
+              <a:ahLst/>
+              <a:cxnLst>
+                <a:cxn ang="0">
+                  <a:pos x="T0" y="T1"/>
+                </a:cxn>
+                <a:cxn ang="0">
+                  <a:pos x="T2" y="T3"/>
+                </a:cxn>
+              </a:cxnLst>
+              <a:rect l="0" t="0" r="r" b="b"/>
+              <a:pathLst>
+                <a:path w="720" h="1440">
+                  <a:moveTo>
+                    <a:pt x="720" y="0"/>
+                  </a:moveTo>
+                  <a:cubicBezTo>
+                    <a:pt x="316" y="282"/>
+                    <a:pt x="0" y="1018"/>
+                    <a:pt x="362" y="1440"/>
+                  </a:cubicBezTo>
+                </a:path>
+              </a:pathLst>
+            </a:custGeom>
+            <a:noFill/>
+            <a:ln w="9525" cap="flat">
+              <a:solidFill>
+                <a:schemeClr val="tx1">
+                  <a:alpha val="20000"/>
+                </a:schemeClr>
+              </a:solidFill>
+              <a:prstDash val="solid"/>
+              <a:miter lim="800000"/>
+              <a:headEnd/>
+              <a:tailEnd/>
+            </a:ln>
+            <a:extLst>
+              <a:ext uri="{909E8E84-426E-40DD-AFC4-6F175D3DCCD1}">
+                <a14:hiddenFill xmlns:a14="http://schemas.microsoft.com/office/drawing/2010/main">
+                  <a:solidFill>
+                    <a:srgbClr val="FFFFFF"/>
+                  </a:solidFill>
+                </a14:hiddenFill>
+              </a:ext>
+            </a:extLst>
+          </p:spPr>
+          <p:txBody>
+            <a:bodyPr vert="horz" wrap="square" lIns="91440" tIns="45720" rIns="91440" bIns="45720" numCol="1" anchor="t" anchorCtr="0" compatLnSpc="1">
+              <a:prstTxWarp prst="textNoShape">
+                <a:avLst/>
+              </a:prstTxWarp>
+            </a:bodyPr>
+            <a:lstStyle/>
+            <a:p>
+              <a:endParaRPr lang="en-US"/>
+            </a:p>
+          </p:txBody>
+        </p:sp>
+        <p:sp>
+          <p:nvSpPr>
+            <p:cNvPr id="38" name="Freeform 19"/>
+            <p:cNvSpPr>
+              <a:spLocks/>
+            </p:cNvSpPr>
+            <p:nvPr>
+              <p:extLst>
+                <p:ext uri="{386F3935-93C4-4BCD-93E2-E3B085C9AB24}">
+                  <p16:designElem xmlns:p16="http://schemas.microsoft.com/office/powerpoint/2015/main" val="1"/>
+                </p:ext>
+              </p:extLst>
+            </p:nvPr>
+          </p:nvSpPr>
+          <p:spPr bwMode="auto">
+            <a:xfrm>
+              <a:off x="11287125" y="6049963"/>
+              <a:ext cx="879475" cy="793750"/>
+            </a:xfrm>
+            <a:custGeom>
+              <a:avLst/>
+              <a:gdLst>
+                <a:gd name="T0" fmla="*/ 0 w 185"/>
+                <a:gd name="T1" fmla="*/ 167 h 167"/>
+                <a:gd name="T2" fmla="*/ 185 w 185"/>
+                <a:gd name="T3" fmla="*/ 0 h 167"/>
+              </a:gdLst>
+              <a:ahLst/>
+              <a:cxnLst>
+                <a:cxn ang="0">
+                  <a:pos x="T0" y="T1"/>
+                </a:cxn>
+                <a:cxn ang="0">
+                  <a:pos x="T2" y="T3"/>
+                </a:cxn>
+              </a:cxnLst>
+              <a:rect l="0" t="0" r="r" b="b"/>
+              <a:pathLst>
+                <a:path w="185" h="167">
+                  <a:moveTo>
+                    <a:pt x="0" y="167"/>
+                  </a:moveTo>
+                  <a:cubicBezTo>
+                    <a:pt x="63" y="114"/>
+                    <a:pt x="125" y="58"/>
+                    <a:pt x="185" y="0"/>
+                  </a:cubicBezTo>
+                </a:path>
+              </a:pathLst>
+            </a:custGeom>
+            <a:noFill/>
+            <a:ln w="9525" cap="flat">
+              <a:solidFill>
+                <a:schemeClr val="tx1">
+                  <a:alpha val="20000"/>
+                </a:schemeClr>
+              </a:solidFill>
+              <a:prstDash val="solid"/>
+              <a:miter lim="800000"/>
+              <a:headEnd/>
+              <a:tailEnd/>
+            </a:ln>
+            <a:extLst>
+              <a:ext uri="{909E8E84-426E-40DD-AFC4-6F175D3DCCD1}">
+                <a14:hiddenFill xmlns:a14="http://schemas.microsoft.com/office/drawing/2010/main">
+                  <a:solidFill>
+                    <a:srgbClr val="FFFFFF"/>
+                  </a:solidFill>
+                </a14:hiddenFill>
+              </a:ext>
+            </a:extLst>
+          </p:spPr>
+          <p:txBody>
+            <a:bodyPr vert="horz" wrap="square" lIns="91440" tIns="45720" rIns="91440" bIns="45720" numCol="1" anchor="t" anchorCtr="0" compatLnSpc="1">
+              <a:prstTxWarp prst="textNoShape">
+                <a:avLst/>
+              </a:prstTxWarp>
+            </a:bodyPr>
+            <a:lstStyle/>
+            <a:p>
+              <a:endParaRPr lang="en-US"/>
+            </a:p>
+          </p:txBody>
+        </p:sp>
+        <p:sp>
+          <p:nvSpPr>
+            <p:cNvPr id="39" name="Freeform 20"/>
+            <p:cNvSpPr>
+              <a:spLocks/>
+            </p:cNvSpPr>
+            <p:nvPr>
+              <p:extLst>
+                <p:ext uri="{386F3935-93C4-4BCD-93E2-E3B085C9AB24}">
+                  <p16:designElem xmlns:p16="http://schemas.microsoft.com/office/powerpoint/2015/main" val="1"/>
+                </p:ext>
+              </p:extLst>
+            </p:nvPr>
+          </p:nvSpPr>
+          <p:spPr bwMode="auto">
+            <a:xfrm>
+              <a:off x="598488" y="0"/>
+              <a:ext cx="2717800" cy="6843713"/>
+            </a:xfrm>
+            <a:custGeom>
+              <a:avLst/>
+              <a:gdLst>
+                <a:gd name="T0" fmla="*/ 572 w 572"/>
+                <a:gd name="T1" fmla="*/ 0 h 1440"/>
+                <a:gd name="T2" fmla="*/ 164 w 572"/>
+                <a:gd name="T3" fmla="*/ 1440 h 1440"/>
+              </a:gdLst>
+              <a:ahLst/>
+              <a:cxnLst>
+                <a:cxn ang="0">
+                  <a:pos x="T0" y="T1"/>
+                </a:cxn>
+                <a:cxn ang="0">
+                  <a:pos x="T2" y="T3"/>
+                </a:cxn>
+              </a:cxnLst>
+              <a:rect l="0" t="0" r="r" b="b"/>
+              <a:pathLst>
+                <a:path w="572" h="1440">
+                  <a:moveTo>
+                    <a:pt x="572" y="0"/>
+                  </a:moveTo>
+                  <a:cubicBezTo>
+                    <a:pt x="213" y="320"/>
+                    <a:pt x="0" y="979"/>
+                    <a:pt x="164" y="1440"/>
+                  </a:cubicBezTo>
+                </a:path>
+              </a:pathLst>
+            </a:custGeom>
+            <a:noFill/>
+            <a:ln w="12700" cap="flat">
+              <a:solidFill>
+                <a:schemeClr val="tx1">
+                  <a:alpha val="20000"/>
+                </a:schemeClr>
+              </a:solidFill>
+              <a:prstDash val="dashDot"/>
+              <a:miter lim="800000"/>
+              <a:headEnd/>
+              <a:tailEnd/>
+            </a:ln>
+            <a:extLst>
+              <a:ext uri="{909E8E84-426E-40DD-AFC4-6F175D3DCCD1}">
+                <a14:hiddenFill xmlns:a14="http://schemas.microsoft.com/office/drawing/2010/main">
+                  <a:solidFill>
+                    <a:srgbClr val="FFFFFF"/>
+                  </a:solidFill>
+                </a14:hiddenFill>
+              </a:ext>
+            </a:extLst>
+          </p:spPr>
+          <p:txBody>
+            <a:bodyPr vert="horz" wrap="square" lIns="91440" tIns="45720" rIns="91440" bIns="45720" numCol="1" anchor="t" anchorCtr="0" compatLnSpc="1">
+              <a:prstTxWarp prst="textNoShape">
+                <a:avLst/>
+              </a:prstTxWarp>
+            </a:bodyPr>
+            <a:lstStyle/>
+            <a:p>
+              <a:endParaRPr lang="en-US"/>
+            </a:p>
+          </p:txBody>
+        </p:sp>
+        <p:sp>
+          <p:nvSpPr>
+            <p:cNvPr id="40" name="Freeform 21"/>
+            <p:cNvSpPr>
+              <a:spLocks/>
+            </p:cNvSpPr>
+            <p:nvPr>
+              <p:extLst>
+                <p:ext uri="{386F3935-93C4-4BCD-93E2-E3B085C9AB24}">
+                  <p16:designElem xmlns:p16="http://schemas.microsoft.com/office/powerpoint/2015/main" val="1"/>
+                </p:ext>
+              </p:extLst>
+            </p:nvPr>
+          </p:nvSpPr>
+          <p:spPr bwMode="auto">
+            <a:xfrm>
+              <a:off x="261938" y="0"/>
+              <a:ext cx="2944813" cy="6843713"/>
+            </a:xfrm>
+            <a:custGeom>
+              <a:avLst/>
+              <a:gdLst>
+                <a:gd name="T0" fmla="*/ 620 w 620"/>
+                <a:gd name="T1" fmla="*/ 0 h 1440"/>
+                <a:gd name="T2" fmla="*/ 186 w 620"/>
+                <a:gd name="T3" fmla="*/ 1440 h 1440"/>
+              </a:gdLst>
+              <a:ahLst/>
+              <a:cxnLst>
+                <a:cxn ang="0">
+                  <a:pos x="T0" y="T1"/>
+                </a:cxn>
+                <a:cxn ang="0">
+                  <a:pos x="T2" y="T3"/>
+                </a:cxn>
+              </a:cxnLst>
+              <a:rect l="0" t="0" r="r" b="b"/>
+              <a:pathLst>
+                <a:path w="620" h="1440">
+                  <a:moveTo>
+                    <a:pt x="620" y="0"/>
+                  </a:moveTo>
+                  <a:cubicBezTo>
+                    <a:pt x="248" y="325"/>
+                    <a:pt x="0" y="960"/>
+                    <a:pt x="186" y="1440"/>
+                  </a:cubicBezTo>
+                </a:path>
+              </a:pathLst>
+            </a:custGeom>
+            <a:noFill/>
+            <a:ln w="9525" cap="flat">
+              <a:solidFill>
+                <a:schemeClr val="tx1">
+                  <a:alpha val="20000"/>
+                </a:schemeClr>
+              </a:solidFill>
+              <a:prstDash val="lgDash"/>
+              <a:miter lim="800000"/>
+              <a:headEnd/>
+              <a:tailEnd/>
+            </a:ln>
+            <a:extLst>
+              <a:ext uri="{909E8E84-426E-40DD-AFC4-6F175D3DCCD1}">
+                <a14:hiddenFill xmlns:a14="http://schemas.microsoft.com/office/drawing/2010/main">
+                  <a:solidFill>
+                    <a:srgbClr val="FFFFFF"/>
+                  </a:solidFill>
+                </a14:hiddenFill>
+              </a:ext>
+            </a:extLst>
+          </p:spPr>
+          <p:txBody>
+            <a:bodyPr vert="horz" wrap="square" lIns="91440" tIns="45720" rIns="91440" bIns="45720" numCol="1" anchor="t" anchorCtr="0" compatLnSpc="1">
+              <a:prstTxWarp prst="textNoShape">
+                <a:avLst/>
+              </a:prstTxWarp>
+            </a:bodyPr>
+            <a:lstStyle/>
+            <a:p>
+              <a:endParaRPr lang="en-US"/>
+            </a:p>
+          </p:txBody>
+        </p:sp>
+        <p:sp>
+          <p:nvSpPr>
+            <p:cNvPr id="41" name="Freeform 22"/>
+            <p:cNvSpPr>
+              <a:spLocks/>
+            </p:cNvSpPr>
+            <p:nvPr>
+              <p:extLst>
+                <p:ext uri="{386F3935-93C4-4BCD-93E2-E3B085C9AB24}">
+                  <p16:designElem xmlns:p16="http://schemas.microsoft.com/office/powerpoint/2015/main" val="1"/>
+                </p:ext>
+              </p:extLst>
+            </p:nvPr>
+          </p:nvSpPr>
+          <p:spPr bwMode="auto">
+            <a:xfrm>
+              <a:off x="-417513" y="0"/>
+              <a:ext cx="2403475" cy="6843713"/>
+            </a:xfrm>
+            <a:custGeom>
+              <a:avLst/>
+              <a:gdLst>
+                <a:gd name="T0" fmla="*/ 506 w 506"/>
+                <a:gd name="T1" fmla="*/ 0 h 1440"/>
+                <a:gd name="T2" fmla="*/ 171 w 506"/>
+                <a:gd name="T3" fmla="*/ 1440 h 1440"/>
+              </a:gdLst>
+              <a:ahLst/>
+              <a:cxnLst>
+                <a:cxn ang="0">
+                  <a:pos x="T0" y="T1"/>
+                </a:cxn>
+                <a:cxn ang="0">
+                  <a:pos x="T2" y="T3"/>
+                </a:cxn>
+              </a:cxnLst>
+              <a:rect l="0" t="0" r="r" b="b"/>
+              <a:pathLst>
+                <a:path w="506" h="1440">
+                  <a:moveTo>
+                    <a:pt x="506" y="0"/>
+                  </a:moveTo>
+                  <a:cubicBezTo>
+                    <a:pt x="109" y="356"/>
+                    <a:pt x="0" y="943"/>
+                    <a:pt x="171" y="1440"/>
+                  </a:cubicBezTo>
+                </a:path>
+              </a:pathLst>
+            </a:custGeom>
+            <a:noFill/>
+            <a:ln w="9525" cap="flat">
+              <a:solidFill>
+                <a:schemeClr val="tx1">
+                  <a:alpha val="20000"/>
+                </a:schemeClr>
+              </a:solidFill>
+              <a:prstDash val="solid"/>
+              <a:miter lim="800000"/>
+              <a:headEnd/>
+              <a:tailEnd/>
+            </a:ln>
+            <a:extLst>
+              <a:ext uri="{909E8E84-426E-40DD-AFC4-6F175D3DCCD1}">
+                <a14:hiddenFill xmlns:a14="http://schemas.microsoft.com/office/drawing/2010/main">
+                  <a:solidFill>
+                    <a:srgbClr val="FFFFFF"/>
+                  </a:solidFill>
+                </a14:hiddenFill>
+              </a:ext>
+            </a:extLst>
+          </p:spPr>
+          <p:txBody>
+            <a:bodyPr vert="horz" wrap="square" lIns="91440" tIns="45720" rIns="91440" bIns="45720" numCol="1" anchor="t" anchorCtr="0" compatLnSpc="1">
+              <a:prstTxWarp prst="textNoShape">
+                <a:avLst/>
+              </a:prstTxWarp>
+            </a:bodyPr>
+            <a:lstStyle/>
+            <a:p>
+              <a:endParaRPr lang="en-US"/>
+            </a:p>
+          </p:txBody>
+        </p:sp>
+        <p:sp>
+          <p:nvSpPr>
+            <p:cNvPr id="42" name="Freeform 23"/>
+            <p:cNvSpPr>
+              <a:spLocks/>
+            </p:cNvSpPr>
+            <p:nvPr>
+              <p:extLst>
+                <p:ext uri="{386F3935-93C4-4BCD-93E2-E3B085C9AB24}">
+                  <p16:designElem xmlns:p16="http://schemas.microsoft.com/office/powerpoint/2015/main" val="1"/>
+                </p:ext>
+              </p:extLst>
+            </p:nvPr>
+          </p:nvSpPr>
+          <p:spPr bwMode="auto">
+            <a:xfrm>
+              <a:off x="14288" y="9525"/>
+              <a:ext cx="1771650" cy="3198813"/>
+            </a:xfrm>
+            <a:custGeom>
+              <a:avLst/>
+              <a:gdLst>
+                <a:gd name="T0" fmla="*/ 373 w 373"/>
+                <a:gd name="T1" fmla="*/ 0 h 673"/>
+                <a:gd name="T2" fmla="*/ 0 w 373"/>
+                <a:gd name="T3" fmla="*/ 673 h 673"/>
+              </a:gdLst>
+              <a:ahLst/>
+              <a:cxnLst>
+                <a:cxn ang="0">
+                  <a:pos x="T0" y="T1"/>
+                </a:cxn>
+                <a:cxn ang="0">
+                  <a:pos x="T2" y="T3"/>
+                </a:cxn>
+              </a:cxnLst>
+              <a:rect l="0" t="0" r="r" b="b"/>
+              <a:pathLst>
+                <a:path w="373" h="673">
+                  <a:moveTo>
+                    <a:pt x="373" y="0"/>
+                  </a:moveTo>
+                  <a:cubicBezTo>
+                    <a:pt x="175" y="183"/>
+                    <a:pt x="51" y="409"/>
+                    <a:pt x="0" y="673"/>
+                  </a:cubicBezTo>
+                </a:path>
+              </a:pathLst>
+            </a:custGeom>
+            <a:noFill/>
+            <a:ln w="9525" cap="flat">
+              <a:solidFill>
+                <a:schemeClr val="tx1">
+                  <a:alpha val="20000"/>
+                </a:schemeClr>
+              </a:solidFill>
+              <a:prstDash val="solid"/>
+              <a:miter lim="800000"/>
+              <a:headEnd/>
+              <a:tailEnd/>
+            </a:ln>
+            <a:extLst>
+              <a:ext uri="{909E8E84-426E-40DD-AFC4-6F175D3DCCD1}">
+                <a14:hiddenFill xmlns:a14="http://schemas.microsoft.com/office/drawing/2010/main">
+                  <a:solidFill>
+                    <a:srgbClr val="FFFFFF"/>
+                  </a:solidFill>
+                </a14:hiddenFill>
+              </a:ext>
+            </a:extLst>
+          </p:spPr>
+          <p:txBody>
+            <a:bodyPr vert="horz" wrap="square" lIns="91440" tIns="45720" rIns="91440" bIns="45720" numCol="1" anchor="t" anchorCtr="0" compatLnSpc="1">
+              <a:prstTxWarp prst="textNoShape">
+                <a:avLst/>
+              </a:prstTxWarp>
+            </a:bodyPr>
+            <a:lstStyle/>
+            <a:p>
+              <a:endParaRPr lang="en-US"/>
+            </a:p>
+          </p:txBody>
+        </p:sp>
+        <p:sp>
+          <p:nvSpPr>
+            <p:cNvPr id="43" name="Freeform 24"/>
+            <p:cNvSpPr>
+              <a:spLocks/>
+            </p:cNvSpPr>
+            <p:nvPr>
+              <p:extLst>
+                <p:ext uri="{386F3935-93C4-4BCD-93E2-E3B085C9AB24}">
+                  <p16:designElem xmlns:p16="http://schemas.microsoft.com/office/powerpoint/2015/main" val="1"/>
+                </p:ext>
+              </p:extLst>
+            </p:nvPr>
+          </p:nvSpPr>
+          <p:spPr bwMode="auto">
+            <a:xfrm>
+              <a:off x="4763" y="6016625"/>
+              <a:ext cx="214313" cy="827088"/>
+            </a:xfrm>
+            <a:custGeom>
+              <a:avLst/>
+              <a:gdLst>
+                <a:gd name="T0" fmla="*/ 0 w 45"/>
+                <a:gd name="T1" fmla="*/ 0 h 174"/>
+                <a:gd name="T2" fmla="*/ 45 w 45"/>
+                <a:gd name="T3" fmla="*/ 174 h 174"/>
+              </a:gdLst>
+              <a:ahLst/>
+              <a:cxnLst>
+                <a:cxn ang="0">
+                  <a:pos x="T0" y="T1"/>
+                </a:cxn>
+                <a:cxn ang="0">
+                  <a:pos x="T2" y="T3"/>
+                </a:cxn>
+              </a:cxnLst>
+              <a:rect l="0" t="0" r="r" b="b"/>
+              <a:pathLst>
+                <a:path w="45" h="174">
+                  <a:moveTo>
+                    <a:pt x="0" y="0"/>
+                  </a:moveTo>
+                  <a:cubicBezTo>
+                    <a:pt x="11" y="59"/>
+                    <a:pt x="26" y="118"/>
+                    <a:pt x="45" y="174"/>
+                  </a:cubicBezTo>
+                </a:path>
+              </a:pathLst>
+            </a:custGeom>
+            <a:noFill/>
+            <a:ln w="9525" cap="flat">
+              <a:solidFill>
+                <a:schemeClr val="tx1">
+                  <a:alpha val="20000"/>
+                </a:schemeClr>
+              </a:solidFill>
+              <a:prstDash val="solid"/>
+              <a:miter lim="800000"/>
+              <a:headEnd/>
+              <a:tailEnd/>
+            </a:ln>
+            <a:extLst>
+              <a:ext uri="{909E8E84-426E-40DD-AFC4-6F175D3DCCD1}">
+                <a14:hiddenFill xmlns:a14="http://schemas.microsoft.com/office/drawing/2010/main">
+                  <a:solidFill>
+                    <a:srgbClr val="FFFFFF"/>
+                  </a:solidFill>
+                </a14:hiddenFill>
+              </a:ext>
+            </a:extLst>
+          </p:spPr>
+          <p:txBody>
+            <a:bodyPr vert="horz" wrap="square" lIns="91440" tIns="45720" rIns="91440" bIns="45720" numCol="1" anchor="t" anchorCtr="0" compatLnSpc="1">
+              <a:prstTxWarp prst="textNoShape">
+                <a:avLst/>
+              </a:prstTxWarp>
+            </a:bodyPr>
+            <a:lstStyle/>
+            <a:p>
+              <a:endParaRPr lang="en-US"/>
+            </a:p>
+          </p:txBody>
+        </p:sp>
+        <p:sp>
+          <p:nvSpPr>
+            <p:cNvPr id="44" name="Freeform 25"/>
+            <p:cNvSpPr>
+              <a:spLocks/>
+            </p:cNvSpPr>
+            <p:nvPr>
+              <p:extLst>
+                <p:ext uri="{386F3935-93C4-4BCD-93E2-E3B085C9AB24}">
+                  <p16:designElem xmlns:p16="http://schemas.microsoft.com/office/powerpoint/2015/main" val="1"/>
+                </p:ext>
+              </p:extLst>
+            </p:nvPr>
+          </p:nvSpPr>
+          <p:spPr bwMode="auto">
+            <a:xfrm>
+              <a:off x="14288" y="0"/>
+              <a:ext cx="1562100" cy="2228850"/>
+            </a:xfrm>
+            <a:custGeom>
+              <a:avLst/>
+              <a:gdLst>
+                <a:gd name="T0" fmla="*/ 329 w 329"/>
+                <a:gd name="T1" fmla="*/ 0 h 469"/>
+                <a:gd name="T2" fmla="*/ 0 w 329"/>
+                <a:gd name="T3" fmla="*/ 469 h 469"/>
+              </a:gdLst>
+              <a:ahLst/>
+              <a:cxnLst>
+                <a:cxn ang="0">
+                  <a:pos x="T0" y="T1"/>
+                </a:cxn>
+                <a:cxn ang="0">
+                  <a:pos x="T2" y="T3"/>
+                </a:cxn>
+              </a:cxnLst>
+              <a:rect l="0" t="0" r="r" b="b"/>
+              <a:pathLst>
+                <a:path w="329" h="469">
+                  <a:moveTo>
+                    <a:pt x="329" y="0"/>
+                  </a:moveTo>
+                  <a:cubicBezTo>
+                    <a:pt x="189" y="133"/>
+                    <a:pt x="69" y="288"/>
+                    <a:pt x="0" y="469"/>
+                  </a:cubicBezTo>
+                </a:path>
+              </a:pathLst>
+            </a:custGeom>
+            <a:noFill/>
+            <a:ln w="9525" cap="flat">
+              <a:solidFill>
+                <a:schemeClr val="tx1">
+                  <a:alpha val="20000"/>
+                </a:schemeClr>
+              </a:solidFill>
+              <a:prstDash val="solid"/>
+              <a:miter lim="800000"/>
+              <a:headEnd/>
+              <a:tailEnd/>
+            </a:ln>
+            <a:extLst>
+              <a:ext uri="{909E8E84-426E-40DD-AFC4-6F175D3DCCD1}">
+                <a14:hiddenFill xmlns:a14="http://schemas.microsoft.com/office/drawing/2010/main">
+                  <a:solidFill>
+                    <a:srgbClr val="FFFFFF"/>
+                  </a:solidFill>
+                </a14:hiddenFill>
+              </a:ext>
+            </a:extLst>
+          </p:spPr>
+          <p:txBody>
+            <a:bodyPr vert="horz" wrap="square" lIns="91440" tIns="45720" rIns="91440" bIns="45720" numCol="1" anchor="t" anchorCtr="0" compatLnSpc="1">
+              <a:prstTxWarp prst="textNoShape">
+                <a:avLst/>
+              </a:prstTxWarp>
+            </a:bodyPr>
+            <a:lstStyle/>
+            <a:p>
+              <a:endParaRPr lang="en-US"/>
+            </a:p>
+          </p:txBody>
+        </p:sp>
+      </p:grpSp>
+      <p:sp>
+        <p:nvSpPr>
+          <p:cNvPr id="46" name="Rectangle 45"/>
+          <p:cNvSpPr>
+            <a:spLocks noGrp="1" noRot="1" noChangeAspect="1" noMove="1" noResize="1" noEditPoints="1" noAdjustHandles="1" noChangeArrowheads="1" noChangeShapeType="1" noTextEdit="1"/>
+          </p:cNvSpPr>
+          <p:nvPr>
+            <p:extLst>
+              <p:ext uri="{386F3935-93C4-4BCD-93E2-E3B085C9AB24}">
+                <p16:designElem xmlns:p16="http://schemas.microsoft.com/office/powerpoint/2015/main" val="1"/>
+              </p:ext>
+            </p:extLst>
+          </p:nvPr>
+        </p:nvSpPr>
+        <p:spPr>
+          <a:xfrm>
+            <a:off x="7549557" y="0"/>
+            <a:ext cx="4640799" cy="6858000"/>
           </a:xfrm>
           <a:prstGeom prst="rect">
             <a:avLst/>
           </a:prstGeom>
           <a:solidFill>
-            <a:srgbClr val="FFFFFF"/>
+            <a:schemeClr val="bg1"/>
+          </a:solidFill>
+          <a:ln w="9525">
+            <a:solidFill>
+              <a:schemeClr val="tx1">
+                <a:alpha val="20000"/>
+              </a:schemeClr>
+            </a:solidFill>
+          </a:ln>
+        </p:spPr>
+        <p:style>
+          <a:lnRef idx="2">
+            <a:schemeClr val="accent1">
+              <a:shade val="50000"/>
+            </a:schemeClr>
+          </a:lnRef>
+          <a:fillRef idx="1">
+            <a:schemeClr val="accent1"/>
+          </a:fillRef>
+          <a:effectRef idx="0">
+            <a:schemeClr val="accent1"/>
+          </a:effectRef>
+          <a:fontRef idx="minor">
+            <a:schemeClr val="lt1"/>
+          </a:fontRef>
+        </p:style>
+        <p:txBody>
+          <a:bodyPr rot="0" spcFirstLastPara="0" vert="horz" wrap="square" lIns="91440" tIns="45720" rIns="91440" bIns="45720" numCol="1" spcCol="0" rtlCol="0" fromWordArt="0" anchor="ctr" anchorCtr="0" forceAA="0" compatLnSpc="1">
+            <a:prstTxWarp prst="textNoShape">
+              <a:avLst/>
+            </a:prstTxWarp>
+            <a:noAutofit/>
+          </a:bodyPr>
+          <a:lstStyle>
+            <a:defPPr>
+              <a:defRPr lang="en-US"/>
+            </a:defPPr>
+            <a:lvl1pPr marL="0" algn="l" defTabSz="457200" rtl="0" eaLnBrk="1" latinLnBrk="0" hangingPunct="1">
+              <a:defRPr sz="1800" kern="1200">
+                <a:solidFill>
+                  <a:schemeClr val="lt1"/>
+                </a:solidFill>
+                <a:latin typeface="+mn-lt"/>
+                <a:ea typeface="+mn-ea"/>
+                <a:cs typeface="+mn-cs"/>
+              </a:defRPr>
+            </a:lvl1pPr>
+            <a:lvl2pPr marL="457200" algn="l" defTabSz="457200" rtl="0" eaLnBrk="1" latinLnBrk="0" hangingPunct="1">
+              <a:defRPr sz="1800" kern="1200">
+                <a:solidFill>
+                  <a:schemeClr val="lt1"/>
+                </a:solidFill>
+                <a:latin typeface="+mn-lt"/>
+                <a:ea typeface="+mn-ea"/>
+                <a:cs typeface="+mn-cs"/>
+              </a:defRPr>
+            </a:lvl2pPr>
+            <a:lvl3pPr marL="914400" algn="l" defTabSz="457200" rtl="0" eaLnBrk="1" latinLnBrk="0" hangingPunct="1">
+              <a:defRPr sz="1800" kern="1200">
+                <a:solidFill>
+                  <a:schemeClr val="lt1"/>
+                </a:solidFill>
+                <a:latin typeface="+mn-lt"/>
+                <a:ea typeface="+mn-ea"/>
+                <a:cs typeface="+mn-cs"/>
+              </a:defRPr>
+            </a:lvl3pPr>
+            <a:lvl4pPr marL="1371600" algn="l" defTabSz="457200" rtl="0" eaLnBrk="1" latinLnBrk="0" hangingPunct="1">
+              <a:defRPr sz="1800" kern="1200">
+                <a:solidFill>
+                  <a:schemeClr val="lt1"/>
+                </a:solidFill>
+                <a:latin typeface="+mn-lt"/>
+                <a:ea typeface="+mn-ea"/>
+                <a:cs typeface="+mn-cs"/>
+              </a:defRPr>
+            </a:lvl4pPr>
+            <a:lvl5pPr marL="1828800" algn="l" defTabSz="457200" rtl="0" eaLnBrk="1" latinLnBrk="0" hangingPunct="1">
+              <a:defRPr sz="1800" kern="1200">
+                <a:solidFill>
+                  <a:schemeClr val="lt1"/>
+                </a:solidFill>
+                <a:latin typeface="+mn-lt"/>
+                <a:ea typeface="+mn-ea"/>
+                <a:cs typeface="+mn-cs"/>
+              </a:defRPr>
+            </a:lvl5pPr>
+            <a:lvl6pPr marL="2286000" algn="l" defTabSz="457200" rtl="0" eaLnBrk="1" latinLnBrk="0" hangingPunct="1">
+              <a:defRPr sz="1800" kern="1200">
+                <a:solidFill>
+                  <a:schemeClr val="lt1"/>
+                </a:solidFill>
+                <a:latin typeface="+mn-lt"/>
+                <a:ea typeface="+mn-ea"/>
+                <a:cs typeface="+mn-cs"/>
+              </a:defRPr>
+            </a:lvl6pPr>
+            <a:lvl7pPr marL="2743200" algn="l" defTabSz="457200" rtl="0" eaLnBrk="1" latinLnBrk="0" hangingPunct="1">
+              <a:defRPr sz="1800" kern="1200">
+                <a:solidFill>
+                  <a:schemeClr val="lt1"/>
+                </a:solidFill>
+                <a:latin typeface="+mn-lt"/>
+                <a:ea typeface="+mn-ea"/>
+                <a:cs typeface="+mn-cs"/>
+              </a:defRPr>
+            </a:lvl7pPr>
+            <a:lvl8pPr marL="3200400" algn="l" defTabSz="457200" rtl="0" eaLnBrk="1" latinLnBrk="0" hangingPunct="1">
+              <a:defRPr sz="1800" kern="1200">
+                <a:solidFill>
+                  <a:schemeClr val="lt1"/>
+                </a:solidFill>
+                <a:latin typeface="+mn-lt"/>
+                <a:ea typeface="+mn-ea"/>
+                <a:cs typeface="+mn-cs"/>
+              </a:defRPr>
+            </a:lvl8pPr>
+            <a:lvl9pPr marL="3657600" algn="l" defTabSz="457200" rtl="0" eaLnBrk="1" latinLnBrk="0" hangingPunct="1">
+              <a:defRPr sz="1800" kern="1200">
+                <a:solidFill>
+                  <a:schemeClr val="lt1"/>
+                </a:solidFill>
+                <a:latin typeface="+mn-lt"/>
+                <a:ea typeface="+mn-ea"/>
+                <a:cs typeface="+mn-cs"/>
+              </a:defRPr>
+            </a:lvl9pPr>
+          </a:lstStyle>
+          <a:p>
+            <a:pPr algn="ctr"/>
+            <a:endParaRPr lang="en-US"/>
+          </a:p>
+        </p:txBody>
+      </p:sp>
+      <p:pic>
+        <p:nvPicPr>
+          <p:cNvPr id="6" name="Picture 5" descr="A picture containing text, map&#10;&#10;Description generated with very high confidence"/>
+          <p:cNvPicPr>
+            <a:picLocks noChangeAspect="1"/>
+          </p:cNvPicPr>
+          <p:nvPr/>
+        </p:nvPicPr>
+        <p:blipFill rotWithShape="1">
+          <a:blip r:embed="rId2"/>
+          <a:srcRect/>
+          <a:stretch/>
+        </p:blipFill>
+        <p:spPr>
+          <a:xfrm>
+            <a:off x="7866658" y="523645"/>
+            <a:ext cx="4005608" cy="2543561"/>
+          </a:xfrm>
+          <a:prstGeom prst="rect">
+            <a:avLst/>
+          </a:prstGeom>
+          <a:ln>
+            <a:solidFill>
+              <a:schemeClr val="bg1"/>
+            </a:solidFill>
+          </a:ln>
+        </p:spPr>
+      </p:pic>
+      <p:pic>
+        <p:nvPicPr>
+          <p:cNvPr id="5" name="Picture 4" descr="A close up of a map&#10;&#10;Description generated with high confidence"/>
+          <p:cNvPicPr>
+            <a:picLocks noChangeAspect="1"/>
+          </p:cNvPicPr>
+          <p:nvPr/>
+        </p:nvPicPr>
+        <p:blipFill rotWithShape="1">
+          <a:blip r:embed="rId3"/>
+          <a:srcRect/>
+          <a:stretch/>
+        </p:blipFill>
+        <p:spPr>
+          <a:xfrm>
+            <a:off x="7866657" y="3737874"/>
+            <a:ext cx="4005303" cy="2653512"/>
+          </a:xfrm>
+          <a:prstGeom prst="rect">
+            <a:avLst/>
+          </a:prstGeom>
+          <a:ln>
+            <a:solidFill>
+              <a:schemeClr val="bg1"/>
+            </a:solidFill>
+          </a:ln>
+        </p:spPr>
+      </p:pic>
+      <p:sp>
+        <p:nvSpPr>
+          <p:cNvPr id="48" name="Rectangle 47"/>
+          <p:cNvSpPr>
+            <a:spLocks noGrp="1" noRot="1" noChangeAspect="1" noMove="1" noResize="1" noEditPoints="1" noAdjustHandles="1" noChangeArrowheads="1" noChangeShapeType="1" noTextEdit="1"/>
+          </p:cNvSpPr>
+          <p:nvPr>
+            <p:extLst>
+              <p:ext uri="{386F3935-93C4-4BCD-93E2-E3B085C9AB24}">
+                <p16:designElem xmlns:p16="http://schemas.microsoft.com/office/powerpoint/2015/main" val="1"/>
+              </p:ext>
+            </p:extLst>
+          </p:nvPr>
+        </p:nvSpPr>
+        <p:spPr>
+          <a:xfrm>
+            <a:off x="791682" y="1047102"/>
+            <a:ext cx="5936885" cy="502920"/>
+          </a:xfrm>
+          <a:prstGeom prst="rect">
+            <a:avLst/>
+          </a:prstGeom>
+          <a:solidFill>
+            <a:schemeClr val="accent1"/>
           </a:solidFill>
           <a:ln>
             <a:noFill/>
@@ -3519,9 +5553,9 @@
           </a:p>
         </p:txBody>
       </p:sp>
-      <p:sp useBgFill="1">
-        <p:nvSpPr>
-          <p:cNvPr id="11" name="Freeform 23"/>
+      <p:sp>
+        <p:nvSpPr>
+          <p:cNvPr id="50" name="Isosceles Triangle 22"/>
           <p:cNvSpPr>
             <a:spLocks noGrp="1" noRot="1" noChangeAspect="1" noMove="1" noResize="1" noEditPoints="1" noAdjustHandles="1" noChangeArrowheads="1" noChangeShapeType="1" noTextEdit="1"/>
           </p:cNvSpPr>
@@ -3533,145 +5567,17 @@
             </p:extLst>
           </p:nvPr>
         </p:nvSpPr>
-        <p:spPr bwMode="white">
-          <a:xfrm>
-            <a:off x="0" y="0"/>
-            <a:ext cx="4654295" cy="6858000"/>
+        <p:spPr>
+          <a:xfrm rot="10800000">
+            <a:off x="3602131" y="5546507"/>
+            <a:ext cx="315988" cy="272403"/>
           </a:xfrm>
-          <a:custGeom>
+          <a:prstGeom prst="triangle">
             <a:avLst/>
-            <a:gdLst>
-              <a:gd name="connsiteX0" fmla="*/ 0 w 4637005"/>
-              <a:gd name="connsiteY0" fmla="*/ 0 h 6858000"/>
-              <a:gd name="connsiteX1" fmla="*/ 4637005 w 4637005"/>
-              <a:gd name="connsiteY1" fmla="*/ 0 h 6858000"/>
-              <a:gd name="connsiteX2" fmla="*/ 4637005 w 4637005"/>
-              <a:gd name="connsiteY2" fmla="*/ 1900238 h 6858000"/>
-              <a:gd name="connsiteX3" fmla="*/ 4266589 w 4637005"/>
-              <a:gd name="connsiteY3" fmla="*/ 2178050 h 6858000"/>
-              <a:gd name="connsiteX4" fmla="*/ 4262355 w 4637005"/>
-              <a:gd name="connsiteY4" fmla="*/ 2184400 h 6858000"/>
-              <a:gd name="connsiteX5" fmla="*/ 4256005 w 4637005"/>
-              <a:gd name="connsiteY5" fmla="*/ 2193925 h 6858000"/>
-              <a:gd name="connsiteX6" fmla="*/ 4249655 w 4637005"/>
-              <a:gd name="connsiteY6" fmla="*/ 2201863 h 6858000"/>
-              <a:gd name="connsiteX7" fmla="*/ 4249655 w 4637005"/>
-              <a:gd name="connsiteY7" fmla="*/ 2211388 h 6858000"/>
-              <a:gd name="connsiteX8" fmla="*/ 4249655 w 4637005"/>
-              <a:gd name="connsiteY8" fmla="*/ 2220913 h 6858000"/>
-              <a:gd name="connsiteX9" fmla="*/ 4256005 w 4637005"/>
-              <a:gd name="connsiteY9" fmla="*/ 2228850 h 6858000"/>
-              <a:gd name="connsiteX10" fmla="*/ 4262355 w 4637005"/>
-              <a:gd name="connsiteY10" fmla="*/ 2238375 h 6858000"/>
-              <a:gd name="connsiteX11" fmla="*/ 4266589 w 4637005"/>
-              <a:gd name="connsiteY11" fmla="*/ 2244725 h 6858000"/>
-              <a:gd name="connsiteX12" fmla="*/ 4637005 w 4637005"/>
-              <a:gd name="connsiteY12" fmla="*/ 2522538 h 6858000"/>
-              <a:gd name="connsiteX13" fmla="*/ 4637005 w 4637005"/>
-              <a:gd name="connsiteY13" fmla="*/ 6858000 h 6858000"/>
-              <a:gd name="connsiteX14" fmla="*/ 0 w 4637005"/>
-              <a:gd name="connsiteY14" fmla="*/ 6858000 h 6858000"/>
-            </a:gdLst>
-            <a:ahLst/>
-            <a:cxnLst>
-              <a:cxn ang="0">
-                <a:pos x="connsiteX0" y="connsiteY0"/>
-              </a:cxn>
-              <a:cxn ang="0">
-                <a:pos x="connsiteX1" y="connsiteY1"/>
-              </a:cxn>
-              <a:cxn ang="0">
-                <a:pos x="connsiteX2" y="connsiteY2"/>
-              </a:cxn>
-              <a:cxn ang="0">
-                <a:pos x="connsiteX3" y="connsiteY3"/>
-              </a:cxn>
-              <a:cxn ang="0">
-                <a:pos x="connsiteX4" y="connsiteY4"/>
-              </a:cxn>
-              <a:cxn ang="0">
-                <a:pos x="connsiteX5" y="connsiteY5"/>
-              </a:cxn>
-              <a:cxn ang="0">
-                <a:pos x="connsiteX6" y="connsiteY6"/>
-              </a:cxn>
-              <a:cxn ang="0">
-                <a:pos x="connsiteX7" y="connsiteY7"/>
-              </a:cxn>
-              <a:cxn ang="0">
-                <a:pos x="connsiteX8" y="connsiteY8"/>
-              </a:cxn>
-              <a:cxn ang="0">
-                <a:pos x="connsiteX9" y="connsiteY9"/>
-              </a:cxn>
-              <a:cxn ang="0">
-                <a:pos x="connsiteX10" y="connsiteY10"/>
-              </a:cxn>
-              <a:cxn ang="0">
-                <a:pos x="connsiteX11" y="connsiteY11"/>
-              </a:cxn>
-              <a:cxn ang="0">
-                <a:pos x="connsiteX12" y="connsiteY12"/>
-              </a:cxn>
-              <a:cxn ang="0">
-                <a:pos x="connsiteX13" y="connsiteY13"/>
-              </a:cxn>
-              <a:cxn ang="0">
-                <a:pos x="connsiteX14" y="connsiteY14"/>
-              </a:cxn>
-            </a:cxnLst>
-            <a:rect l="l" t="t" r="r" b="b"/>
-            <a:pathLst>
-              <a:path w="4637005" h="6858000">
-                <a:moveTo>
-                  <a:pt x="0" y="0"/>
-                </a:moveTo>
-                <a:lnTo>
-                  <a:pt x="4637005" y="0"/>
-                </a:lnTo>
-                <a:lnTo>
-                  <a:pt x="4637005" y="1900238"/>
-                </a:lnTo>
-                <a:lnTo>
-                  <a:pt x="4266589" y="2178050"/>
-                </a:lnTo>
-                <a:lnTo>
-                  <a:pt x="4262355" y="2184400"/>
-                </a:lnTo>
-                <a:lnTo>
-                  <a:pt x="4256005" y="2193925"/>
-                </a:lnTo>
-                <a:lnTo>
-                  <a:pt x="4249655" y="2201863"/>
-                </a:lnTo>
-                <a:lnTo>
-                  <a:pt x="4249655" y="2211388"/>
-                </a:lnTo>
-                <a:lnTo>
-                  <a:pt x="4249655" y="2220913"/>
-                </a:lnTo>
-                <a:lnTo>
-                  <a:pt x="4256005" y="2228850"/>
-                </a:lnTo>
-                <a:lnTo>
-                  <a:pt x="4262355" y="2238375"/>
-                </a:lnTo>
-                <a:lnTo>
-                  <a:pt x="4266589" y="2244725"/>
-                </a:lnTo>
-                <a:lnTo>
-                  <a:pt x="4637005" y="2522538"/>
-                </a:lnTo>
-                <a:lnTo>
-                  <a:pt x="4637005" y="6858000"/>
-                </a:lnTo>
-                <a:lnTo>
-                  <a:pt x="0" y="6858000"/>
-                </a:lnTo>
-                <a:close/>
-              </a:path>
-            </a:pathLst>
-          </a:custGeom>
+          </a:prstGeom>
+          <a:solidFill>
+            <a:schemeClr val="accent1"/>
+          </a:solidFill>
           <a:ln>
             <a:noFill/>
           </a:ln>
@@ -3693,9 +5599,7 @@
           </a:fontRef>
         </p:style>
         <p:txBody>
-          <a:bodyPr wrap="square" rtlCol="0" anchor="ctr">
-            <a:noAutofit/>
-          </a:bodyPr>
+          <a:bodyPr rtlCol="0" anchor="ctr"/>
           <a:lstStyle/>
           <a:p>
             <a:pPr algn="ctr"/>
@@ -3705,7 +5609,7 @@
       </p:sp>
       <p:sp>
         <p:nvSpPr>
-          <p:cNvPr id="13" name="Rounded Rectangle 17"/>
+          <p:cNvPr id="52" name="Rectangle 51"/>
           <p:cNvSpPr>
             <a:spLocks noGrp="1" noRot="1" noChangeAspect="1" noMove="1" noResize="1" noEditPoints="1" noAdjustHandles="1" noChangeArrowheads="1" noChangeShapeType="1" noTextEdit="1"/>
           </p:cNvSpPr>
@@ -3719,23 +5623,18 @@
         </p:nvSpPr>
         <p:spPr>
           <a:xfrm>
-            <a:off x="5278945" y="958640"/>
-            <a:ext cx="6269591" cy="4945244"/>
+            <a:off x="791682" y="1634393"/>
+            <a:ext cx="5935796" cy="3917307"/>
           </a:xfrm>
-          <a:prstGeom prst="roundRect">
-            <a:avLst>
-              <a:gd name="adj" fmla="val 3513"/>
-            </a:avLst>
+          <a:prstGeom prst="rect">
+            <a:avLst/>
           </a:prstGeom>
           <a:solidFill>
-            <a:srgbClr val="FFFFFF"/>
+            <a:schemeClr val="accent1"/>
           </a:solidFill>
           <a:ln>
-            <a:solidFill>
-              <a:schemeClr val="accent1"/>
-            </a:solidFill>
+            <a:noFill/>
           </a:ln>
-          <a:effectLst/>
         </p:spPr>
         <p:style>
           <a:lnRef idx="2">
@@ -3762,52 +5661,37 @@
           </a:p>
         </p:txBody>
       </p:sp>
-      <p:pic>
-        <p:nvPicPr>
-          <p:cNvPr id="4" name="Picture 3" descr="A picture containing stationary, writing implement&#10;&#10;Description generated with very high confidence"/>
-          <p:cNvPicPr>
-            <a:picLocks noChangeAspect="1"/>
-          </p:cNvPicPr>
-          <p:nvPr/>
-        </p:nvPicPr>
-        <p:blipFill rotWithShape="1">
-          <a:blip r:embed="rId2"/>
-          <a:srcRect l="10315" r="16434" b="-2"/>
-          <a:stretch/>
-        </p:blipFill>
+      <p:sp>
+        <p:nvSpPr>
+          <p:cNvPr id="2" name="Title 1"/>
+          <p:cNvSpPr>
+            <a:spLocks noGrp="1"/>
+          </p:cNvSpPr>
+          <p:nvPr>
+            <p:ph type="title"/>
+          </p:nvPr>
+        </p:nvSpPr>
         <p:spPr>
           <a:xfrm>
-            <a:off x="5603706" y="1258529"/>
-            <a:ext cx="5638853" cy="4330205"/>
-          </a:xfrm>
-          <a:prstGeom prst="rect">
-            <a:avLst/>
-          </a:prstGeom>
-        </p:spPr>
-      </p:pic>
-      <p:sp>
-        <p:nvSpPr>
-          <p:cNvPr id="2" name="Title 1"/>
-          <p:cNvSpPr>
-            <a:spLocks noGrp="1"/>
-          </p:cNvSpPr>
-          <p:nvPr>
-            <p:ph type="title"/>
-          </p:nvPr>
-        </p:nvSpPr>
-        <p:spPr>
-          <a:xfrm>
-            <a:off x="838200" y="365125"/>
-            <a:ext cx="3200400" cy="1325563"/>
+            <a:off x="873978" y="1718735"/>
+            <a:ext cx="5767566" cy="1072378"/>
           </a:xfrm>
         </p:spPr>
         <p:txBody>
-          <a:bodyPr>
+          <a:bodyPr anchor="ctr">
             <a:normAutofit/>
           </a:bodyPr>
           <a:lstStyle/>
           <a:p>
-            <a:endParaRPr lang="en-US" sz="3200"/>
+            <a:pPr algn="ctr"/>
+            <a:r>
+              <a:rPr lang="en-US" sz="3600" dirty="0">
+                <a:solidFill>
+                  <a:srgbClr val="FFFFFF"/>
+                </a:solidFill>
+              </a:rPr>
+              <a:t>Hourly Analysis</a:t>
+            </a:r>
           </a:p>
         </p:txBody>
       </p:sp>
@@ -3823,60 +5707,195 @@
         </p:nvSpPr>
         <p:spPr>
           <a:xfrm>
-            <a:off x="838201" y="1825625"/>
-            <a:ext cx="3200400" cy="4351338"/>
+            <a:off x="873102" y="2789239"/>
+            <a:ext cx="5768442" cy="2683606"/>
           </a:xfrm>
         </p:spPr>
         <p:txBody>
-          <a:bodyPr>
-            <a:normAutofit/>
+          <a:bodyPr anchor="ctr">
+            <a:normAutofit lnSpcReduction="10000"/>
           </a:bodyPr>
           <a:lstStyle/>
           <a:p>
-            <a:r>
-              <a:rPr lang="en-US" sz="1800"/>
+            <a:pPr>
+              <a:lnSpc>
+                <a:spcPct val="70000"/>
+              </a:lnSpc>
+            </a:pPr>
+            <a:r>
+              <a:rPr lang="en-US" sz="1400" dirty="0">
+                <a:solidFill>
+                  <a:srgbClr val="FFFFFE"/>
+                </a:solidFill>
+              </a:rPr>
               <a:t>This figure shows along the time axis , the number of bookings and cancellations done</a:t>
             </a:r>
           </a:p>
           <a:p>
-            <a:r>
-              <a:rPr lang="en-US" sz="1800"/>
+            <a:pPr>
+              <a:lnSpc>
+                <a:spcPct val="70000"/>
+              </a:lnSpc>
+            </a:pPr>
+            <a:r>
+              <a:rPr lang="en-US" sz="1400" dirty="0">
+                <a:solidFill>
+                  <a:srgbClr val="FFFFFE"/>
+                </a:solidFill>
+              </a:rPr>
+              <a:t>It is evident that during </a:t>
+            </a:r>
+            <a:r>
+              <a:rPr lang="en-US" sz="1400" b="1" dirty="0">
+                <a:solidFill>
+                  <a:srgbClr val="FFFFFE"/>
+                </a:solidFill>
+              </a:rPr>
+              <a:t>15 to 24 hours</a:t>
+            </a:r>
+            <a:r>
+              <a:rPr lang="en-US" sz="1400" dirty="0">
+                <a:solidFill>
+                  <a:srgbClr val="FFFFFE"/>
+                </a:solidFill>
+              </a:rPr>
+              <a:t> more Airport pickups are showing “</a:t>
+            </a:r>
+            <a:r>
+              <a:rPr lang="en-US" sz="1400" b="1" dirty="0">
+                <a:solidFill>
+                  <a:srgbClr val="FFFFFE"/>
+                </a:solidFill>
+              </a:rPr>
+              <a:t>No Cars Available</a:t>
+            </a:r>
+            <a:r>
+              <a:rPr lang="en-US" sz="1400" dirty="0">
+                <a:solidFill>
+                  <a:srgbClr val="FFFFFE"/>
+                </a:solidFill>
+              </a:rPr>
+              <a:t>” and during 4 to 20 city pickups are getting </a:t>
+            </a:r>
+            <a:r>
+              <a:rPr lang="en-US" sz="1400" b="1" dirty="0">
+                <a:solidFill>
+                  <a:srgbClr val="FFFFFE"/>
+                </a:solidFill>
+              </a:rPr>
+              <a:t>cancelled</a:t>
+            </a:r>
+            <a:r>
+              <a:rPr lang="en-US" sz="1400" dirty="0">
+                <a:solidFill>
+                  <a:srgbClr val="FFFFFE"/>
+                </a:solidFill>
+              </a:rPr>
+              <a:t>.</a:t>
+            </a:r>
+          </a:p>
+          <a:p>
+            <a:pPr>
+              <a:lnSpc>
+                <a:spcPct val="70000"/>
+              </a:lnSpc>
+            </a:pPr>
+            <a:r>
+              <a:rPr lang="en-US" sz="1400" dirty="0">
+                <a:solidFill>
+                  <a:srgbClr val="FFFFFE"/>
+                </a:solidFill>
+              </a:rPr>
               <a:t>To make this much clear, I have divided time axis into time slots</a:t>
             </a:r>
           </a:p>
           <a:p>
-            <a:r>
-              <a:rPr lang="en-US" sz="1800"/>
+            <a:pPr>
+              <a:lnSpc>
+                <a:spcPct val="70000"/>
+              </a:lnSpc>
+            </a:pPr>
+            <a:r>
+              <a:rPr lang="en-US" sz="1400" dirty="0">
+                <a:solidFill>
+                  <a:srgbClr val="FFFFFE"/>
+                </a:solidFill>
+              </a:rPr>
               <a:t>01 to 04 - Late Nights</a:t>
             </a:r>
           </a:p>
           <a:p>
-            <a:r>
-              <a:rPr lang="en-US" sz="1800"/>
+            <a:pPr>
+              <a:lnSpc>
+                <a:spcPct val="70000"/>
+              </a:lnSpc>
+            </a:pPr>
+            <a:r>
+              <a:rPr lang="en-US" sz="1400" dirty="0">
+                <a:solidFill>
+                  <a:srgbClr val="FFFFFE"/>
+                </a:solidFill>
+              </a:rPr>
               <a:t>04 to 08 – Early Mornings</a:t>
             </a:r>
           </a:p>
           <a:p>
-            <a:r>
-              <a:rPr lang="en-US" sz="1800"/>
+            <a:pPr>
+              <a:lnSpc>
+                <a:spcPct val="70000"/>
+              </a:lnSpc>
+            </a:pPr>
+            <a:r>
+              <a:rPr lang="en-US" sz="1400" dirty="0">
+                <a:solidFill>
+                  <a:srgbClr val="FFFFFE"/>
+                </a:solidFill>
+              </a:rPr>
               <a:t>08 to 12 – Mornings</a:t>
             </a:r>
           </a:p>
           <a:p>
-            <a:r>
-              <a:rPr lang="en-US" sz="1800"/>
+            <a:pPr>
+              <a:lnSpc>
+                <a:spcPct val="70000"/>
+              </a:lnSpc>
+            </a:pPr>
+            <a:r>
+              <a:rPr lang="en-US" sz="1400" dirty="0">
+                <a:solidFill>
+                  <a:srgbClr val="FFFFFE"/>
+                </a:solidFill>
+              </a:rPr>
               <a:t>12 to 15 – Afternoon</a:t>
             </a:r>
           </a:p>
           <a:p>
-            <a:r>
-              <a:rPr lang="en-US" sz="1800"/>
+            <a:pPr>
+              <a:lnSpc>
+                <a:spcPct val="70000"/>
+              </a:lnSpc>
+            </a:pPr>
+            <a:r>
+              <a:rPr lang="en-US" sz="1400" dirty="0">
+                <a:solidFill>
+                  <a:srgbClr val="FFFFFE"/>
+                </a:solidFill>
+              </a:rPr>
               <a:t>15 to 20 – Evenings</a:t>
             </a:r>
           </a:p>
           <a:p>
-            <a:r>
-              <a:rPr lang="en-US" sz="1800"/>
+            <a:pPr>
+              <a:lnSpc>
+                <a:spcPct val="70000"/>
+              </a:lnSpc>
+            </a:pPr>
+            <a:r>
+              <a:rPr lang="en-US" sz="1400" dirty="0">
+                <a:solidFill>
+                  <a:srgbClr val="FFFFFE"/>
+                </a:solidFill>
+              </a:rPr>
               <a:t>20 to 24 - Nights</a:t>
             </a:r>
           </a:p>
@@ -3890,7 +5909,7 @@
     </p:extLst>
   </p:cSld>
   <p:clrMapOvr>
-    <a:overrideClrMapping bg1="dk1" tx1="lt1" bg2="dk2" tx2="lt2" accent1="accent1" accent2="accent2" accent3="accent3" accent4="accent4" accent5="accent5" accent6="accent6" hlink="hlink" folHlink="folHlink"/>
+    <a:masterClrMapping/>
   </p:clrMapOvr>
 </p:sld>
 </file>
@@ -3914,403 +5933,524 @@
       </p:grpSpPr>
       <p:sp>
         <p:nvSpPr>
-          <p:cNvPr id="17" name="Rectangle 13"/>
-          <p:cNvSpPr>
-            <a:spLocks noGrp="1" noRot="1" noChangeAspect="1" noMove="1" noResize="1" noEditPoints="1" noAdjustHandles="1" noChangeArrowheads="1" noChangeShapeType="1" noTextEdit="1"/>
-          </p:cNvSpPr>
-          <p:nvPr>
+          <p:cNvPr id="2" name="Title 1"/>
+          <p:cNvSpPr>
+            <a:spLocks noGrp="1"/>
+          </p:cNvSpPr>
+          <p:nvPr>
+            <p:ph type="title"/>
+          </p:nvPr>
+        </p:nvSpPr>
+        <p:spPr/>
+        <p:txBody>
+          <a:bodyPr/>
+          <a:lstStyle/>
+          <a:p>
+            <a:r>
+              <a:rPr lang="en-US" dirty="0"/>
+              <a:t>Overall Time slot analysis</a:t>
+            </a:r>
+          </a:p>
+        </p:txBody>
+      </p:sp>
+      <p:graphicFrame>
+        <p:nvGraphicFramePr>
+          <p:cNvPr id="4" name="Content Placeholder 3"/>
+          <p:cNvGraphicFramePr>
+            <a:graphicFrameLocks noGrp="1"/>
+          </p:cNvGraphicFramePr>
+          <p:nvPr>
+            <p:ph idx="1"/>
             <p:extLst>
-              <p:ext uri="{386F3935-93C4-4BCD-93E2-E3B085C9AB24}">
-                <p16:designElem xmlns:p16="http://schemas.microsoft.com/office/powerpoint/2015/main" val="1"/>
+              <p:ext uri="{D42A27DB-BD31-4B8C-83A1-F6EECF244321}">
+                <p14:modId xmlns:p14="http://schemas.microsoft.com/office/powerpoint/2010/main" val="1378607779"/>
               </p:ext>
             </p:extLst>
           </p:nvPr>
-        </p:nvSpPr>
-        <p:spPr>
-          <a:xfrm>
-            <a:off x="0" y="0"/>
-            <a:ext cx="12188952" cy="6858000"/>
-          </a:xfrm>
-          <a:prstGeom prst="rect">
-            <a:avLst/>
-          </a:prstGeom>
-          <a:solidFill>
-            <a:srgbClr val="FFFFFF"/>
-          </a:solidFill>
-          <a:ln>
-            <a:noFill/>
-          </a:ln>
-        </p:spPr>
-        <p:style>
-          <a:lnRef idx="2">
-            <a:schemeClr val="accent1">
-              <a:shade val="50000"/>
-            </a:schemeClr>
-          </a:lnRef>
-          <a:fillRef idx="1">
-            <a:schemeClr val="accent1"/>
-          </a:fillRef>
-          <a:effectRef idx="0">
-            <a:schemeClr val="accent1"/>
-          </a:effectRef>
-          <a:fontRef idx="minor">
-            <a:schemeClr val="lt1"/>
-          </a:fontRef>
-        </p:style>
-        <p:txBody>
-          <a:bodyPr rtlCol="0" anchor="ctr"/>
-          <a:lstStyle/>
-          <a:p>
-            <a:pPr algn="ctr"/>
-            <a:endParaRPr lang="en-US"/>
-          </a:p>
-        </p:txBody>
-      </p:sp>
-      <p:sp useBgFill="1">
-        <p:nvSpPr>
-          <p:cNvPr id="16" name="Freeform 23"/>
-          <p:cNvSpPr>
-            <a:spLocks noGrp="1" noRot="1" noChangeAspect="1" noMove="1" noResize="1" noEditPoints="1" noAdjustHandles="1" noChangeArrowheads="1" noChangeShapeType="1" noTextEdit="1"/>
-          </p:cNvSpPr>
-          <p:nvPr>
-            <p:extLst>
-              <p:ext uri="{386F3935-93C4-4BCD-93E2-E3B085C9AB24}">
-                <p16:designElem xmlns:p16="http://schemas.microsoft.com/office/powerpoint/2015/main" val="1"/>
-              </p:ext>
-            </p:extLst>
-          </p:nvPr>
-        </p:nvSpPr>
-        <p:spPr bwMode="white">
-          <a:xfrm>
-            <a:off x="0" y="0"/>
-            <a:ext cx="4654295" cy="6858000"/>
-          </a:xfrm>
-          <a:custGeom>
-            <a:avLst/>
-            <a:gdLst>
-              <a:gd name="connsiteX0" fmla="*/ 0 w 4637005"/>
-              <a:gd name="connsiteY0" fmla="*/ 0 h 6858000"/>
-              <a:gd name="connsiteX1" fmla="*/ 4637005 w 4637005"/>
-              <a:gd name="connsiteY1" fmla="*/ 0 h 6858000"/>
-              <a:gd name="connsiteX2" fmla="*/ 4637005 w 4637005"/>
-              <a:gd name="connsiteY2" fmla="*/ 1900238 h 6858000"/>
-              <a:gd name="connsiteX3" fmla="*/ 4266589 w 4637005"/>
-              <a:gd name="connsiteY3" fmla="*/ 2178050 h 6858000"/>
-              <a:gd name="connsiteX4" fmla="*/ 4262355 w 4637005"/>
-              <a:gd name="connsiteY4" fmla="*/ 2184400 h 6858000"/>
-              <a:gd name="connsiteX5" fmla="*/ 4256005 w 4637005"/>
-              <a:gd name="connsiteY5" fmla="*/ 2193925 h 6858000"/>
-              <a:gd name="connsiteX6" fmla="*/ 4249655 w 4637005"/>
-              <a:gd name="connsiteY6" fmla="*/ 2201863 h 6858000"/>
-              <a:gd name="connsiteX7" fmla="*/ 4249655 w 4637005"/>
-              <a:gd name="connsiteY7" fmla="*/ 2211388 h 6858000"/>
-              <a:gd name="connsiteX8" fmla="*/ 4249655 w 4637005"/>
-              <a:gd name="connsiteY8" fmla="*/ 2220913 h 6858000"/>
-              <a:gd name="connsiteX9" fmla="*/ 4256005 w 4637005"/>
-              <a:gd name="connsiteY9" fmla="*/ 2228850 h 6858000"/>
-              <a:gd name="connsiteX10" fmla="*/ 4262355 w 4637005"/>
-              <a:gd name="connsiteY10" fmla="*/ 2238375 h 6858000"/>
-              <a:gd name="connsiteX11" fmla="*/ 4266589 w 4637005"/>
-              <a:gd name="connsiteY11" fmla="*/ 2244725 h 6858000"/>
-              <a:gd name="connsiteX12" fmla="*/ 4637005 w 4637005"/>
-              <a:gd name="connsiteY12" fmla="*/ 2522538 h 6858000"/>
-              <a:gd name="connsiteX13" fmla="*/ 4637005 w 4637005"/>
-              <a:gd name="connsiteY13" fmla="*/ 6858000 h 6858000"/>
-              <a:gd name="connsiteX14" fmla="*/ 0 w 4637005"/>
-              <a:gd name="connsiteY14" fmla="*/ 6858000 h 6858000"/>
-            </a:gdLst>
-            <a:ahLst/>
-            <a:cxnLst>
-              <a:cxn ang="0">
-                <a:pos x="connsiteX0" y="connsiteY0"/>
-              </a:cxn>
-              <a:cxn ang="0">
-                <a:pos x="connsiteX1" y="connsiteY1"/>
-              </a:cxn>
-              <a:cxn ang="0">
-                <a:pos x="connsiteX2" y="connsiteY2"/>
-              </a:cxn>
-              <a:cxn ang="0">
-                <a:pos x="connsiteX3" y="connsiteY3"/>
-              </a:cxn>
-              <a:cxn ang="0">
-                <a:pos x="connsiteX4" y="connsiteY4"/>
-              </a:cxn>
-              <a:cxn ang="0">
-                <a:pos x="connsiteX5" y="connsiteY5"/>
-              </a:cxn>
-              <a:cxn ang="0">
-                <a:pos x="connsiteX6" y="connsiteY6"/>
-              </a:cxn>
-              <a:cxn ang="0">
-                <a:pos x="connsiteX7" y="connsiteY7"/>
-              </a:cxn>
-              <a:cxn ang="0">
-                <a:pos x="connsiteX8" y="connsiteY8"/>
-              </a:cxn>
-              <a:cxn ang="0">
-                <a:pos x="connsiteX9" y="connsiteY9"/>
-              </a:cxn>
-              <a:cxn ang="0">
-                <a:pos x="connsiteX10" y="connsiteY10"/>
-              </a:cxn>
-              <a:cxn ang="0">
-                <a:pos x="connsiteX11" y="connsiteY11"/>
-              </a:cxn>
-              <a:cxn ang="0">
-                <a:pos x="connsiteX12" y="connsiteY12"/>
-              </a:cxn>
-              <a:cxn ang="0">
-                <a:pos x="connsiteX13" y="connsiteY13"/>
-              </a:cxn>
-              <a:cxn ang="0">
-                <a:pos x="connsiteX14" y="connsiteY14"/>
-              </a:cxn>
-            </a:cxnLst>
-            <a:rect l="l" t="t" r="r" b="b"/>
-            <a:pathLst>
-              <a:path w="4637005" h="6858000">
-                <a:moveTo>
-                  <a:pt x="0" y="0"/>
-                </a:moveTo>
-                <a:lnTo>
-                  <a:pt x="4637005" y="0"/>
-                </a:lnTo>
-                <a:lnTo>
-                  <a:pt x="4637005" y="1900238"/>
-                </a:lnTo>
-                <a:lnTo>
-                  <a:pt x="4266589" y="2178050"/>
-                </a:lnTo>
-                <a:lnTo>
-                  <a:pt x="4262355" y="2184400"/>
-                </a:lnTo>
-                <a:lnTo>
-                  <a:pt x="4256005" y="2193925"/>
-                </a:lnTo>
-                <a:lnTo>
-                  <a:pt x="4249655" y="2201863"/>
-                </a:lnTo>
-                <a:lnTo>
-                  <a:pt x="4249655" y="2211388"/>
-                </a:lnTo>
-                <a:lnTo>
-                  <a:pt x="4249655" y="2220913"/>
-                </a:lnTo>
-                <a:lnTo>
-                  <a:pt x="4256005" y="2228850"/>
-                </a:lnTo>
-                <a:lnTo>
-                  <a:pt x="4262355" y="2238375"/>
-                </a:lnTo>
-                <a:lnTo>
-                  <a:pt x="4266589" y="2244725"/>
-                </a:lnTo>
-                <a:lnTo>
-                  <a:pt x="4637005" y="2522538"/>
-                </a:lnTo>
-                <a:lnTo>
-                  <a:pt x="4637005" y="6858000"/>
-                </a:lnTo>
-                <a:lnTo>
-                  <a:pt x="0" y="6858000"/>
-                </a:lnTo>
-                <a:close/>
-              </a:path>
-            </a:pathLst>
-          </a:custGeom>
-          <a:ln>
-            <a:noFill/>
-          </a:ln>
-        </p:spPr>
-        <p:style>
-          <a:lnRef idx="2">
-            <a:schemeClr val="accent1">
-              <a:shade val="50000"/>
-            </a:schemeClr>
-          </a:lnRef>
-          <a:fillRef idx="1">
-            <a:schemeClr val="accent1"/>
-          </a:fillRef>
-          <a:effectRef idx="0">
-            <a:schemeClr val="accent1"/>
-          </a:effectRef>
-          <a:fontRef idx="minor">
-            <a:schemeClr val="lt1"/>
-          </a:fontRef>
-        </p:style>
-        <p:txBody>
-          <a:bodyPr wrap="square" rtlCol="0" anchor="ctr">
-            <a:noAutofit/>
-          </a:bodyPr>
-          <a:lstStyle/>
-          <a:p>
-            <a:pPr algn="ctr"/>
-            <a:endParaRPr lang="en-US"/>
-          </a:p>
-        </p:txBody>
-      </p:sp>
-      <p:sp>
-        <p:nvSpPr>
-          <p:cNvPr id="18" name="Rounded Rectangle 17"/>
-          <p:cNvSpPr>
-            <a:spLocks noGrp="1" noRot="1" noChangeAspect="1" noMove="1" noResize="1" noEditPoints="1" noAdjustHandles="1" noChangeArrowheads="1" noChangeShapeType="1" noTextEdit="1"/>
-          </p:cNvSpPr>
-          <p:nvPr>
-            <p:extLst>
-              <p:ext uri="{386F3935-93C4-4BCD-93E2-E3B085C9AB24}">
-                <p16:designElem xmlns:p16="http://schemas.microsoft.com/office/powerpoint/2015/main" val="1"/>
-              </p:ext>
-            </p:extLst>
-          </p:nvPr>
-        </p:nvSpPr>
-        <p:spPr>
-          <a:xfrm>
-            <a:off x="5278945" y="958640"/>
-            <a:ext cx="6269591" cy="4945244"/>
-          </a:xfrm>
-          <a:prstGeom prst="roundRect">
-            <a:avLst>
-              <a:gd name="adj" fmla="val 3513"/>
-            </a:avLst>
-          </a:prstGeom>
-          <a:solidFill>
-            <a:srgbClr val="FFFFFF"/>
-          </a:solidFill>
-          <a:ln>
-            <a:solidFill>
-              <a:schemeClr val="accent1"/>
-            </a:solidFill>
-          </a:ln>
-          <a:effectLst/>
-        </p:spPr>
-        <p:style>
-          <a:lnRef idx="2">
-            <a:schemeClr val="accent1">
-              <a:shade val="50000"/>
-            </a:schemeClr>
-          </a:lnRef>
-          <a:fillRef idx="1">
-            <a:schemeClr val="accent1"/>
-          </a:fillRef>
-          <a:effectRef idx="0">
-            <a:schemeClr val="accent1"/>
-          </a:effectRef>
-          <a:fontRef idx="minor">
-            <a:schemeClr val="lt1"/>
-          </a:fontRef>
-        </p:style>
-        <p:txBody>
-          <a:bodyPr rtlCol="0" anchor="ctr"/>
-          <a:lstStyle/>
-          <a:p>
-            <a:pPr algn="ctr"/>
-            <a:endParaRPr lang="en-US"/>
-          </a:p>
-        </p:txBody>
-      </p:sp>
-      <p:pic>
-        <p:nvPicPr>
-          <p:cNvPr id="7" name="Content Placeholder 3" descr="A picture containing screenshot&#10;&#10;Description generated with very high confidence"/>
-          <p:cNvPicPr>
-            <a:picLocks noChangeAspect="1"/>
-          </p:cNvPicPr>
-          <p:nvPr/>
-        </p:nvPicPr>
-        <p:blipFill rotWithShape="1">
-          <a:blip r:embed="rId2"/>
-          <a:srcRect r="26749" b="-2"/>
-          <a:stretch/>
-        </p:blipFill>
-        <p:spPr>
-          <a:xfrm>
-            <a:off x="5603706" y="1258529"/>
-            <a:ext cx="5638853" cy="4330205"/>
-          </a:xfrm>
-          <a:prstGeom prst="rect">
-            <a:avLst/>
-          </a:prstGeom>
-        </p:spPr>
-      </p:pic>
-      <p:sp>
-        <p:nvSpPr>
-          <p:cNvPr id="2" name="Title 1"/>
-          <p:cNvSpPr>
-            <a:spLocks noGrp="1"/>
-          </p:cNvSpPr>
-          <p:nvPr>
-            <p:ph type="title"/>
-          </p:nvPr>
-        </p:nvSpPr>
-        <p:spPr>
-          <a:xfrm>
-            <a:off x="838200" y="365125"/>
-            <a:ext cx="3200400" cy="1325563"/>
-          </a:xfrm>
-        </p:spPr>
-        <p:txBody>
-          <a:bodyPr>
-            <a:normAutofit/>
-          </a:bodyPr>
-          <a:lstStyle/>
-          <a:p>
-            <a:endParaRPr lang="en-US" sz="3200"/>
-          </a:p>
-        </p:txBody>
-      </p:sp>
-      <p:sp>
-        <p:nvSpPr>
-          <p:cNvPr id="9" name="Content Placeholder 8"/>
-          <p:cNvSpPr>
-            <a:spLocks noGrp="1"/>
-          </p:cNvSpPr>
-          <p:nvPr>
-            <p:ph idx="1"/>
-          </p:nvPr>
-        </p:nvSpPr>
-        <p:spPr>
-          <a:xfrm>
-            <a:off x="838201" y="1825625"/>
-            <a:ext cx="3200400" cy="4351338"/>
-          </a:xfrm>
-        </p:spPr>
-        <p:txBody>
-          <a:bodyPr>
-            <a:normAutofit/>
-          </a:bodyPr>
-          <a:lstStyle/>
-          <a:p>
-            <a:r>
-              <a:rPr lang="en-US" sz="1800"/>
-              <a:t>This picture drawn by keeping time slot on X-Axis and Number of requests on Y-Axis</a:t>
-            </a:r>
-          </a:p>
-          <a:p>
-            <a:r>
-              <a:rPr lang="en-US" sz="1800"/>
-              <a:t>Now this depicts that most number of cancellations happening during early mornings and mornings. Means 4 AM to 10 AM roughly.</a:t>
-            </a:r>
-          </a:p>
-          <a:p>
-            <a:r>
-              <a:rPr lang="en-US" sz="1800"/>
-              <a:t>We have to analyze why so ?</a:t>
-            </a:r>
-          </a:p>
-          <a:p>
-            <a:endParaRPr lang="en-US" sz="1800"/>
-          </a:p>
-        </p:txBody>
-      </p:sp>
+        </p:nvGraphicFramePr>
+        <p:xfrm>
+          <a:off x="838201" y="1825624"/>
+          <a:ext cx="10515603" cy="3224680"/>
+        </p:xfrm>
+        <a:graphic>
+          <a:graphicData uri="http://schemas.openxmlformats.org/drawingml/2006/table">
+            <a:tbl>
+              <a:tblPr firstRow="1" bandRow="1">
+                <a:tableStyleId>{5C22544A-7EE6-4342-B048-85BDC9FD1C3A}</a:tableStyleId>
+              </a:tblPr>
+              <a:tblGrid>
+                <a:gridCol w="1502229">
+                  <a:extLst>
+                    <a:ext uri="{9D8B030D-6E8A-4147-A177-3AD203B41FA5}">
+                      <a16:colId xmlns:a16="http://schemas.microsoft.com/office/drawing/2014/main" val="1510851678"/>
+                    </a:ext>
+                  </a:extLst>
+                </a:gridCol>
+                <a:gridCol w="1502229">
+                  <a:extLst>
+                    <a:ext uri="{9D8B030D-6E8A-4147-A177-3AD203B41FA5}">
+                      <a16:colId xmlns:a16="http://schemas.microsoft.com/office/drawing/2014/main" val="3063476913"/>
+                    </a:ext>
+                  </a:extLst>
+                </a:gridCol>
+                <a:gridCol w="1502229">
+                  <a:extLst>
+                    <a:ext uri="{9D8B030D-6E8A-4147-A177-3AD203B41FA5}">
+                      <a16:colId xmlns:a16="http://schemas.microsoft.com/office/drawing/2014/main" val="2931147245"/>
+                    </a:ext>
+                  </a:extLst>
+                </a:gridCol>
+                <a:gridCol w="1502229">
+                  <a:extLst>
+                    <a:ext uri="{9D8B030D-6E8A-4147-A177-3AD203B41FA5}">
+                      <a16:colId xmlns:a16="http://schemas.microsoft.com/office/drawing/2014/main" val="1554279953"/>
+                    </a:ext>
+                  </a:extLst>
+                </a:gridCol>
+                <a:gridCol w="1502229">
+                  <a:extLst>
+                    <a:ext uri="{9D8B030D-6E8A-4147-A177-3AD203B41FA5}">
+                      <a16:colId xmlns:a16="http://schemas.microsoft.com/office/drawing/2014/main" val="3220485898"/>
+                    </a:ext>
+                  </a:extLst>
+                </a:gridCol>
+                <a:gridCol w="1502229">
+                  <a:extLst>
+                    <a:ext uri="{9D8B030D-6E8A-4147-A177-3AD203B41FA5}">
+                      <a16:colId xmlns:a16="http://schemas.microsoft.com/office/drawing/2014/main" val="758802746"/>
+                    </a:ext>
+                  </a:extLst>
+                </a:gridCol>
+                <a:gridCol w="1502229">
+                  <a:extLst>
+                    <a:ext uri="{9D8B030D-6E8A-4147-A177-3AD203B41FA5}">
+                      <a16:colId xmlns:a16="http://schemas.microsoft.com/office/drawing/2014/main" val="3348275151"/>
+                    </a:ext>
+                  </a:extLst>
+                </a:gridCol>
+              </a:tblGrid>
+              <a:tr h="806170">
+                <a:tc>
+                  <a:txBody>
+                    <a:bodyPr/>
+                    <a:lstStyle/>
+                    <a:p>
+                      <a:r>
+                        <a:rPr lang="en-US" dirty="0"/>
+                        <a:t>Totals for</a:t>
+                      </a:r>
+                    </a:p>
+                  </a:txBody>
+                  <a:tcPr/>
+                </a:tc>
+                <a:tc>
+                  <a:txBody>
+                    <a:bodyPr/>
+                    <a:lstStyle/>
+                    <a:p>
+                      <a:r>
+                        <a:rPr lang="en-US" dirty="0"/>
+                        <a:t>Early Mornings</a:t>
+                      </a:r>
+                    </a:p>
+                  </a:txBody>
+                  <a:tcPr/>
+                </a:tc>
+                <a:tc>
+                  <a:txBody>
+                    <a:bodyPr/>
+                    <a:lstStyle/>
+                    <a:p>
+                      <a:r>
+                        <a:rPr lang="en-US" dirty="0"/>
+                        <a:t>Morning</a:t>
+                      </a:r>
+                    </a:p>
+                  </a:txBody>
+                  <a:tcPr/>
+                </a:tc>
+                <a:tc>
+                  <a:txBody>
+                    <a:bodyPr/>
+                    <a:lstStyle/>
+                    <a:p>
+                      <a:r>
+                        <a:rPr lang="en-US" dirty="0" err="1"/>
+                        <a:t>AfterNoon</a:t>
+                      </a:r>
+                      <a:endParaRPr lang="en-US" dirty="0"/>
+                    </a:p>
+                  </a:txBody>
+                  <a:tcPr/>
+                </a:tc>
+                <a:tc>
+                  <a:txBody>
+                    <a:bodyPr/>
+                    <a:lstStyle/>
+                    <a:p>
+                      <a:r>
+                        <a:rPr lang="en-US" dirty="0"/>
+                        <a:t>Evening</a:t>
+                      </a:r>
+                    </a:p>
+                  </a:txBody>
+                  <a:tcPr/>
+                </a:tc>
+                <a:tc>
+                  <a:txBody>
+                    <a:bodyPr/>
+                    <a:lstStyle/>
+                    <a:p>
+                      <a:r>
+                        <a:rPr lang="en-US" dirty="0"/>
+                        <a:t>Night</a:t>
+                      </a:r>
+                    </a:p>
+                  </a:txBody>
+                  <a:tcPr/>
+                </a:tc>
+                <a:tc>
+                  <a:txBody>
+                    <a:bodyPr/>
+                    <a:lstStyle/>
+                    <a:p>
+                      <a:r>
+                        <a:rPr lang="en-US" dirty="0"/>
+                        <a:t>Late Night</a:t>
+                      </a:r>
+                    </a:p>
+                  </a:txBody>
+                  <a:tcPr/>
+                </a:tc>
+                <a:extLst>
+                  <a:ext uri="{0D108BD9-81ED-4DB2-BD59-A6C34878D82A}">
+                    <a16:rowId xmlns:a16="http://schemas.microsoft.com/office/drawing/2014/main" val="2905529627"/>
+                  </a:ext>
+                </a:extLst>
+              </a:tr>
+              <a:tr h="806170">
+                <a:tc>
+                  <a:txBody>
+                    <a:bodyPr/>
+                    <a:lstStyle/>
+                    <a:p>
+                      <a:r>
+                        <a:rPr lang="en-US" dirty="0"/>
+                        <a:t>Completed Trips</a:t>
+                      </a:r>
+                    </a:p>
+                  </a:txBody>
+                  <a:tcPr/>
+                </a:tc>
+                <a:tc>
+                  <a:txBody>
+                    <a:bodyPr/>
+                    <a:lstStyle/>
+                    <a:p>
+                      <a:r>
+                        <a:rPr lang="en-US" dirty="0"/>
+                        <a:t>604</a:t>
+                      </a:r>
+                    </a:p>
+                  </a:txBody>
+                  <a:tcPr/>
+                </a:tc>
+                <a:tc>
+                  <a:txBody>
+                    <a:bodyPr/>
+                    <a:lstStyle/>
+                    <a:p>
+                      <a:r>
+                        <a:rPr lang="en-US" dirty="0"/>
+                        <a:t>559</a:t>
+                      </a:r>
+                    </a:p>
+                  </a:txBody>
+                  <a:tcPr/>
+                </a:tc>
+                <a:tc>
+                  <a:txBody>
+                    <a:bodyPr/>
+                    <a:lstStyle/>
+                    <a:p>
+                      <a:r>
+                        <a:rPr lang="en-US" dirty="0"/>
+                        <a:t>400</a:t>
+                      </a:r>
+                    </a:p>
+                  </a:txBody>
+                  <a:tcPr/>
+                </a:tc>
+                <a:tc>
+                  <a:txBody>
+                    <a:bodyPr/>
+                    <a:lstStyle/>
+                    <a:p>
+                      <a:r>
+                        <a:rPr lang="en-US" dirty="0"/>
+                        <a:t>572</a:t>
+                      </a:r>
+                    </a:p>
+                  </a:txBody>
+                  <a:tcPr/>
+                </a:tc>
+                <a:tc>
+                  <a:txBody>
+                    <a:bodyPr/>
+                    <a:lstStyle/>
+                    <a:p>
+                      <a:r>
+                        <a:rPr lang="en-US" dirty="0"/>
+                        <a:t>560</a:t>
+                      </a:r>
+                    </a:p>
+                  </a:txBody>
+                  <a:tcPr/>
+                </a:tc>
+                <a:tc>
+                  <a:txBody>
+                    <a:bodyPr/>
+                    <a:lstStyle/>
+                    <a:p>
+                      <a:r>
+                        <a:rPr lang="en-US" dirty="0"/>
+                        <a:t>136</a:t>
+                      </a:r>
+                    </a:p>
+                  </a:txBody>
+                  <a:tcPr/>
+                </a:tc>
+                <a:extLst>
+                  <a:ext uri="{0D108BD9-81ED-4DB2-BD59-A6C34878D82A}">
+                    <a16:rowId xmlns:a16="http://schemas.microsoft.com/office/drawing/2014/main" val="2112317925"/>
+                  </a:ext>
+                </a:extLst>
+              </a:tr>
+              <a:tr h="806170">
+                <a:tc>
+                  <a:txBody>
+                    <a:bodyPr/>
+                    <a:lstStyle/>
+                    <a:p>
+                      <a:r>
+                        <a:rPr lang="en-US" dirty="0"/>
+                        <a:t>No Cars Available</a:t>
+                      </a:r>
+                    </a:p>
+                  </a:txBody>
+                  <a:tcPr/>
+                </a:tc>
+                <a:tc>
+                  <a:txBody>
+                    <a:bodyPr/>
+                    <a:lstStyle/>
+                    <a:p>
+                      <a:r>
+                        <a:rPr lang="en-US" dirty="0"/>
+                        <a:t>307</a:t>
+                      </a:r>
+                    </a:p>
+                  </a:txBody>
+                  <a:tcPr/>
+                </a:tc>
+                <a:tc>
+                  <a:txBody>
+                    <a:bodyPr/>
+                    <a:lstStyle/>
+                    <a:p>
+                      <a:r>
+                        <a:rPr lang="en-US" dirty="0"/>
+                        <a:t>279</a:t>
+                      </a:r>
+                    </a:p>
+                  </a:txBody>
+                  <a:tcPr/>
+                </a:tc>
+                <a:tc>
+                  <a:txBody>
+                    <a:bodyPr/>
+                    <a:lstStyle/>
+                    <a:p>
+                      <a:r>
+                        <a:rPr lang="en-US" dirty="0"/>
+                        <a:t>182</a:t>
+                      </a:r>
+                    </a:p>
+                  </a:txBody>
+                  <a:tcPr/>
+                </a:tc>
+                <a:tc>
+                  <a:txBody>
+                    <a:bodyPr/>
+                    <a:lstStyle/>
+                    <a:p>
+                      <a:r>
+                        <a:rPr lang="en-US" dirty="0">
+                          <a:highlight>
+                            <a:srgbClr val="FF0000"/>
+                          </a:highlight>
+                        </a:rPr>
+                        <a:t>882</a:t>
+                      </a:r>
+                    </a:p>
+                  </a:txBody>
+                  <a:tcPr/>
+                </a:tc>
+                <a:tc>
+                  <a:txBody>
+                    <a:bodyPr/>
+                    <a:lstStyle/>
+                    <a:p>
+                      <a:r>
+                        <a:rPr lang="en-US" dirty="0">
+                          <a:highlight>
+                            <a:srgbClr val="FF0000"/>
+                          </a:highlight>
+                        </a:rPr>
+                        <a:t>774</a:t>
+                      </a:r>
+                    </a:p>
+                  </a:txBody>
+                  <a:tcPr/>
+                </a:tc>
+                <a:tc>
+                  <a:txBody>
+                    <a:bodyPr/>
+                    <a:lstStyle/>
+                    <a:p>
+                      <a:r>
+                        <a:rPr lang="en-US" dirty="0"/>
+                        <a:t>225</a:t>
+                      </a:r>
+                    </a:p>
+                  </a:txBody>
+                  <a:tcPr/>
+                </a:tc>
+                <a:extLst>
+                  <a:ext uri="{0D108BD9-81ED-4DB2-BD59-A6C34878D82A}">
+                    <a16:rowId xmlns:a16="http://schemas.microsoft.com/office/drawing/2014/main" val="2154260315"/>
+                  </a:ext>
+                </a:extLst>
+              </a:tr>
+              <a:tr h="806170">
+                <a:tc>
+                  <a:txBody>
+                    <a:bodyPr/>
+                    <a:lstStyle/>
+                    <a:p>
+                      <a:r>
+                        <a:rPr lang="en-US" dirty="0"/>
+                        <a:t>Cancelled Trips</a:t>
+                      </a:r>
+                    </a:p>
+                  </a:txBody>
+                  <a:tcPr/>
+                </a:tc>
+                <a:tc>
+                  <a:txBody>
+                    <a:bodyPr/>
+                    <a:lstStyle/>
+                    <a:p>
+                      <a:r>
+                        <a:rPr lang="en-US" dirty="0">
+                          <a:highlight>
+                            <a:srgbClr val="FF0000"/>
+                          </a:highlight>
+                        </a:rPr>
+                        <a:t>541</a:t>
+                      </a:r>
+                    </a:p>
+                  </a:txBody>
+                  <a:tcPr/>
+                </a:tc>
+                <a:tc>
+                  <a:txBody>
+                    <a:bodyPr/>
+                    <a:lstStyle/>
+                    <a:p>
+                      <a:r>
+                        <a:rPr lang="en-US" dirty="0">
+                          <a:highlight>
+                            <a:srgbClr val="FF0000"/>
+                          </a:highlight>
+                        </a:rPr>
+                        <a:t>430</a:t>
+                      </a:r>
+                    </a:p>
+                  </a:txBody>
+                  <a:tcPr/>
+                </a:tc>
+                <a:tc>
+                  <a:txBody>
+                    <a:bodyPr/>
+                    <a:lstStyle/>
+                    <a:p>
+                      <a:r>
+                        <a:rPr lang="en-US" dirty="0"/>
+                        <a:t>69</a:t>
+                      </a:r>
+                    </a:p>
+                  </a:txBody>
+                  <a:tcPr/>
+                </a:tc>
+                <a:tc>
+                  <a:txBody>
+                    <a:bodyPr/>
+                    <a:lstStyle/>
+                    <a:p>
+                      <a:r>
+                        <a:rPr lang="en-US" dirty="0"/>
+                        <a:t>105</a:t>
+                      </a:r>
+                    </a:p>
+                  </a:txBody>
+                  <a:tcPr/>
+                </a:tc>
+                <a:tc>
+                  <a:txBody>
+                    <a:bodyPr/>
+                    <a:lstStyle/>
+                    <a:p>
+                      <a:r>
+                        <a:rPr lang="en-US" dirty="0"/>
+                        <a:t>105</a:t>
+                      </a:r>
+                    </a:p>
+                  </a:txBody>
+                  <a:tcPr/>
+                </a:tc>
+                <a:tc>
+                  <a:txBody>
+                    <a:bodyPr/>
+                    <a:lstStyle/>
+                    <a:p>
+                      <a:r>
+                        <a:rPr lang="en-US" dirty="0"/>
+                        <a:t>14</a:t>
+                      </a:r>
+                    </a:p>
+                  </a:txBody>
+                  <a:tcPr/>
+                </a:tc>
+                <a:extLst>
+                  <a:ext uri="{0D108BD9-81ED-4DB2-BD59-A6C34878D82A}">
+                    <a16:rowId xmlns:a16="http://schemas.microsoft.com/office/drawing/2014/main" val="3762394720"/>
+                  </a:ext>
+                </a:extLst>
+              </a:tr>
+            </a:tbl>
+          </a:graphicData>
+        </a:graphic>
+      </p:graphicFrame>
     </p:spTree>
     <p:extLst>
       <p:ext uri="{BB962C8B-B14F-4D97-AF65-F5344CB8AC3E}">
-        <p14:creationId xmlns:p14="http://schemas.microsoft.com/office/powerpoint/2010/main" val="3647397877"/>
+        <p14:creationId xmlns:p14="http://schemas.microsoft.com/office/powerpoint/2010/main" val="1095361366"/>
       </p:ext>
     </p:extLst>
   </p:cSld>
   <p:clrMapOvr>
-    <a:overrideClrMapping bg1="dk1" tx1="lt1" bg2="dk2" tx2="lt2" accent1="accent1" accent2="accent2" accent3="accent3" accent4="accent4" accent5="accent5" accent6="accent6" hlink="hlink" folHlink="folHlink"/>
+    <a:masterClrMapping/>
   </p:clrMapOvr>
 </p:sld>
 </file>
@@ -4334,427 +6474,515 @@
       </p:grpSpPr>
       <p:sp>
         <p:nvSpPr>
-          <p:cNvPr id="18" name="Rectangle 17"/>
-          <p:cNvSpPr>
-            <a:spLocks noGrp="1" noRot="1" noChangeAspect="1" noMove="1" noResize="1" noEditPoints="1" noAdjustHandles="1" noChangeArrowheads="1" noChangeShapeType="1" noTextEdit="1"/>
-          </p:cNvSpPr>
-          <p:nvPr>
+          <p:cNvPr id="2" name="Title 1"/>
+          <p:cNvSpPr>
+            <a:spLocks noGrp="1"/>
+          </p:cNvSpPr>
+          <p:nvPr>
+            <p:ph type="title"/>
+          </p:nvPr>
+        </p:nvSpPr>
+        <p:spPr/>
+        <p:txBody>
+          <a:bodyPr/>
+          <a:lstStyle/>
+          <a:p>
+            <a:r>
+              <a:rPr lang="en-US" dirty="0"/>
+              <a:t>Airport Analysis</a:t>
+            </a:r>
+          </a:p>
+        </p:txBody>
+      </p:sp>
+      <p:graphicFrame>
+        <p:nvGraphicFramePr>
+          <p:cNvPr id="4" name="Content Placeholder 3"/>
+          <p:cNvGraphicFramePr>
+            <a:graphicFrameLocks noGrp="1"/>
+          </p:cNvGraphicFramePr>
+          <p:nvPr>
+            <p:ph idx="1"/>
             <p:extLst>
-              <p:ext uri="{386F3935-93C4-4BCD-93E2-E3B085C9AB24}">
-                <p16:designElem xmlns:p16="http://schemas.microsoft.com/office/powerpoint/2015/main" val="1"/>
+              <p:ext uri="{D42A27DB-BD31-4B8C-83A1-F6EECF244321}">
+                <p14:modId xmlns:p14="http://schemas.microsoft.com/office/powerpoint/2010/main" val="1615940636"/>
               </p:ext>
             </p:extLst>
           </p:nvPr>
-        </p:nvSpPr>
-        <p:spPr>
-          <a:xfrm>
-            <a:off x="0" y="0"/>
-            <a:ext cx="12188952" cy="6858000"/>
-          </a:xfrm>
-          <a:prstGeom prst="rect">
-            <a:avLst/>
-          </a:prstGeom>
-          <a:solidFill>
-            <a:srgbClr val="FFFFFF"/>
-          </a:solidFill>
-          <a:ln>
-            <a:noFill/>
-          </a:ln>
-        </p:spPr>
-        <p:style>
-          <a:lnRef idx="2">
-            <a:schemeClr val="accent1">
-              <a:shade val="50000"/>
-            </a:schemeClr>
-          </a:lnRef>
-          <a:fillRef idx="1">
-            <a:schemeClr val="accent1"/>
-          </a:fillRef>
-          <a:effectRef idx="0">
-            <a:schemeClr val="accent1"/>
-          </a:effectRef>
-          <a:fontRef idx="minor">
-            <a:schemeClr val="lt1"/>
-          </a:fontRef>
-        </p:style>
-        <p:txBody>
-          <a:bodyPr rtlCol="0" anchor="ctr"/>
-          <a:lstStyle/>
-          <a:p>
-            <a:pPr algn="ctr"/>
-            <a:endParaRPr lang="en-US"/>
-          </a:p>
-        </p:txBody>
-      </p:sp>
-      <p:sp useBgFill="1">
-        <p:nvSpPr>
-          <p:cNvPr id="20" name="Freeform 23"/>
-          <p:cNvSpPr>
-            <a:spLocks noGrp="1" noRot="1" noChangeAspect="1" noMove="1" noResize="1" noEditPoints="1" noAdjustHandles="1" noChangeArrowheads="1" noChangeShapeType="1" noTextEdit="1"/>
-          </p:cNvSpPr>
-          <p:nvPr>
-            <p:extLst>
-              <p:ext uri="{386F3935-93C4-4BCD-93E2-E3B085C9AB24}">
-                <p16:designElem xmlns:p16="http://schemas.microsoft.com/office/powerpoint/2015/main" val="1"/>
-              </p:ext>
-            </p:extLst>
-          </p:nvPr>
-        </p:nvSpPr>
-        <p:spPr bwMode="white">
-          <a:xfrm>
-            <a:off x="0" y="0"/>
-            <a:ext cx="4654295" cy="6858000"/>
-          </a:xfrm>
-          <a:custGeom>
-            <a:avLst/>
-            <a:gdLst>
-              <a:gd name="connsiteX0" fmla="*/ 0 w 4637005"/>
-              <a:gd name="connsiteY0" fmla="*/ 0 h 6858000"/>
-              <a:gd name="connsiteX1" fmla="*/ 4637005 w 4637005"/>
-              <a:gd name="connsiteY1" fmla="*/ 0 h 6858000"/>
-              <a:gd name="connsiteX2" fmla="*/ 4637005 w 4637005"/>
-              <a:gd name="connsiteY2" fmla="*/ 1900238 h 6858000"/>
-              <a:gd name="connsiteX3" fmla="*/ 4266589 w 4637005"/>
-              <a:gd name="connsiteY3" fmla="*/ 2178050 h 6858000"/>
-              <a:gd name="connsiteX4" fmla="*/ 4262355 w 4637005"/>
-              <a:gd name="connsiteY4" fmla="*/ 2184400 h 6858000"/>
-              <a:gd name="connsiteX5" fmla="*/ 4256005 w 4637005"/>
-              <a:gd name="connsiteY5" fmla="*/ 2193925 h 6858000"/>
-              <a:gd name="connsiteX6" fmla="*/ 4249655 w 4637005"/>
-              <a:gd name="connsiteY6" fmla="*/ 2201863 h 6858000"/>
-              <a:gd name="connsiteX7" fmla="*/ 4249655 w 4637005"/>
-              <a:gd name="connsiteY7" fmla="*/ 2211388 h 6858000"/>
-              <a:gd name="connsiteX8" fmla="*/ 4249655 w 4637005"/>
-              <a:gd name="connsiteY8" fmla="*/ 2220913 h 6858000"/>
-              <a:gd name="connsiteX9" fmla="*/ 4256005 w 4637005"/>
-              <a:gd name="connsiteY9" fmla="*/ 2228850 h 6858000"/>
-              <a:gd name="connsiteX10" fmla="*/ 4262355 w 4637005"/>
-              <a:gd name="connsiteY10" fmla="*/ 2238375 h 6858000"/>
-              <a:gd name="connsiteX11" fmla="*/ 4266589 w 4637005"/>
-              <a:gd name="connsiteY11" fmla="*/ 2244725 h 6858000"/>
-              <a:gd name="connsiteX12" fmla="*/ 4637005 w 4637005"/>
-              <a:gd name="connsiteY12" fmla="*/ 2522538 h 6858000"/>
-              <a:gd name="connsiteX13" fmla="*/ 4637005 w 4637005"/>
-              <a:gd name="connsiteY13" fmla="*/ 6858000 h 6858000"/>
-              <a:gd name="connsiteX14" fmla="*/ 0 w 4637005"/>
-              <a:gd name="connsiteY14" fmla="*/ 6858000 h 6858000"/>
-            </a:gdLst>
-            <a:ahLst/>
-            <a:cxnLst>
-              <a:cxn ang="0">
-                <a:pos x="connsiteX0" y="connsiteY0"/>
-              </a:cxn>
-              <a:cxn ang="0">
-                <a:pos x="connsiteX1" y="connsiteY1"/>
-              </a:cxn>
-              <a:cxn ang="0">
-                <a:pos x="connsiteX2" y="connsiteY2"/>
-              </a:cxn>
-              <a:cxn ang="0">
-                <a:pos x="connsiteX3" y="connsiteY3"/>
-              </a:cxn>
-              <a:cxn ang="0">
-                <a:pos x="connsiteX4" y="connsiteY4"/>
-              </a:cxn>
-              <a:cxn ang="0">
-                <a:pos x="connsiteX5" y="connsiteY5"/>
-              </a:cxn>
-              <a:cxn ang="0">
-                <a:pos x="connsiteX6" y="connsiteY6"/>
-              </a:cxn>
-              <a:cxn ang="0">
-                <a:pos x="connsiteX7" y="connsiteY7"/>
-              </a:cxn>
-              <a:cxn ang="0">
-                <a:pos x="connsiteX8" y="connsiteY8"/>
-              </a:cxn>
-              <a:cxn ang="0">
-                <a:pos x="connsiteX9" y="connsiteY9"/>
-              </a:cxn>
-              <a:cxn ang="0">
-                <a:pos x="connsiteX10" y="connsiteY10"/>
-              </a:cxn>
-              <a:cxn ang="0">
-                <a:pos x="connsiteX11" y="connsiteY11"/>
-              </a:cxn>
-              <a:cxn ang="0">
-                <a:pos x="connsiteX12" y="connsiteY12"/>
-              </a:cxn>
-              <a:cxn ang="0">
-                <a:pos x="connsiteX13" y="connsiteY13"/>
-              </a:cxn>
-              <a:cxn ang="0">
-                <a:pos x="connsiteX14" y="connsiteY14"/>
-              </a:cxn>
-            </a:cxnLst>
-            <a:rect l="l" t="t" r="r" b="b"/>
-            <a:pathLst>
-              <a:path w="4637005" h="6858000">
-                <a:moveTo>
-                  <a:pt x="0" y="0"/>
-                </a:moveTo>
-                <a:lnTo>
-                  <a:pt x="4637005" y="0"/>
-                </a:lnTo>
-                <a:lnTo>
-                  <a:pt x="4637005" y="1900238"/>
-                </a:lnTo>
-                <a:lnTo>
-                  <a:pt x="4266589" y="2178050"/>
-                </a:lnTo>
-                <a:lnTo>
-                  <a:pt x="4262355" y="2184400"/>
-                </a:lnTo>
-                <a:lnTo>
-                  <a:pt x="4256005" y="2193925"/>
-                </a:lnTo>
-                <a:lnTo>
-                  <a:pt x="4249655" y="2201863"/>
-                </a:lnTo>
-                <a:lnTo>
-                  <a:pt x="4249655" y="2211388"/>
-                </a:lnTo>
-                <a:lnTo>
-                  <a:pt x="4249655" y="2220913"/>
-                </a:lnTo>
-                <a:lnTo>
-                  <a:pt x="4256005" y="2228850"/>
-                </a:lnTo>
-                <a:lnTo>
-                  <a:pt x="4262355" y="2238375"/>
-                </a:lnTo>
-                <a:lnTo>
-                  <a:pt x="4266589" y="2244725"/>
-                </a:lnTo>
-                <a:lnTo>
-                  <a:pt x="4637005" y="2522538"/>
-                </a:lnTo>
-                <a:lnTo>
-                  <a:pt x="4637005" y="6858000"/>
-                </a:lnTo>
-                <a:lnTo>
-                  <a:pt x="0" y="6858000"/>
-                </a:lnTo>
-                <a:close/>
-              </a:path>
-            </a:pathLst>
-          </a:custGeom>
-          <a:ln>
-            <a:noFill/>
-          </a:ln>
-        </p:spPr>
-        <p:style>
-          <a:lnRef idx="2">
-            <a:schemeClr val="accent1">
-              <a:shade val="50000"/>
-            </a:schemeClr>
-          </a:lnRef>
-          <a:fillRef idx="1">
-            <a:schemeClr val="accent1"/>
-          </a:fillRef>
-          <a:effectRef idx="0">
-            <a:schemeClr val="accent1"/>
-          </a:effectRef>
-          <a:fontRef idx="minor">
-            <a:schemeClr val="lt1"/>
-          </a:fontRef>
-        </p:style>
-        <p:txBody>
-          <a:bodyPr wrap="square" rtlCol="0" anchor="ctr">
-            <a:noAutofit/>
-          </a:bodyPr>
-          <a:lstStyle/>
-          <a:p>
-            <a:pPr algn="ctr"/>
-            <a:endParaRPr lang="en-US"/>
-          </a:p>
-        </p:txBody>
-      </p:sp>
-      <p:sp>
-        <p:nvSpPr>
-          <p:cNvPr id="22" name="Rounded Rectangle 17"/>
-          <p:cNvSpPr>
-            <a:spLocks noGrp="1" noRot="1" noChangeAspect="1" noMove="1" noResize="1" noEditPoints="1" noAdjustHandles="1" noChangeArrowheads="1" noChangeShapeType="1" noTextEdit="1"/>
-          </p:cNvSpPr>
-          <p:nvPr>
-            <p:extLst>
-              <p:ext uri="{386F3935-93C4-4BCD-93E2-E3B085C9AB24}">
-                <p16:designElem xmlns:p16="http://schemas.microsoft.com/office/powerpoint/2015/main" val="1"/>
-              </p:ext>
-            </p:extLst>
-          </p:nvPr>
-        </p:nvSpPr>
-        <p:spPr>
-          <a:xfrm>
-            <a:off x="5278945" y="958640"/>
-            <a:ext cx="6269591" cy="4945244"/>
-          </a:xfrm>
-          <a:prstGeom prst="roundRect">
-            <a:avLst>
-              <a:gd name="adj" fmla="val 3513"/>
-            </a:avLst>
-          </a:prstGeom>
-          <a:solidFill>
-            <a:srgbClr val="FFFFFF"/>
-          </a:solidFill>
-          <a:ln>
-            <a:solidFill>
-              <a:schemeClr val="accent1"/>
-            </a:solidFill>
-          </a:ln>
-          <a:effectLst/>
-        </p:spPr>
-        <p:style>
-          <a:lnRef idx="2">
-            <a:schemeClr val="accent1">
-              <a:shade val="50000"/>
-            </a:schemeClr>
-          </a:lnRef>
-          <a:fillRef idx="1">
-            <a:schemeClr val="accent1"/>
-          </a:fillRef>
-          <a:effectRef idx="0">
-            <a:schemeClr val="accent1"/>
-          </a:effectRef>
-          <a:fontRef idx="minor">
-            <a:schemeClr val="lt1"/>
-          </a:fontRef>
-        </p:style>
-        <p:txBody>
-          <a:bodyPr rtlCol="0" anchor="ctr"/>
-          <a:lstStyle/>
-          <a:p>
-            <a:pPr algn="ctr"/>
-            <a:endParaRPr lang="en-US"/>
-          </a:p>
-        </p:txBody>
-      </p:sp>
-      <p:pic>
-        <p:nvPicPr>
-          <p:cNvPr id="4" name="Picture 3" descr="A picture containing screenshot&#10;&#10;Description generated with very high confidence"/>
-          <p:cNvPicPr>
-            <a:picLocks noChangeAspect="1"/>
-          </p:cNvPicPr>
-          <p:nvPr/>
-        </p:nvPicPr>
-        <p:blipFill rotWithShape="1">
-          <a:blip r:embed="rId2"/>
-          <a:srcRect r="26749" b="-2"/>
-          <a:stretch/>
-        </p:blipFill>
-        <p:spPr>
-          <a:xfrm>
-            <a:off x="5603706" y="1258529"/>
-            <a:ext cx="5638853" cy="4330205"/>
-          </a:xfrm>
-          <a:prstGeom prst="rect">
-            <a:avLst/>
-          </a:prstGeom>
-        </p:spPr>
-      </p:pic>
-      <p:sp>
-        <p:nvSpPr>
-          <p:cNvPr id="2" name="Title 1"/>
-          <p:cNvSpPr>
-            <a:spLocks noGrp="1"/>
-          </p:cNvSpPr>
-          <p:nvPr>
-            <p:ph type="title"/>
-          </p:nvPr>
-        </p:nvSpPr>
-        <p:spPr>
-          <a:xfrm>
-            <a:off x="838200" y="365125"/>
-            <a:ext cx="3200400" cy="1325563"/>
-          </a:xfrm>
-        </p:spPr>
-        <p:txBody>
-          <a:bodyPr>
-            <a:normAutofit/>
-          </a:bodyPr>
-          <a:lstStyle/>
-          <a:p>
-            <a:endParaRPr lang="en-US" sz="3200"/>
-          </a:p>
-        </p:txBody>
-      </p:sp>
-      <p:sp>
-        <p:nvSpPr>
-          <p:cNvPr id="3" name="Content Placeholder 2"/>
-          <p:cNvSpPr>
-            <a:spLocks noGrp="1"/>
-          </p:cNvSpPr>
-          <p:nvPr>
-            <p:ph idx="1"/>
-          </p:nvPr>
-        </p:nvSpPr>
-        <p:spPr>
-          <a:xfrm>
-            <a:off x="838201" y="1825625"/>
-            <a:ext cx="3200400" cy="4351338"/>
-          </a:xfrm>
-        </p:spPr>
-        <p:txBody>
-          <a:bodyPr>
-            <a:normAutofit/>
-          </a:bodyPr>
-          <a:lstStyle/>
-          <a:p>
-            <a:r>
-              <a:rPr lang="en-US" sz="1800"/>
-              <a:t>This is revised time slots and checked with the request locations.</a:t>
-            </a:r>
-          </a:p>
-          <a:p>
-            <a:r>
-              <a:rPr lang="en-US" sz="1800"/>
-              <a:t>Early mornings : 3 to 6</a:t>
-            </a:r>
-          </a:p>
-          <a:p>
-            <a:r>
-              <a:rPr lang="en-US" sz="1800"/>
-              <a:t>Morning : 6 to 10</a:t>
-            </a:r>
-          </a:p>
-          <a:p>
-            <a:r>
-              <a:rPr lang="en-US" sz="1800"/>
-              <a:t>Afternoon: 10 to 3</a:t>
-            </a:r>
-          </a:p>
-          <a:p>
-            <a:r>
-              <a:rPr lang="en-US" sz="1800"/>
-              <a:t>Evenings: 3 to 7</a:t>
-            </a:r>
-          </a:p>
-          <a:p>
-            <a:r>
-              <a:rPr lang="en-US" sz="1800"/>
-              <a:t>Night : 7 to 11</a:t>
-            </a:r>
-          </a:p>
-          <a:p>
-            <a:r>
-              <a:rPr lang="en-US" sz="1800"/>
-              <a:t>Graph clearly shows that major portion cancelled having pick up locations in the city.</a:t>
-            </a:r>
-          </a:p>
-          <a:p>
-            <a:endParaRPr lang="en-US" sz="1800"/>
-          </a:p>
-        </p:txBody>
-      </p:sp>
+        </p:nvGraphicFramePr>
+        <p:xfrm>
+          <a:off x="838200" y="1825624"/>
+          <a:ext cx="10515603" cy="2560320"/>
+        </p:xfrm>
+        <a:graphic>
+          <a:graphicData uri="http://schemas.openxmlformats.org/drawingml/2006/table">
+            <a:tbl>
+              <a:tblPr firstRow="1" bandRow="1">
+                <a:tableStyleId>{5C22544A-7EE6-4342-B048-85BDC9FD1C3A}</a:tableStyleId>
+              </a:tblPr>
+              <a:tblGrid>
+                <a:gridCol w="1502229">
+                  <a:extLst>
+                    <a:ext uri="{9D8B030D-6E8A-4147-A177-3AD203B41FA5}">
+                      <a16:colId xmlns:a16="http://schemas.microsoft.com/office/drawing/2014/main" val="1637901731"/>
+                    </a:ext>
+                  </a:extLst>
+                </a:gridCol>
+                <a:gridCol w="1502229">
+                  <a:extLst>
+                    <a:ext uri="{9D8B030D-6E8A-4147-A177-3AD203B41FA5}">
+                      <a16:colId xmlns:a16="http://schemas.microsoft.com/office/drawing/2014/main" val="458423073"/>
+                    </a:ext>
+                  </a:extLst>
+                </a:gridCol>
+                <a:gridCol w="1502229">
+                  <a:extLst>
+                    <a:ext uri="{9D8B030D-6E8A-4147-A177-3AD203B41FA5}">
+                      <a16:colId xmlns:a16="http://schemas.microsoft.com/office/drawing/2014/main" val="4169602300"/>
+                    </a:ext>
+                  </a:extLst>
+                </a:gridCol>
+                <a:gridCol w="1502229">
+                  <a:extLst>
+                    <a:ext uri="{9D8B030D-6E8A-4147-A177-3AD203B41FA5}">
+                      <a16:colId xmlns:a16="http://schemas.microsoft.com/office/drawing/2014/main" val="3142626401"/>
+                    </a:ext>
+                  </a:extLst>
+                </a:gridCol>
+                <a:gridCol w="1502229">
+                  <a:extLst>
+                    <a:ext uri="{9D8B030D-6E8A-4147-A177-3AD203B41FA5}">
+                      <a16:colId xmlns:a16="http://schemas.microsoft.com/office/drawing/2014/main" val="2753216246"/>
+                    </a:ext>
+                  </a:extLst>
+                </a:gridCol>
+                <a:gridCol w="1502229">
+                  <a:extLst>
+                    <a:ext uri="{9D8B030D-6E8A-4147-A177-3AD203B41FA5}">
+                      <a16:colId xmlns:a16="http://schemas.microsoft.com/office/drawing/2014/main" val="1822101831"/>
+                    </a:ext>
+                  </a:extLst>
+                </a:gridCol>
+                <a:gridCol w="1502229">
+                  <a:extLst>
+                    <a:ext uri="{9D8B030D-6E8A-4147-A177-3AD203B41FA5}">
+                      <a16:colId xmlns:a16="http://schemas.microsoft.com/office/drawing/2014/main" val="1315083791"/>
+                    </a:ext>
+                  </a:extLst>
+                </a:gridCol>
+              </a:tblGrid>
+              <a:tr h="623289">
+                <a:tc>
+                  <a:txBody>
+                    <a:bodyPr/>
+                    <a:lstStyle/>
+                    <a:p>
+                      <a:r>
+                        <a:rPr lang="en-US" dirty="0"/>
+                        <a:t>Totals</a:t>
+                      </a:r>
+                    </a:p>
+                  </a:txBody>
+                  <a:tcPr/>
+                </a:tc>
+                <a:tc>
+                  <a:txBody>
+                    <a:bodyPr/>
+                    <a:lstStyle/>
+                    <a:p>
+                      <a:r>
+                        <a:rPr lang="en-US" dirty="0"/>
+                        <a:t>Early Morning</a:t>
+                      </a:r>
+                    </a:p>
+                  </a:txBody>
+                  <a:tcPr/>
+                </a:tc>
+                <a:tc>
+                  <a:txBody>
+                    <a:bodyPr/>
+                    <a:lstStyle/>
+                    <a:p>
+                      <a:r>
+                        <a:rPr lang="en-US" dirty="0"/>
+                        <a:t>Morning</a:t>
+                      </a:r>
+                    </a:p>
+                  </a:txBody>
+                  <a:tcPr/>
+                </a:tc>
+                <a:tc>
+                  <a:txBody>
+                    <a:bodyPr/>
+                    <a:lstStyle/>
+                    <a:p>
+                      <a:r>
+                        <a:rPr lang="en-US" dirty="0"/>
+                        <a:t>Afternoon</a:t>
+                      </a:r>
+                    </a:p>
+                  </a:txBody>
+                  <a:tcPr/>
+                </a:tc>
+                <a:tc>
+                  <a:txBody>
+                    <a:bodyPr/>
+                    <a:lstStyle/>
+                    <a:p>
+                      <a:r>
+                        <a:rPr lang="en-US" dirty="0"/>
+                        <a:t>Evening</a:t>
+                      </a:r>
+                    </a:p>
+                  </a:txBody>
+                  <a:tcPr/>
+                </a:tc>
+                <a:tc>
+                  <a:txBody>
+                    <a:bodyPr/>
+                    <a:lstStyle/>
+                    <a:p>
+                      <a:r>
+                        <a:rPr lang="en-US" dirty="0"/>
+                        <a:t>Night</a:t>
+                      </a:r>
+                    </a:p>
+                  </a:txBody>
+                  <a:tcPr/>
+                </a:tc>
+                <a:tc>
+                  <a:txBody>
+                    <a:bodyPr/>
+                    <a:lstStyle/>
+                    <a:p>
+                      <a:r>
+                        <a:rPr lang="en-US" dirty="0"/>
+                        <a:t>Late Night</a:t>
+                      </a:r>
+                    </a:p>
+                  </a:txBody>
+                  <a:tcPr/>
+                </a:tc>
+                <a:extLst>
+                  <a:ext uri="{0D108BD9-81ED-4DB2-BD59-A6C34878D82A}">
+                    <a16:rowId xmlns:a16="http://schemas.microsoft.com/office/drawing/2014/main" val="2067985967"/>
+                  </a:ext>
+                </a:extLst>
+              </a:tr>
+              <a:tr h="623289">
+                <a:tc>
+                  <a:txBody>
+                    <a:bodyPr/>
+                    <a:lstStyle/>
+                    <a:p>
+                      <a:r>
+                        <a:rPr lang="en-US" dirty="0"/>
+                        <a:t>Completed trips</a:t>
+                      </a:r>
+                    </a:p>
+                  </a:txBody>
+                  <a:tcPr/>
+                </a:tc>
+                <a:tc>
+                  <a:txBody>
+                    <a:bodyPr/>
+                    <a:lstStyle/>
+                    <a:p>
+                      <a:r>
+                        <a:rPr lang="en-US" dirty="0"/>
+                        <a:t>277</a:t>
+                      </a:r>
+                    </a:p>
+                  </a:txBody>
+                  <a:tcPr/>
+                </a:tc>
+                <a:tc>
+                  <a:txBody>
+                    <a:bodyPr/>
+                    <a:lstStyle/>
+                    <a:p>
+                      <a:r>
+                        <a:rPr lang="en-US" dirty="0"/>
+                        <a:t>243</a:t>
+                      </a:r>
+                    </a:p>
+                  </a:txBody>
+                  <a:tcPr/>
+                </a:tc>
+                <a:tc>
+                  <a:txBody>
+                    <a:bodyPr/>
+                    <a:lstStyle/>
+                    <a:p>
+                      <a:r>
+                        <a:rPr lang="en-US" dirty="0"/>
+                        <a:t>187</a:t>
+                      </a:r>
+                    </a:p>
+                  </a:txBody>
+                  <a:tcPr/>
+                </a:tc>
+                <a:tc>
+                  <a:txBody>
+                    <a:bodyPr/>
+                    <a:lstStyle/>
+                    <a:p>
+                      <a:r>
+                        <a:rPr lang="en-US" dirty="0"/>
+                        <a:t>276</a:t>
+                      </a:r>
+                    </a:p>
+                  </a:txBody>
+                  <a:tcPr/>
+                </a:tc>
+                <a:tc>
+                  <a:txBody>
+                    <a:bodyPr/>
+                    <a:lstStyle/>
+                    <a:p>
+                      <a:r>
+                        <a:rPr lang="en-US" dirty="0"/>
+                        <a:t>277</a:t>
+                      </a:r>
+                    </a:p>
+                  </a:txBody>
+                  <a:tcPr/>
+                </a:tc>
+                <a:tc>
+                  <a:txBody>
+                    <a:bodyPr/>
+                    <a:lstStyle/>
+                    <a:p>
+                      <a:r>
+                        <a:rPr lang="en-US" dirty="0"/>
+                        <a:t>67</a:t>
+                      </a:r>
+                    </a:p>
+                  </a:txBody>
+                  <a:tcPr/>
+                </a:tc>
+                <a:extLst>
+                  <a:ext uri="{0D108BD9-81ED-4DB2-BD59-A6C34878D82A}">
+                    <a16:rowId xmlns:a16="http://schemas.microsoft.com/office/drawing/2014/main" val="126294393"/>
+                  </a:ext>
+                </a:extLst>
+              </a:tr>
+              <a:tr h="623289">
+                <a:tc>
+                  <a:txBody>
+                    <a:bodyPr/>
+                    <a:lstStyle/>
+                    <a:p>
+                      <a:r>
+                        <a:rPr lang="en-US" dirty="0"/>
+                        <a:t>No Cars Available</a:t>
+                      </a:r>
+                    </a:p>
+                  </a:txBody>
+                  <a:tcPr/>
+                </a:tc>
+                <a:tc>
+                  <a:txBody>
+                    <a:bodyPr/>
+                    <a:lstStyle/>
+                    <a:p>
+                      <a:r>
+                        <a:rPr lang="en-US" dirty="0"/>
+                        <a:t>44</a:t>
+                      </a:r>
+                    </a:p>
+                  </a:txBody>
+                  <a:tcPr/>
+                </a:tc>
+                <a:tc>
+                  <a:txBody>
+                    <a:bodyPr/>
+                    <a:lstStyle/>
+                    <a:p>
+                      <a:r>
+                        <a:rPr lang="en-US" dirty="0"/>
+                        <a:t>34</a:t>
+                      </a:r>
+                    </a:p>
+                  </a:txBody>
+                  <a:tcPr/>
+                </a:tc>
+                <a:tc>
+                  <a:txBody>
+                    <a:bodyPr/>
+                    <a:lstStyle/>
+                    <a:p>
+                      <a:r>
+                        <a:rPr lang="en-US" dirty="0"/>
+                        <a:t>55</a:t>
+                      </a:r>
+                    </a:p>
+                  </a:txBody>
+                  <a:tcPr/>
+                </a:tc>
+                <a:tc>
+                  <a:txBody>
+                    <a:bodyPr/>
+                    <a:lstStyle/>
+                    <a:p>
+                      <a:r>
+                        <a:rPr lang="en-US" dirty="0">
+                          <a:highlight>
+                            <a:srgbClr val="FF0000"/>
+                          </a:highlight>
+                        </a:rPr>
+                        <a:t>801</a:t>
+                      </a:r>
+                    </a:p>
+                  </a:txBody>
+                  <a:tcPr/>
+                </a:tc>
+                <a:tc>
+                  <a:txBody>
+                    <a:bodyPr/>
+                    <a:lstStyle/>
+                    <a:p>
+                      <a:r>
+                        <a:rPr lang="en-US" dirty="0">
+                          <a:highlight>
+                            <a:srgbClr val="FF0000"/>
+                          </a:highlight>
+                        </a:rPr>
+                        <a:t>665</a:t>
+                      </a:r>
+                    </a:p>
+                  </a:txBody>
+                  <a:tcPr/>
+                </a:tc>
+                <a:tc>
+                  <a:txBody>
+                    <a:bodyPr/>
+                    <a:lstStyle/>
+                    <a:p>
+                      <a:r>
+                        <a:rPr lang="en-US" dirty="0"/>
+                        <a:t>114</a:t>
+                      </a:r>
+                    </a:p>
+                  </a:txBody>
+                  <a:tcPr/>
+                </a:tc>
+                <a:extLst>
+                  <a:ext uri="{0D108BD9-81ED-4DB2-BD59-A6C34878D82A}">
+                    <a16:rowId xmlns:a16="http://schemas.microsoft.com/office/drawing/2014/main" val="2118664974"/>
+                  </a:ext>
+                </a:extLst>
+              </a:tr>
+              <a:tr h="623289">
+                <a:tc>
+                  <a:txBody>
+                    <a:bodyPr/>
+                    <a:lstStyle/>
+                    <a:p>
+                      <a:r>
+                        <a:rPr lang="en-US" dirty="0"/>
+                        <a:t>Cancelled Trips</a:t>
+                      </a:r>
+                    </a:p>
+                  </a:txBody>
+                  <a:tcPr/>
+                </a:tc>
+                <a:tc>
+                  <a:txBody>
+                    <a:bodyPr/>
+                    <a:lstStyle/>
+                    <a:p>
+                      <a:r>
+                        <a:rPr lang="en-US" dirty="0"/>
+                        <a:t>15</a:t>
+                      </a:r>
+                    </a:p>
+                  </a:txBody>
+                  <a:tcPr/>
+                </a:tc>
+                <a:tc>
+                  <a:txBody>
+                    <a:bodyPr/>
+                    <a:lstStyle/>
+                    <a:p>
+                      <a:r>
+                        <a:rPr lang="en-US" dirty="0"/>
+                        <a:t>24</a:t>
+                      </a:r>
+                    </a:p>
+                  </a:txBody>
+                  <a:tcPr/>
+                </a:tc>
+                <a:tc>
+                  <a:txBody>
+                    <a:bodyPr/>
+                    <a:lstStyle/>
+                    <a:p>
+                      <a:r>
+                        <a:rPr lang="en-US" dirty="0"/>
+                        <a:t>36</a:t>
+                      </a:r>
+                    </a:p>
+                  </a:txBody>
+                  <a:tcPr/>
+                </a:tc>
+                <a:tc>
+                  <a:txBody>
+                    <a:bodyPr/>
+                    <a:lstStyle/>
+                    <a:p>
+                      <a:r>
+                        <a:rPr lang="en-US" dirty="0"/>
+                        <a:t>63</a:t>
+                      </a:r>
+                    </a:p>
+                  </a:txBody>
+                  <a:tcPr/>
+                </a:tc>
+                <a:tc>
+                  <a:txBody>
+                    <a:bodyPr/>
+                    <a:lstStyle/>
+                    <a:p>
+                      <a:r>
+                        <a:rPr lang="en-US" dirty="0"/>
+                        <a:t>60</a:t>
+                      </a:r>
+                    </a:p>
+                  </a:txBody>
+                  <a:tcPr/>
+                </a:tc>
+                <a:tc>
+                  <a:txBody>
+                    <a:bodyPr/>
+                    <a:lstStyle/>
+                    <a:p>
+                      <a:r>
+                        <a:rPr lang="en-US" dirty="0"/>
+                        <a:t>0</a:t>
+                      </a:r>
+                    </a:p>
+                  </a:txBody>
+                  <a:tcPr/>
+                </a:tc>
+                <a:extLst>
+                  <a:ext uri="{0D108BD9-81ED-4DB2-BD59-A6C34878D82A}">
+                    <a16:rowId xmlns:a16="http://schemas.microsoft.com/office/drawing/2014/main" val="1698739825"/>
+                  </a:ext>
+                </a:extLst>
+              </a:tr>
+            </a:tbl>
+          </a:graphicData>
+        </a:graphic>
+      </p:graphicFrame>
     </p:spTree>
     <p:extLst>
       <p:ext uri="{BB962C8B-B14F-4D97-AF65-F5344CB8AC3E}">
-        <p14:creationId xmlns:p14="http://schemas.microsoft.com/office/powerpoint/2010/main" val="3593795039"/>
+        <p14:creationId xmlns:p14="http://schemas.microsoft.com/office/powerpoint/2010/main" val="3864316260"/>
       </p:ext>
     </p:extLst>
   </p:cSld>
   <p:clrMapOvr>
-    <a:overrideClrMapping bg1="dk1" tx1="lt1" bg2="dk2" tx2="lt2" accent1="accent1" accent2="accent2" accent3="accent3" accent4="accent4" accent5="accent5" accent6="accent6" hlink="hlink" folHlink="folHlink"/>
+    <a:masterClrMapping/>
   </p:clrMapOvr>
 </p:sld>
 </file>
@@ -4778,304 +7006,541 @@
       </p:grpSpPr>
       <p:sp>
         <p:nvSpPr>
-          <p:cNvPr id="13" name="Rectangle 12"/>
-          <p:cNvSpPr>
-            <a:spLocks noGrp="1" noRot="1" noChangeAspect="1" noMove="1" noResize="1" noEditPoints="1" noAdjustHandles="1" noChangeArrowheads="1" noChangeShapeType="1" noTextEdit="1"/>
-          </p:cNvSpPr>
-          <p:nvPr>
+          <p:cNvPr id="2" name="Title 1"/>
+          <p:cNvSpPr>
+            <a:spLocks noGrp="1"/>
+          </p:cNvSpPr>
+          <p:nvPr>
+            <p:ph type="title"/>
+          </p:nvPr>
+        </p:nvSpPr>
+        <p:spPr/>
+        <p:txBody>
+          <a:bodyPr/>
+          <a:lstStyle/>
+          <a:p>
+            <a:r>
+              <a:rPr lang="en-US" dirty="0"/>
+              <a:t>City Analysis</a:t>
+            </a:r>
+          </a:p>
+        </p:txBody>
+      </p:sp>
+      <p:graphicFrame>
+        <p:nvGraphicFramePr>
+          <p:cNvPr id="4" name="Content Placeholder 3"/>
+          <p:cNvGraphicFramePr>
+            <a:graphicFrameLocks noGrp="1"/>
+          </p:cNvGraphicFramePr>
+          <p:nvPr>
+            <p:ph idx="1"/>
             <p:extLst>
-              <p:ext uri="{386F3935-93C4-4BCD-93E2-E3B085C9AB24}">
-                <p16:designElem xmlns:p16="http://schemas.microsoft.com/office/powerpoint/2015/main" val="1"/>
+              <p:ext uri="{D42A27DB-BD31-4B8C-83A1-F6EECF244321}">
+                <p14:modId xmlns:p14="http://schemas.microsoft.com/office/powerpoint/2010/main" val="2943422094"/>
               </p:ext>
             </p:extLst>
           </p:nvPr>
-        </p:nvSpPr>
-        <p:spPr>
-          <a:xfrm>
-            <a:off x="0" y="0"/>
-            <a:ext cx="12188952" cy="6858000"/>
-          </a:xfrm>
-          <a:prstGeom prst="rect">
-            <a:avLst/>
-          </a:prstGeom>
-          <a:solidFill>
-            <a:srgbClr val="FFFFFF"/>
-          </a:solidFill>
-          <a:ln>
-            <a:noFill/>
-          </a:ln>
-        </p:spPr>
-        <p:style>
-          <a:lnRef idx="2">
-            <a:schemeClr val="accent1">
-              <a:shade val="50000"/>
-            </a:schemeClr>
-          </a:lnRef>
-          <a:fillRef idx="1">
-            <a:schemeClr val="accent1"/>
-          </a:fillRef>
-          <a:effectRef idx="0">
-            <a:schemeClr val="accent1"/>
-          </a:effectRef>
-          <a:fontRef idx="minor">
-            <a:schemeClr val="lt1"/>
-          </a:fontRef>
-        </p:style>
-        <p:txBody>
-          <a:bodyPr rtlCol="0" anchor="ctr"/>
-          <a:lstStyle/>
-          <a:p>
-            <a:pPr algn="ctr"/>
-            <a:endParaRPr lang="en-US"/>
-          </a:p>
-        </p:txBody>
-      </p:sp>
-      <p:sp useBgFill="1">
-        <p:nvSpPr>
-          <p:cNvPr id="15" name="Freeform 23"/>
-          <p:cNvSpPr>
-            <a:spLocks noGrp="1" noRot="1" noChangeAspect="1" noMove="1" noResize="1" noEditPoints="1" noAdjustHandles="1" noChangeArrowheads="1" noChangeShapeType="1" noTextEdit="1"/>
-          </p:cNvSpPr>
-          <p:nvPr>
-            <p:extLst>
-              <p:ext uri="{386F3935-93C4-4BCD-93E2-E3B085C9AB24}">
-                <p16:designElem xmlns:p16="http://schemas.microsoft.com/office/powerpoint/2015/main" val="1"/>
-              </p:ext>
-            </p:extLst>
-          </p:nvPr>
-        </p:nvSpPr>
-        <p:spPr bwMode="white">
-          <a:xfrm>
-            <a:off x="0" y="0"/>
-            <a:ext cx="4654295" cy="6858000"/>
-          </a:xfrm>
-          <a:custGeom>
-            <a:avLst/>
-            <a:gdLst>
-              <a:gd name="connsiteX0" fmla="*/ 0 w 4637005"/>
-              <a:gd name="connsiteY0" fmla="*/ 0 h 6858000"/>
-              <a:gd name="connsiteX1" fmla="*/ 4637005 w 4637005"/>
-              <a:gd name="connsiteY1" fmla="*/ 0 h 6858000"/>
-              <a:gd name="connsiteX2" fmla="*/ 4637005 w 4637005"/>
-              <a:gd name="connsiteY2" fmla="*/ 1900238 h 6858000"/>
-              <a:gd name="connsiteX3" fmla="*/ 4266589 w 4637005"/>
-              <a:gd name="connsiteY3" fmla="*/ 2178050 h 6858000"/>
-              <a:gd name="connsiteX4" fmla="*/ 4262355 w 4637005"/>
-              <a:gd name="connsiteY4" fmla="*/ 2184400 h 6858000"/>
-              <a:gd name="connsiteX5" fmla="*/ 4256005 w 4637005"/>
-              <a:gd name="connsiteY5" fmla="*/ 2193925 h 6858000"/>
-              <a:gd name="connsiteX6" fmla="*/ 4249655 w 4637005"/>
-              <a:gd name="connsiteY6" fmla="*/ 2201863 h 6858000"/>
-              <a:gd name="connsiteX7" fmla="*/ 4249655 w 4637005"/>
-              <a:gd name="connsiteY7" fmla="*/ 2211388 h 6858000"/>
-              <a:gd name="connsiteX8" fmla="*/ 4249655 w 4637005"/>
-              <a:gd name="connsiteY8" fmla="*/ 2220913 h 6858000"/>
-              <a:gd name="connsiteX9" fmla="*/ 4256005 w 4637005"/>
-              <a:gd name="connsiteY9" fmla="*/ 2228850 h 6858000"/>
-              <a:gd name="connsiteX10" fmla="*/ 4262355 w 4637005"/>
-              <a:gd name="connsiteY10" fmla="*/ 2238375 h 6858000"/>
-              <a:gd name="connsiteX11" fmla="*/ 4266589 w 4637005"/>
-              <a:gd name="connsiteY11" fmla="*/ 2244725 h 6858000"/>
-              <a:gd name="connsiteX12" fmla="*/ 4637005 w 4637005"/>
-              <a:gd name="connsiteY12" fmla="*/ 2522538 h 6858000"/>
-              <a:gd name="connsiteX13" fmla="*/ 4637005 w 4637005"/>
-              <a:gd name="connsiteY13" fmla="*/ 6858000 h 6858000"/>
-              <a:gd name="connsiteX14" fmla="*/ 0 w 4637005"/>
-              <a:gd name="connsiteY14" fmla="*/ 6858000 h 6858000"/>
-            </a:gdLst>
-            <a:ahLst/>
-            <a:cxnLst>
-              <a:cxn ang="0">
-                <a:pos x="connsiteX0" y="connsiteY0"/>
-              </a:cxn>
-              <a:cxn ang="0">
-                <a:pos x="connsiteX1" y="connsiteY1"/>
-              </a:cxn>
-              <a:cxn ang="0">
-                <a:pos x="connsiteX2" y="connsiteY2"/>
-              </a:cxn>
-              <a:cxn ang="0">
-                <a:pos x="connsiteX3" y="connsiteY3"/>
-              </a:cxn>
-              <a:cxn ang="0">
-                <a:pos x="connsiteX4" y="connsiteY4"/>
-              </a:cxn>
-              <a:cxn ang="0">
-                <a:pos x="connsiteX5" y="connsiteY5"/>
-              </a:cxn>
-              <a:cxn ang="0">
-                <a:pos x="connsiteX6" y="connsiteY6"/>
-              </a:cxn>
-              <a:cxn ang="0">
-                <a:pos x="connsiteX7" y="connsiteY7"/>
-              </a:cxn>
-              <a:cxn ang="0">
-                <a:pos x="connsiteX8" y="connsiteY8"/>
-              </a:cxn>
-              <a:cxn ang="0">
-                <a:pos x="connsiteX9" y="connsiteY9"/>
-              </a:cxn>
-              <a:cxn ang="0">
-                <a:pos x="connsiteX10" y="connsiteY10"/>
-              </a:cxn>
-              <a:cxn ang="0">
-                <a:pos x="connsiteX11" y="connsiteY11"/>
-              </a:cxn>
-              <a:cxn ang="0">
-                <a:pos x="connsiteX12" y="connsiteY12"/>
-              </a:cxn>
-              <a:cxn ang="0">
-                <a:pos x="connsiteX13" y="connsiteY13"/>
-              </a:cxn>
-              <a:cxn ang="0">
-                <a:pos x="connsiteX14" y="connsiteY14"/>
-              </a:cxn>
-            </a:cxnLst>
-            <a:rect l="l" t="t" r="r" b="b"/>
-            <a:pathLst>
-              <a:path w="4637005" h="6858000">
-                <a:moveTo>
-                  <a:pt x="0" y="0"/>
-                </a:moveTo>
-                <a:lnTo>
-                  <a:pt x="4637005" y="0"/>
-                </a:lnTo>
-                <a:lnTo>
-                  <a:pt x="4637005" y="1900238"/>
-                </a:lnTo>
-                <a:lnTo>
-                  <a:pt x="4266589" y="2178050"/>
-                </a:lnTo>
-                <a:lnTo>
-                  <a:pt x="4262355" y="2184400"/>
-                </a:lnTo>
-                <a:lnTo>
-                  <a:pt x="4256005" y="2193925"/>
-                </a:lnTo>
-                <a:lnTo>
-                  <a:pt x="4249655" y="2201863"/>
-                </a:lnTo>
-                <a:lnTo>
-                  <a:pt x="4249655" y="2211388"/>
-                </a:lnTo>
-                <a:lnTo>
-                  <a:pt x="4249655" y="2220913"/>
-                </a:lnTo>
-                <a:lnTo>
-                  <a:pt x="4256005" y="2228850"/>
-                </a:lnTo>
-                <a:lnTo>
-                  <a:pt x="4262355" y="2238375"/>
-                </a:lnTo>
-                <a:lnTo>
-                  <a:pt x="4266589" y="2244725"/>
-                </a:lnTo>
-                <a:lnTo>
-                  <a:pt x="4637005" y="2522538"/>
-                </a:lnTo>
-                <a:lnTo>
-                  <a:pt x="4637005" y="6858000"/>
-                </a:lnTo>
-                <a:lnTo>
-                  <a:pt x="0" y="6858000"/>
-                </a:lnTo>
-                <a:close/>
-              </a:path>
-            </a:pathLst>
-          </a:custGeom>
-          <a:ln>
-            <a:noFill/>
-          </a:ln>
-        </p:spPr>
-        <p:style>
-          <a:lnRef idx="2">
-            <a:schemeClr val="accent1">
-              <a:shade val="50000"/>
-            </a:schemeClr>
-          </a:lnRef>
-          <a:fillRef idx="1">
-            <a:schemeClr val="accent1"/>
-          </a:fillRef>
-          <a:effectRef idx="0">
-            <a:schemeClr val="accent1"/>
-          </a:effectRef>
-          <a:fontRef idx="minor">
-            <a:schemeClr val="lt1"/>
-          </a:fontRef>
-        </p:style>
-        <p:txBody>
-          <a:bodyPr wrap="square" rtlCol="0" anchor="ctr">
-            <a:noAutofit/>
-          </a:bodyPr>
-          <a:lstStyle/>
-          <a:p>
-            <a:pPr algn="ctr"/>
-            <a:endParaRPr lang="en-US"/>
-          </a:p>
-        </p:txBody>
-      </p:sp>
-      <p:sp>
-        <p:nvSpPr>
-          <p:cNvPr id="17" name="Rounded Rectangle 17"/>
-          <p:cNvSpPr>
-            <a:spLocks noGrp="1" noRot="1" noChangeAspect="1" noMove="1" noResize="1" noEditPoints="1" noAdjustHandles="1" noChangeArrowheads="1" noChangeShapeType="1" noTextEdit="1"/>
-          </p:cNvSpPr>
-          <p:nvPr>
-            <p:extLst>
-              <p:ext uri="{386F3935-93C4-4BCD-93E2-E3B085C9AB24}">
-                <p16:designElem xmlns:p16="http://schemas.microsoft.com/office/powerpoint/2015/main" val="1"/>
-              </p:ext>
-            </p:extLst>
-          </p:nvPr>
-        </p:nvSpPr>
-        <p:spPr>
-          <a:xfrm>
-            <a:off x="5278945" y="958640"/>
-            <a:ext cx="6269591" cy="4945244"/>
-          </a:xfrm>
-          <a:prstGeom prst="roundRect">
-            <a:avLst>
-              <a:gd name="adj" fmla="val 3513"/>
-            </a:avLst>
-          </a:prstGeom>
-          <a:solidFill>
-            <a:srgbClr val="FFFFFF"/>
-          </a:solidFill>
-          <a:ln>
-            <a:solidFill>
-              <a:schemeClr val="accent1"/>
-            </a:solidFill>
-          </a:ln>
-          <a:effectLst/>
-        </p:spPr>
-        <p:style>
-          <a:lnRef idx="2">
-            <a:schemeClr val="accent1">
-              <a:shade val="50000"/>
-            </a:schemeClr>
-          </a:lnRef>
-          <a:fillRef idx="1">
-            <a:schemeClr val="accent1"/>
-          </a:fillRef>
-          <a:effectRef idx="0">
-            <a:schemeClr val="accent1"/>
-          </a:effectRef>
-          <a:fontRef idx="minor">
-            <a:schemeClr val="lt1"/>
-          </a:fontRef>
-        </p:style>
-        <p:txBody>
-          <a:bodyPr rtlCol="0" anchor="ctr"/>
-          <a:lstStyle/>
-          <a:p>
-            <a:pPr algn="ctr"/>
-            <a:endParaRPr lang="en-US"/>
-          </a:p>
-        </p:txBody>
-      </p:sp>
+        </p:nvGraphicFramePr>
+        <p:xfrm>
+          <a:off x="838200" y="1825625"/>
+          <a:ext cx="10515603" cy="2560320"/>
+        </p:xfrm>
+        <a:graphic>
+          <a:graphicData uri="http://schemas.openxmlformats.org/drawingml/2006/table">
+            <a:tbl>
+              <a:tblPr firstRow="1" bandRow="1">
+                <a:tableStyleId>{5C22544A-7EE6-4342-B048-85BDC9FD1C3A}</a:tableStyleId>
+              </a:tblPr>
+              <a:tblGrid>
+                <a:gridCol w="1502229">
+                  <a:extLst>
+                    <a:ext uri="{9D8B030D-6E8A-4147-A177-3AD203B41FA5}">
+                      <a16:colId xmlns:a16="http://schemas.microsoft.com/office/drawing/2014/main" val="2228226680"/>
+                    </a:ext>
+                  </a:extLst>
+                </a:gridCol>
+                <a:gridCol w="1502229">
+                  <a:extLst>
+                    <a:ext uri="{9D8B030D-6E8A-4147-A177-3AD203B41FA5}">
+                      <a16:colId xmlns:a16="http://schemas.microsoft.com/office/drawing/2014/main" val="2376959623"/>
+                    </a:ext>
+                  </a:extLst>
+                </a:gridCol>
+                <a:gridCol w="1502229">
+                  <a:extLst>
+                    <a:ext uri="{9D8B030D-6E8A-4147-A177-3AD203B41FA5}">
+                      <a16:colId xmlns:a16="http://schemas.microsoft.com/office/drawing/2014/main" val="1196931332"/>
+                    </a:ext>
+                  </a:extLst>
+                </a:gridCol>
+                <a:gridCol w="1502229">
+                  <a:extLst>
+                    <a:ext uri="{9D8B030D-6E8A-4147-A177-3AD203B41FA5}">
+                      <a16:colId xmlns:a16="http://schemas.microsoft.com/office/drawing/2014/main" val="866179360"/>
+                    </a:ext>
+                  </a:extLst>
+                </a:gridCol>
+                <a:gridCol w="1502229">
+                  <a:extLst>
+                    <a:ext uri="{9D8B030D-6E8A-4147-A177-3AD203B41FA5}">
+                      <a16:colId xmlns:a16="http://schemas.microsoft.com/office/drawing/2014/main" val="646050404"/>
+                    </a:ext>
+                  </a:extLst>
+                </a:gridCol>
+                <a:gridCol w="1502229">
+                  <a:extLst>
+                    <a:ext uri="{9D8B030D-6E8A-4147-A177-3AD203B41FA5}">
+                      <a16:colId xmlns:a16="http://schemas.microsoft.com/office/drawing/2014/main" val="3027904649"/>
+                    </a:ext>
+                  </a:extLst>
+                </a:gridCol>
+                <a:gridCol w="1502229">
+                  <a:extLst>
+                    <a:ext uri="{9D8B030D-6E8A-4147-A177-3AD203B41FA5}">
+                      <a16:colId xmlns:a16="http://schemas.microsoft.com/office/drawing/2014/main" val="1584413430"/>
+                    </a:ext>
+                  </a:extLst>
+                </a:gridCol>
+              </a:tblGrid>
+              <a:tr h="370840">
+                <a:tc>
+                  <a:txBody>
+                    <a:bodyPr/>
+                    <a:lstStyle/>
+                    <a:p>
+                      <a:r>
+                        <a:rPr lang="en-US" dirty="0"/>
+                        <a:t>Totals</a:t>
+                      </a:r>
+                    </a:p>
+                  </a:txBody>
+                  <a:tcPr/>
+                </a:tc>
+                <a:tc>
+                  <a:txBody>
+                    <a:bodyPr/>
+                    <a:lstStyle/>
+                    <a:p>
+                      <a:r>
+                        <a:rPr lang="en-US" dirty="0"/>
+                        <a:t>Early Morning</a:t>
+                      </a:r>
+                    </a:p>
+                  </a:txBody>
+                  <a:tcPr/>
+                </a:tc>
+                <a:tc>
+                  <a:txBody>
+                    <a:bodyPr/>
+                    <a:lstStyle/>
+                    <a:p>
+                      <a:r>
+                        <a:rPr lang="en-US" dirty="0"/>
+                        <a:t>Morning</a:t>
+                      </a:r>
+                    </a:p>
+                  </a:txBody>
+                  <a:tcPr/>
+                </a:tc>
+                <a:tc>
+                  <a:txBody>
+                    <a:bodyPr/>
+                    <a:lstStyle/>
+                    <a:p>
+                      <a:r>
+                        <a:rPr lang="en-US" dirty="0" err="1"/>
+                        <a:t>AfterNoon</a:t>
+                      </a:r>
+                      <a:endParaRPr lang="en-US" dirty="0"/>
+                    </a:p>
+                  </a:txBody>
+                  <a:tcPr/>
+                </a:tc>
+                <a:tc>
+                  <a:txBody>
+                    <a:bodyPr/>
+                    <a:lstStyle/>
+                    <a:p>
+                      <a:r>
+                        <a:rPr lang="en-US" dirty="0"/>
+                        <a:t>Evening</a:t>
+                      </a:r>
+                    </a:p>
+                  </a:txBody>
+                  <a:tcPr/>
+                </a:tc>
+                <a:tc>
+                  <a:txBody>
+                    <a:bodyPr/>
+                    <a:lstStyle/>
+                    <a:p>
+                      <a:r>
+                        <a:rPr lang="en-US" dirty="0"/>
+                        <a:t>Night</a:t>
+                      </a:r>
+                    </a:p>
+                  </a:txBody>
+                  <a:tcPr/>
+                </a:tc>
+                <a:tc>
+                  <a:txBody>
+                    <a:bodyPr/>
+                    <a:lstStyle/>
+                    <a:p>
+                      <a:r>
+                        <a:rPr lang="en-US" dirty="0" err="1"/>
+                        <a:t>LateNight</a:t>
+                      </a:r>
+                      <a:endParaRPr lang="en-US" dirty="0"/>
+                    </a:p>
+                  </a:txBody>
+                  <a:tcPr/>
+                </a:tc>
+                <a:extLst>
+                  <a:ext uri="{0D108BD9-81ED-4DB2-BD59-A6C34878D82A}">
+                    <a16:rowId xmlns:a16="http://schemas.microsoft.com/office/drawing/2014/main" val="3375961876"/>
+                  </a:ext>
+                </a:extLst>
+              </a:tr>
+              <a:tr h="370840">
+                <a:tc>
+                  <a:txBody>
+                    <a:bodyPr/>
+                    <a:lstStyle/>
+                    <a:p>
+                      <a:r>
+                        <a:rPr lang="en-US" dirty="0"/>
+                        <a:t>Completed trips</a:t>
+                      </a:r>
+                    </a:p>
+                  </a:txBody>
+                  <a:tcPr/>
+                </a:tc>
+                <a:tc>
+                  <a:txBody>
+                    <a:bodyPr/>
+                    <a:lstStyle/>
+                    <a:p>
+                      <a:r>
+                        <a:rPr lang="en-US" dirty="0"/>
+                        <a:t>327</a:t>
+                      </a:r>
+                    </a:p>
+                  </a:txBody>
+                  <a:tcPr/>
+                </a:tc>
+                <a:tc>
+                  <a:txBody>
+                    <a:bodyPr/>
+                    <a:lstStyle/>
+                    <a:p>
+                      <a:r>
+                        <a:rPr lang="en-US" dirty="0"/>
+                        <a:t>316</a:t>
+                      </a:r>
+                    </a:p>
+                  </a:txBody>
+                  <a:tcPr/>
+                </a:tc>
+                <a:tc>
+                  <a:txBody>
+                    <a:bodyPr/>
+                    <a:lstStyle/>
+                    <a:p>
+                      <a:r>
+                        <a:rPr lang="en-US" dirty="0"/>
+                        <a:t>213</a:t>
+                      </a:r>
+                    </a:p>
+                  </a:txBody>
+                  <a:tcPr/>
+                </a:tc>
+                <a:tc>
+                  <a:txBody>
+                    <a:bodyPr/>
+                    <a:lstStyle/>
+                    <a:p>
+                      <a:r>
+                        <a:rPr lang="en-US" dirty="0"/>
+                        <a:t>296</a:t>
+                      </a:r>
+                    </a:p>
+                  </a:txBody>
+                  <a:tcPr/>
+                </a:tc>
+                <a:tc>
+                  <a:txBody>
+                    <a:bodyPr/>
+                    <a:lstStyle/>
+                    <a:p>
+                      <a:r>
+                        <a:rPr lang="en-US" dirty="0"/>
+                        <a:t>283</a:t>
+                      </a:r>
+                    </a:p>
+                  </a:txBody>
+                  <a:tcPr/>
+                </a:tc>
+                <a:tc>
+                  <a:txBody>
+                    <a:bodyPr/>
+                    <a:lstStyle/>
+                    <a:p>
+                      <a:r>
+                        <a:rPr lang="en-US" dirty="0"/>
+                        <a:t>69</a:t>
+                      </a:r>
+                    </a:p>
+                  </a:txBody>
+                  <a:tcPr/>
+                </a:tc>
+                <a:extLst>
+                  <a:ext uri="{0D108BD9-81ED-4DB2-BD59-A6C34878D82A}">
+                    <a16:rowId xmlns:a16="http://schemas.microsoft.com/office/drawing/2014/main" val="1147822454"/>
+                  </a:ext>
+                </a:extLst>
+              </a:tr>
+              <a:tr h="370840">
+                <a:tc>
+                  <a:txBody>
+                    <a:bodyPr/>
+                    <a:lstStyle/>
+                    <a:p>
+                      <a:r>
+                        <a:rPr lang="en-US" dirty="0"/>
+                        <a:t>No Cars Available</a:t>
+                      </a:r>
+                    </a:p>
+                  </a:txBody>
+                  <a:tcPr/>
+                </a:tc>
+                <a:tc>
+                  <a:txBody>
+                    <a:bodyPr/>
+                    <a:lstStyle/>
+                    <a:p>
+                      <a:r>
+                        <a:rPr lang="en-US" dirty="0"/>
+                        <a:t>263</a:t>
+                      </a:r>
+                    </a:p>
+                  </a:txBody>
+                  <a:tcPr/>
+                </a:tc>
+                <a:tc>
+                  <a:txBody>
+                    <a:bodyPr/>
+                    <a:lstStyle/>
+                    <a:p>
+                      <a:r>
+                        <a:rPr lang="en-US" dirty="0"/>
+                        <a:t>245</a:t>
+                      </a:r>
+                    </a:p>
+                  </a:txBody>
+                  <a:tcPr/>
+                </a:tc>
+                <a:tc>
+                  <a:txBody>
+                    <a:bodyPr/>
+                    <a:lstStyle/>
+                    <a:p>
+                      <a:r>
+                        <a:rPr lang="en-US" dirty="0"/>
+                        <a:t>127</a:t>
+                      </a:r>
+                    </a:p>
+                  </a:txBody>
+                  <a:tcPr/>
+                </a:tc>
+                <a:tc>
+                  <a:txBody>
+                    <a:bodyPr/>
+                    <a:lstStyle/>
+                    <a:p>
+                      <a:r>
+                        <a:rPr lang="en-US" dirty="0"/>
+                        <a:t>82</a:t>
+                      </a:r>
+                    </a:p>
+                  </a:txBody>
+                  <a:tcPr/>
+                </a:tc>
+                <a:tc>
+                  <a:txBody>
+                    <a:bodyPr/>
+                    <a:lstStyle/>
+                    <a:p>
+                      <a:r>
+                        <a:rPr lang="en-US" dirty="0"/>
+                        <a:t>109</a:t>
+                      </a:r>
+                    </a:p>
+                  </a:txBody>
+                  <a:tcPr/>
+                </a:tc>
+                <a:tc>
+                  <a:txBody>
+                    <a:bodyPr/>
+                    <a:lstStyle/>
+                    <a:p>
+                      <a:r>
+                        <a:rPr lang="en-US" dirty="0"/>
+                        <a:t>111</a:t>
+                      </a:r>
+                    </a:p>
+                  </a:txBody>
+                  <a:tcPr/>
+                </a:tc>
+                <a:extLst>
+                  <a:ext uri="{0D108BD9-81ED-4DB2-BD59-A6C34878D82A}">
+                    <a16:rowId xmlns:a16="http://schemas.microsoft.com/office/drawing/2014/main" val="3201949566"/>
+                  </a:ext>
+                </a:extLst>
+              </a:tr>
+              <a:tr h="370840">
+                <a:tc>
+                  <a:txBody>
+                    <a:bodyPr/>
+                    <a:lstStyle/>
+                    <a:p>
+                      <a:r>
+                        <a:rPr lang="en-US" dirty="0"/>
+                        <a:t>Cancelled Trips</a:t>
+                      </a:r>
+                    </a:p>
+                  </a:txBody>
+                  <a:tcPr/>
+                </a:tc>
+                <a:tc>
+                  <a:txBody>
+                    <a:bodyPr/>
+                    <a:lstStyle/>
+                    <a:p>
+                      <a:r>
+                        <a:rPr lang="en-US" dirty="0">
+                          <a:highlight>
+                            <a:srgbClr val="FF0000"/>
+                          </a:highlight>
+                        </a:rPr>
+                        <a:t>526</a:t>
+                      </a:r>
+                    </a:p>
+                  </a:txBody>
+                  <a:tcPr/>
+                </a:tc>
+                <a:tc>
+                  <a:txBody>
+                    <a:bodyPr/>
+                    <a:lstStyle/>
+                    <a:p>
+                      <a:r>
+                        <a:rPr lang="en-US" dirty="0">
+                          <a:highlight>
+                            <a:srgbClr val="FF0000"/>
+                          </a:highlight>
+                        </a:rPr>
+                        <a:t>406</a:t>
+                      </a:r>
+                    </a:p>
+                  </a:txBody>
+                  <a:tcPr/>
+                </a:tc>
+                <a:tc>
+                  <a:txBody>
+                    <a:bodyPr/>
+                    <a:lstStyle/>
+                    <a:p>
+                      <a:r>
+                        <a:rPr lang="en-US" dirty="0"/>
+                        <a:t>33</a:t>
+                      </a:r>
+                    </a:p>
+                  </a:txBody>
+                  <a:tcPr/>
+                </a:tc>
+                <a:tc>
+                  <a:txBody>
+                    <a:bodyPr/>
+                    <a:lstStyle/>
+                    <a:p>
+                      <a:r>
+                        <a:rPr lang="en-US" dirty="0"/>
+                        <a:t>42</a:t>
+                      </a:r>
+                    </a:p>
+                  </a:txBody>
+                  <a:tcPr/>
+                </a:tc>
+                <a:tc>
+                  <a:txBody>
+                    <a:bodyPr/>
+                    <a:lstStyle/>
+                    <a:p>
+                      <a:r>
+                        <a:rPr lang="en-US" dirty="0"/>
+                        <a:t>14</a:t>
+                      </a:r>
+                    </a:p>
+                  </a:txBody>
+                  <a:tcPr/>
+                </a:tc>
+                <a:tc>
+                  <a:txBody>
+                    <a:bodyPr/>
+                    <a:lstStyle/>
+                    <a:p>
+                      <a:r>
+                        <a:rPr lang="en-US" dirty="0"/>
+                        <a:t>45</a:t>
+                      </a:r>
+                    </a:p>
+                  </a:txBody>
+                  <a:tcPr/>
+                </a:tc>
+                <a:extLst>
+                  <a:ext uri="{0D108BD9-81ED-4DB2-BD59-A6C34878D82A}">
+                    <a16:rowId xmlns:a16="http://schemas.microsoft.com/office/drawing/2014/main" val="339125950"/>
+                  </a:ext>
+                </a:extLst>
+              </a:tr>
+            </a:tbl>
+          </a:graphicData>
+        </a:graphic>
+      </p:graphicFrame>
+    </p:spTree>
+    <p:extLst>
+      <p:ext uri="{BB962C8B-B14F-4D97-AF65-F5344CB8AC3E}">
+        <p14:creationId xmlns:p14="http://schemas.microsoft.com/office/powerpoint/2010/main" val="2045485659"/>
+      </p:ext>
+    </p:extLst>
+  </p:cSld>
+  <p:clrMapOvr>
+    <a:masterClrMapping/>
+  </p:clrMapOvr>
+</p:sld>
+</file>
+
+<file path=ppt/slides/slide7.xml><?xml version="1.0" encoding="utf-8"?>
+<p:sld xmlns:a="http://schemas.openxmlformats.org/drawingml/2006/main" xmlns:r="http://schemas.openxmlformats.org/officeDocument/2006/relationships" xmlns:p="http://schemas.openxmlformats.org/presentationml/2006/main">
+  <p:cSld>
+    <p:spTree>
+      <p:nvGrpSpPr>
+        <p:cNvPr id="1" name=""/>
+        <p:cNvGrpSpPr/>
+        <p:nvPr/>
+      </p:nvGrpSpPr>
+      <p:grpSpPr>
+        <a:xfrm>
+          <a:off x="0" y="0"/>
+          <a:ext cx="0" cy="0"/>
+          <a:chOff x="0" y="0"/>
+          <a:chExt cx="0" cy="0"/>
+        </a:xfrm>
+      </p:grpSpPr>
       <p:pic>
         <p:nvPicPr>
-          <p:cNvPr id="7" name="Content Placeholder 3"/>
+          <p:cNvPr id="4" name="Picture 3"/>
           <p:cNvPicPr>
             <a:picLocks noChangeAspect="1"/>
           </p:cNvPicPr>
@@ -5083,17 +7548,18 @@
         </p:nvPicPr>
         <p:blipFill rotWithShape="1">
           <a:blip r:embed="rId2"/>
-          <a:srcRect r="26749" b="-2"/>
+          <a:srcRect t="3709" r="-1" b="-1"/>
           <a:stretch/>
         </p:blipFill>
         <p:spPr>
           <a:xfrm>
-            <a:off x="5603706" y="1258529"/>
-            <a:ext cx="5638853" cy="4330205"/>
+            <a:off x="4681259" y="10"/>
+            <a:ext cx="7552944" cy="6857990"/>
           </a:xfrm>
           <a:prstGeom prst="rect">
             <a:avLst/>
           </a:prstGeom>
+          <a:effectLst/>
         </p:spPr>
       </p:pic>
       <p:sp>
@@ -5108,8 +7574,8 @@
         </p:nvSpPr>
         <p:spPr>
           <a:xfrm>
-            <a:off x="838200" y="365125"/>
-            <a:ext cx="3200400" cy="1325563"/>
+            <a:off x="648929" y="629266"/>
+            <a:ext cx="3651467" cy="1676603"/>
           </a:xfrm>
         </p:spPr>
         <p:txBody>
@@ -5118,7 +7584,11 @@
           </a:bodyPr>
           <a:lstStyle/>
           <a:p>
-            <a:endParaRPr lang="en-US" sz="3200"/>
+            <a:r>
+              <a:rPr lang="en-US"/>
+              <a:t>Time Slot Analysis</a:t>
+            </a:r>
+            <a:endParaRPr lang="en-US" dirty="0"/>
           </a:p>
         </p:txBody>
       </p:sp>
@@ -5134,8 +7604,124 @@
         </p:nvSpPr>
         <p:spPr>
           <a:xfrm>
-            <a:off x="838201" y="1825625"/>
-            <a:ext cx="3200400" cy="4351338"/>
+            <a:off x="648931" y="2438400"/>
+            <a:ext cx="3651466" cy="3785419"/>
+          </a:xfrm>
+        </p:spPr>
+        <p:txBody>
+          <a:bodyPr>
+            <a:normAutofit lnSpcReduction="10000"/>
+          </a:bodyPr>
+          <a:lstStyle/>
+          <a:p>
+            <a:r>
+              <a:rPr lang="en-US" sz="1800" dirty="0"/>
+              <a:t>This picture drawn by keeping time slot on X-Axis and Number of requests on Y-Axis</a:t>
+            </a:r>
+          </a:p>
+          <a:p>
+            <a:r>
+              <a:rPr lang="en-US" sz="1800" dirty="0"/>
+              <a:t>Red: Trip Complete</a:t>
+            </a:r>
+          </a:p>
+          <a:p>
+            <a:r>
+              <a:rPr lang="en-US" sz="1800" dirty="0"/>
+              <a:t>Orange: No Cars</a:t>
+            </a:r>
+          </a:p>
+          <a:p>
+            <a:r>
+              <a:rPr lang="en-US" sz="1800" dirty="0"/>
+              <a:t>Blue: Cancelled Bookings</a:t>
+            </a:r>
+          </a:p>
+          <a:p>
+            <a:r>
+              <a:rPr lang="en-US" sz="1800" dirty="0"/>
+              <a:t>Now this depicts that most number of cancellations happening during early mornings and mornings. Means 4 AM to 10 AM roughly.</a:t>
+            </a:r>
+          </a:p>
+          <a:p>
+            <a:r>
+              <a:rPr lang="en-US" sz="1800" dirty="0"/>
+              <a:t>Let us analyze further to find some more insights</a:t>
+            </a:r>
+          </a:p>
+          <a:p>
+            <a:endParaRPr lang="en-US" sz="1800" dirty="0"/>
+          </a:p>
+        </p:txBody>
+      </p:sp>
+    </p:spTree>
+    <p:extLst>
+      <p:ext uri="{BB962C8B-B14F-4D97-AF65-F5344CB8AC3E}">
+        <p14:creationId xmlns:p14="http://schemas.microsoft.com/office/powerpoint/2010/main" val="3647397877"/>
+      </p:ext>
+    </p:extLst>
+  </p:cSld>
+  <p:clrMapOvr>
+    <a:masterClrMapping/>
+  </p:clrMapOvr>
+</p:sld>
+</file>
+
+<file path=ppt/slides/slide8.xml><?xml version="1.0" encoding="utf-8"?>
+<p:sld xmlns:a="http://schemas.openxmlformats.org/drawingml/2006/main" xmlns:r="http://schemas.openxmlformats.org/officeDocument/2006/relationships" xmlns:p="http://schemas.openxmlformats.org/presentationml/2006/main">
+  <p:cSld>
+    <p:spTree>
+      <p:nvGrpSpPr>
+        <p:cNvPr id="1" name=""/>
+        <p:cNvGrpSpPr/>
+        <p:nvPr/>
+      </p:nvGrpSpPr>
+      <p:grpSpPr>
+        <a:xfrm>
+          <a:off x="0" y="0"/>
+          <a:ext cx="0" cy="0"/>
+          <a:chOff x="0" y="0"/>
+          <a:chExt cx="0" cy="0"/>
+        </a:xfrm>
+      </p:grpSpPr>
+      <p:pic>
+        <p:nvPicPr>
+          <p:cNvPr id="8" name="Picture 7"/>
+          <p:cNvPicPr>
+            <a:picLocks noChangeAspect="1"/>
+          </p:cNvPicPr>
+          <p:nvPr/>
+        </p:nvPicPr>
+        <p:blipFill rotWithShape="1">
+          <a:blip r:embed="rId2"/>
+          <a:srcRect t="3709" r="-1" b="-1"/>
+          <a:stretch/>
+        </p:blipFill>
+        <p:spPr>
+          <a:xfrm>
+            <a:off x="4639056" y="10"/>
+            <a:ext cx="7552944" cy="6857990"/>
+          </a:xfrm>
+          <a:prstGeom prst="rect">
+            <a:avLst/>
+          </a:prstGeom>
+          <a:effectLst/>
+        </p:spPr>
+      </p:pic>
+      <p:sp>
+        <p:nvSpPr>
+          <p:cNvPr id="2" name="Title 1"/>
+          <p:cNvSpPr>
+            <a:spLocks noGrp="1"/>
+          </p:cNvSpPr>
+          <p:nvPr>
+            <p:ph type="title"/>
+          </p:nvPr>
+        </p:nvSpPr>
+        <p:spPr>
+          <a:xfrm>
+            <a:off x="648929" y="629266"/>
+            <a:ext cx="3651467" cy="1676603"/>
           </a:xfrm>
         </p:spPr>
         <p:txBody>
@@ -5144,15 +7730,200 @@
           </a:bodyPr>
           <a:lstStyle/>
           <a:p>
+            <a:endParaRPr lang="en-US"/>
+          </a:p>
+        </p:txBody>
+      </p:sp>
+      <p:sp>
+        <p:nvSpPr>
+          <p:cNvPr id="3" name="Content Placeholder 2"/>
+          <p:cNvSpPr>
+            <a:spLocks noGrp="1"/>
+          </p:cNvSpPr>
+          <p:nvPr>
+            <p:ph idx="1"/>
+          </p:nvPr>
+        </p:nvSpPr>
+        <p:spPr>
+          <a:xfrm>
+            <a:off x="648931" y="2438400"/>
+            <a:ext cx="3651466" cy="3785419"/>
+          </a:xfrm>
+        </p:spPr>
+        <p:txBody>
+          <a:bodyPr>
+            <a:normAutofit/>
+          </a:bodyPr>
+          <a:lstStyle/>
+          <a:p>
             <a:r>
               <a:rPr lang="en-US" sz="1800" dirty="0"/>
-              <a:t>During Evenings and Nights we can see a demand supply gap a lot</a:t>
+              <a:t>This is revised time slots and checked with the request locations.</a:t>
             </a:r>
           </a:p>
           <a:p>
             <a:r>
               <a:rPr lang="en-US" sz="1800" dirty="0"/>
-              <a:t>Mainly Airport pick ups are facing this problem.</a:t>
+              <a:t>Graph clearly shows that major portion showing cars not available during evenings and nights effectively time between 16 to 23.</a:t>
+            </a:r>
+          </a:p>
+          <a:p>
+            <a:r>
+              <a:rPr lang="en-US" sz="1800" dirty="0"/>
+              <a:t>This is Demand –Supply Gap</a:t>
+            </a:r>
+          </a:p>
+          <a:p>
+            <a:r>
+              <a:rPr lang="en-US" sz="1800" dirty="0"/>
+              <a:t>Let us view the whole scenario in a single diagram</a:t>
+            </a:r>
+          </a:p>
+          <a:p>
+            <a:r>
+              <a:rPr lang="en-US" sz="1800" dirty="0"/>
+              <a:t>  </a:t>
+            </a:r>
+          </a:p>
+          <a:p>
+            <a:endParaRPr lang="en-US" sz="1800" dirty="0"/>
+          </a:p>
+          <a:p>
+            <a:endParaRPr lang="en-US" sz="1800" dirty="0"/>
+          </a:p>
+        </p:txBody>
+      </p:sp>
+    </p:spTree>
+    <p:extLst>
+      <p:ext uri="{BB962C8B-B14F-4D97-AF65-F5344CB8AC3E}">
+        <p14:creationId xmlns:p14="http://schemas.microsoft.com/office/powerpoint/2010/main" val="3593795039"/>
+      </p:ext>
+    </p:extLst>
+  </p:cSld>
+  <p:clrMapOvr>
+    <a:masterClrMapping/>
+  </p:clrMapOvr>
+</p:sld>
+</file>
+
+<file path=ppt/slides/slide9.xml><?xml version="1.0" encoding="utf-8"?>
+<p:sld xmlns:a="http://schemas.openxmlformats.org/drawingml/2006/main" xmlns:r="http://schemas.openxmlformats.org/officeDocument/2006/relationships" xmlns:p="http://schemas.openxmlformats.org/presentationml/2006/main">
+  <p:cSld>
+    <p:spTree>
+      <p:nvGrpSpPr>
+        <p:cNvPr id="1" name=""/>
+        <p:cNvGrpSpPr/>
+        <p:nvPr/>
+      </p:nvGrpSpPr>
+      <p:grpSpPr>
+        <a:xfrm>
+          <a:off x="0" y="0"/>
+          <a:ext cx="0" cy="0"/>
+          <a:chOff x="0" y="0"/>
+          <a:chExt cx="0" cy="0"/>
+        </a:xfrm>
+      </p:grpSpPr>
+      <p:pic>
+        <p:nvPicPr>
+          <p:cNvPr id="4" name="Picture 3"/>
+          <p:cNvPicPr>
+            <a:picLocks noChangeAspect="1"/>
+          </p:cNvPicPr>
+          <p:nvPr/>
+        </p:nvPicPr>
+        <p:blipFill rotWithShape="1">
+          <a:blip r:embed="rId2"/>
+          <a:srcRect t="8657"/>
+          <a:stretch/>
+        </p:blipFill>
+        <p:spPr>
+          <a:xfrm>
+            <a:off x="4639056" y="10"/>
+            <a:ext cx="7552944" cy="6857990"/>
+          </a:xfrm>
+          <a:prstGeom prst="rect">
+            <a:avLst/>
+          </a:prstGeom>
+          <a:effectLst/>
+        </p:spPr>
+      </p:pic>
+      <p:sp>
+        <p:nvSpPr>
+          <p:cNvPr id="2" name="Title 1"/>
+          <p:cNvSpPr>
+            <a:spLocks noGrp="1"/>
+          </p:cNvSpPr>
+          <p:nvPr>
+            <p:ph type="title"/>
+          </p:nvPr>
+        </p:nvSpPr>
+        <p:spPr>
+          <a:xfrm>
+            <a:off x="648929" y="629266"/>
+            <a:ext cx="3651467" cy="1676603"/>
+          </a:xfrm>
+        </p:spPr>
+        <p:txBody>
+          <a:bodyPr>
+            <a:normAutofit/>
+          </a:bodyPr>
+          <a:lstStyle/>
+          <a:p>
+            <a:r>
+              <a:rPr lang="en-US" dirty="0"/>
+              <a:t>Hawk View</a:t>
+            </a:r>
+          </a:p>
+        </p:txBody>
+      </p:sp>
+      <p:sp>
+        <p:nvSpPr>
+          <p:cNvPr id="9" name="Content Placeholder 8"/>
+          <p:cNvSpPr>
+            <a:spLocks noGrp="1"/>
+          </p:cNvSpPr>
+          <p:nvPr>
+            <p:ph idx="1"/>
+          </p:nvPr>
+        </p:nvSpPr>
+        <p:spPr>
+          <a:xfrm>
+            <a:off x="648931" y="2438400"/>
+            <a:ext cx="3651466" cy="3785419"/>
+          </a:xfrm>
+        </p:spPr>
+        <p:txBody>
+          <a:bodyPr>
+            <a:normAutofit/>
+          </a:bodyPr>
+          <a:lstStyle/>
+          <a:p>
+            <a:endParaRPr lang="en-US" sz="1800" dirty="0"/>
+          </a:p>
+          <a:p>
+            <a:r>
+              <a:rPr lang="en-US" sz="1800" b="1" dirty="0"/>
+              <a:t>AIRPORTS:</a:t>
+            </a:r>
+            <a:r>
+              <a:rPr lang="en-US" sz="1800" dirty="0"/>
+              <a:t> no cars available  during evenings and nights</a:t>
+            </a:r>
+          </a:p>
+          <a:p>
+            <a:r>
+              <a:rPr lang="en-US" sz="1800" b="1" dirty="0"/>
+              <a:t>CITY: </a:t>
+            </a:r>
+            <a:r>
+              <a:rPr lang="en-US" sz="1800" dirty="0"/>
+              <a:t>More cancellations happening during mornings</a:t>
+            </a:r>
+          </a:p>
+          <a:p>
+            <a:r>
+              <a:rPr lang="en-US" sz="1800" dirty="0"/>
+              <a:t>Average travel time 52.41 minutes</a:t>
             </a:r>
           </a:p>
         </p:txBody>
@@ -5165,7 +7936,7 @@
     </p:extLst>
   </p:cSld>
   <p:clrMapOvr>
-    <a:overrideClrMapping bg1="dk1" tx1="lt1" bg2="dk2" tx2="lt2" accent1="accent1" accent2="accent2" accent3="accent3" accent4="accent4" accent5="accent5" accent6="accent6" hlink="hlink" folHlink="folHlink"/>
+    <a:masterClrMapping/>
   </p:clrMapOvr>
 </p:sld>
 </file>
